--- a/docs/diagrams/ModelComponentClassDiagram.pptx
+++ b/docs/diagrams/ModelComponentClassDiagram.pptx
@@ -208,7 +208,7 @@
           <a:p>
             <a:fld id="{F5CC4B3F-88C1-4FFA-B1B6-F41C21DC6924}" type="datetimeFigureOut">
               <a:rPr lang="en-US" smtClean="0"/>
-              <a:t>6/27/2018</a:t>
+              <a:t>10/18/2018</a:t>
             </a:fld>
             <a:endParaRPr lang="en-US"/>
           </a:p>
@@ -654,7 +654,7 @@
           <a:p>
             <a:fld id="{78C97017-6FC3-485B-9764-EAC9E56C1D49}" type="datetimeFigureOut">
               <a:rPr lang="en-US" smtClean="0"/>
-              <a:t>6/27/2018</a:t>
+              <a:t>10/18/2018</a:t>
             </a:fld>
             <a:endParaRPr lang="en-US"/>
           </a:p>
@@ -822,7 +822,7 @@
           <a:p>
             <a:fld id="{78C97017-6FC3-485B-9764-EAC9E56C1D49}" type="datetimeFigureOut">
               <a:rPr lang="en-US" smtClean="0"/>
-              <a:t>6/27/2018</a:t>
+              <a:t>10/18/2018</a:t>
             </a:fld>
             <a:endParaRPr lang="en-US"/>
           </a:p>
@@ -1000,7 +1000,7 @@
           <a:p>
             <a:fld id="{78C97017-6FC3-485B-9764-EAC9E56C1D49}" type="datetimeFigureOut">
               <a:rPr lang="en-US" smtClean="0"/>
-              <a:t>6/27/2018</a:t>
+              <a:t>10/18/2018</a:t>
             </a:fld>
             <a:endParaRPr lang="en-US"/>
           </a:p>
@@ -1168,7 +1168,7 @@
           <a:p>
             <a:fld id="{78C97017-6FC3-485B-9764-EAC9E56C1D49}" type="datetimeFigureOut">
               <a:rPr lang="en-US" smtClean="0"/>
-              <a:t>6/27/2018</a:t>
+              <a:t>10/18/2018</a:t>
             </a:fld>
             <a:endParaRPr lang="en-US"/>
           </a:p>
@@ -1413,7 +1413,7 @@
           <a:p>
             <a:fld id="{78C97017-6FC3-485B-9764-EAC9E56C1D49}" type="datetimeFigureOut">
               <a:rPr lang="en-US" smtClean="0"/>
-              <a:t>6/27/2018</a:t>
+              <a:t>10/18/2018</a:t>
             </a:fld>
             <a:endParaRPr lang="en-US"/>
           </a:p>
@@ -1698,7 +1698,7 @@
           <a:p>
             <a:fld id="{78C97017-6FC3-485B-9764-EAC9E56C1D49}" type="datetimeFigureOut">
               <a:rPr lang="en-US" smtClean="0"/>
-              <a:t>6/27/2018</a:t>
+              <a:t>10/18/2018</a:t>
             </a:fld>
             <a:endParaRPr lang="en-US"/>
           </a:p>
@@ -2117,7 +2117,7 @@
           <a:p>
             <a:fld id="{78C97017-6FC3-485B-9764-EAC9E56C1D49}" type="datetimeFigureOut">
               <a:rPr lang="en-US" smtClean="0"/>
-              <a:t>6/27/2018</a:t>
+              <a:t>10/18/2018</a:t>
             </a:fld>
             <a:endParaRPr lang="en-US"/>
           </a:p>
@@ -2234,7 +2234,7 @@
           <a:p>
             <a:fld id="{78C97017-6FC3-485B-9764-EAC9E56C1D49}" type="datetimeFigureOut">
               <a:rPr lang="en-US" smtClean="0"/>
-              <a:t>6/27/2018</a:t>
+              <a:t>10/18/2018</a:t>
             </a:fld>
             <a:endParaRPr lang="en-US"/>
           </a:p>
@@ -2329,7 +2329,7 @@
           <a:p>
             <a:fld id="{78C97017-6FC3-485B-9764-EAC9E56C1D49}" type="datetimeFigureOut">
               <a:rPr lang="en-US" smtClean="0"/>
-              <a:t>6/27/2018</a:t>
+              <a:t>10/18/2018</a:t>
             </a:fld>
             <a:endParaRPr lang="en-US"/>
           </a:p>
@@ -2604,7 +2604,7 @@
           <a:p>
             <a:fld id="{78C97017-6FC3-485B-9764-EAC9E56C1D49}" type="datetimeFigureOut">
               <a:rPr lang="en-US" smtClean="0"/>
-              <a:t>6/27/2018</a:t>
+              <a:t>10/18/2018</a:t>
             </a:fld>
             <a:endParaRPr lang="en-US"/>
           </a:p>
@@ -2856,7 +2856,7 @@
           <a:p>
             <a:fld id="{78C97017-6FC3-485B-9764-EAC9E56C1D49}" type="datetimeFigureOut">
               <a:rPr lang="en-US" smtClean="0"/>
-              <a:t>6/27/2018</a:t>
+              <a:t>10/18/2018</a:t>
             </a:fld>
             <a:endParaRPr lang="en-US"/>
           </a:p>
@@ -3067,7 +3067,7 @@
           <a:p>
             <a:fld id="{78C97017-6FC3-485B-9764-EAC9E56C1D49}" type="datetimeFigureOut">
               <a:rPr lang="en-US" smtClean="0"/>
-              <a:t>6/27/2018</a:t>
+              <a:t>10/18/2018</a:t>
             </a:fld>
             <a:endParaRPr lang="en-US"/>
           </a:p>
@@ -3994,7 +3994,7 @@
           <a:p>
             <a:pPr algn="ctr"/>
             <a:r>
-              <a:rPr lang="en-US" sz="1050" dirty="0" err="1" smtClean="0">
+              <a:rPr lang="en-US" sz="1050" dirty="0" err="1">
                 <a:solidFill>
                   <a:srgbClr val="7030A0"/>
                 </a:solidFill>
@@ -5023,14 +5023,6 @@
               </a:rPr>
               <a:t>&lt;&lt;interface&gt;&gt;</a:t>
             </a:r>
-            <a:r>
-              <a:rPr lang="en-US" sz="1050">
-                <a:solidFill>
-                  <a:srgbClr val="7030A0"/>
-                </a:solidFill>
-              </a:rPr>
-              <a:t/>
-            </a:r>
             <a:br>
               <a:rPr lang="en-US" sz="1050">
                 <a:solidFill>
@@ -5641,6 +5633,623 @@
           </a:fontRef>
         </p:style>
       </p:cxnSp>
+      <p:sp>
+        <p:nvSpPr>
+          <p:cNvPr id="56" name="Flowchart: Decision 96">
+            <a:extLst>
+              <a:ext uri="{FF2B5EF4-FFF2-40B4-BE49-F238E27FC236}">
+                <a16:creationId xmlns:a16="http://schemas.microsoft.com/office/drawing/2014/main" id="{F6FEDA25-F713-4DEF-8E6E-3832BD230724}"/>
+              </a:ext>
+            </a:extLst>
+          </p:cNvPr>
+          <p:cNvSpPr/>
+          <p:nvPr/>
+        </p:nvSpPr>
+        <p:spPr>
+          <a:xfrm rot="5400000">
+            <a:off x="3550759" y="3514788"/>
+            <a:ext cx="236048" cy="173380"/>
+          </a:xfrm>
+          <a:prstGeom prst="flowChartDecision">
+            <a:avLst/>
+          </a:prstGeom>
+          <a:solidFill>
+            <a:srgbClr val="7030A0"/>
+          </a:solidFill>
+          <a:ln w="19050">
+            <a:solidFill>
+              <a:srgbClr val="7030A0"/>
+            </a:solidFill>
+          </a:ln>
+          <a:effectLst/>
+        </p:spPr>
+        <p:style>
+          <a:lnRef idx="1">
+            <a:schemeClr val="accent6"/>
+          </a:lnRef>
+          <a:fillRef idx="2">
+            <a:schemeClr val="accent6"/>
+          </a:fillRef>
+          <a:effectRef idx="1">
+            <a:schemeClr val="accent6"/>
+          </a:effectRef>
+          <a:fontRef idx="minor">
+            <a:schemeClr val="dk1"/>
+          </a:fontRef>
+        </p:style>
+        <p:txBody>
+          <a:bodyPr rtlCol="0" anchor="ctr"/>
+          <a:lstStyle/>
+          <a:p>
+            <a:pPr algn="ctr"/>
+            <a:endParaRPr lang="en-US" sz="1050"/>
+          </a:p>
+        </p:txBody>
+      </p:sp>
+      <p:cxnSp>
+        <p:nvCxnSpPr>
+          <p:cNvPr id="57" name="Connector: Elbow 56">
+            <a:extLst>
+              <a:ext uri="{FF2B5EF4-FFF2-40B4-BE49-F238E27FC236}">
+                <a16:creationId xmlns:a16="http://schemas.microsoft.com/office/drawing/2014/main" id="{7802B7BF-424D-41F1-B34D-C73184E365DE}"/>
+              </a:ext>
+            </a:extLst>
+          </p:cNvPr>
+          <p:cNvCxnSpPr>
+            <a:cxnSpLocks/>
+            <a:stCxn id="82" idx="1"/>
+            <a:endCxn id="59" idx="2"/>
+          </p:cNvCxnSpPr>
+          <p:nvPr/>
+        </p:nvCxnSpPr>
+        <p:spPr>
+          <a:xfrm rot="5400000" flipH="1" flipV="1">
+            <a:off x="4507462" y="2137229"/>
+            <a:ext cx="184290" cy="718847"/>
+          </a:xfrm>
+          <a:prstGeom prst="bentConnector3">
+            <a:avLst>
+              <a:gd name="adj1" fmla="val 50000"/>
+            </a:avLst>
+          </a:prstGeom>
+          <a:ln w="19050" cap="flat" cmpd="sng" algn="ctr">
+            <a:solidFill>
+              <a:srgbClr val="7030A0"/>
+            </a:solidFill>
+            <a:prstDash val="solid"/>
+            <a:round/>
+            <a:headEnd type="none" w="med" len="med"/>
+            <a:tailEnd type="arrow" w="med" len="med"/>
+          </a:ln>
+        </p:spPr>
+        <p:style>
+          <a:lnRef idx="0">
+            <a:scrgbClr r="0" g="0" b="0"/>
+          </a:lnRef>
+          <a:fillRef idx="0">
+            <a:scrgbClr r="0" g="0" b="0"/>
+          </a:fillRef>
+          <a:effectRef idx="0">
+            <a:scrgbClr r="0" g="0" b="0"/>
+          </a:effectRef>
+          <a:fontRef idx="minor">
+            <a:schemeClr val="tx1"/>
+          </a:fontRef>
+        </p:style>
+      </p:cxnSp>
+      <p:sp>
+        <p:nvSpPr>
+          <p:cNvPr id="59" name="Rectangle 8">
+            <a:extLst>
+              <a:ext uri="{FF2B5EF4-FFF2-40B4-BE49-F238E27FC236}">
+                <a16:creationId xmlns:a16="http://schemas.microsoft.com/office/drawing/2014/main" id="{D197349A-4A2A-4198-A539-588890CAAC6E}"/>
+              </a:ext>
+            </a:extLst>
+          </p:cNvPr>
+          <p:cNvSpPr/>
+          <p:nvPr/>
+        </p:nvSpPr>
+        <p:spPr>
+          <a:xfrm>
+            <a:off x="4380546" y="2057747"/>
+            <a:ext cx="1156969" cy="346760"/>
+          </a:xfrm>
+          <a:prstGeom prst="rect">
+            <a:avLst/>
+          </a:prstGeom>
+          <a:ln w="19050">
+            <a:solidFill>
+              <a:srgbClr val="7030A0"/>
+            </a:solidFill>
+          </a:ln>
+          <a:effectLst/>
+        </p:spPr>
+        <p:style>
+          <a:lnRef idx="1">
+            <a:schemeClr val="accent4"/>
+          </a:lnRef>
+          <a:fillRef idx="2">
+            <a:schemeClr val="accent4"/>
+          </a:fillRef>
+          <a:effectRef idx="1">
+            <a:schemeClr val="accent4"/>
+          </a:effectRef>
+          <a:fontRef idx="minor">
+            <a:schemeClr val="dk1"/>
+          </a:fontRef>
+        </p:style>
+        <p:txBody>
+          <a:bodyPr rtlCol="0" anchor="ctr"/>
+          <a:lstStyle/>
+          <a:p>
+            <a:pPr algn="ctr"/>
+            <a:r>
+              <a:rPr lang="en-US" sz="1050" dirty="0">
+                <a:solidFill>
+                  <a:srgbClr val="7030A0"/>
+                </a:solidFill>
+              </a:rPr>
+              <a:t>Event</a:t>
+            </a:r>
+            <a:endParaRPr lang="en-SG" sz="1050" dirty="0">
+              <a:solidFill>
+                <a:srgbClr val="7030A0"/>
+              </a:solidFill>
+            </a:endParaRPr>
+          </a:p>
+        </p:txBody>
+      </p:sp>
+      <p:sp>
+        <p:nvSpPr>
+          <p:cNvPr id="67" name="Flowchart: Decision 96">
+            <a:extLst>
+              <a:ext uri="{FF2B5EF4-FFF2-40B4-BE49-F238E27FC236}">
+                <a16:creationId xmlns:a16="http://schemas.microsoft.com/office/drawing/2014/main" id="{6847627A-81A5-4DC4-A7CD-461C158FCFE5}"/>
+              </a:ext>
+            </a:extLst>
+          </p:cNvPr>
+          <p:cNvSpPr/>
+          <p:nvPr/>
+        </p:nvSpPr>
+        <p:spPr>
+          <a:xfrm>
+            <a:off x="5550632" y="2139270"/>
+            <a:ext cx="236048" cy="173380"/>
+          </a:xfrm>
+          <a:prstGeom prst="flowChartDecision">
+            <a:avLst/>
+          </a:prstGeom>
+          <a:solidFill>
+            <a:srgbClr val="7030A0"/>
+          </a:solidFill>
+          <a:ln w="19050">
+            <a:solidFill>
+              <a:srgbClr val="7030A0"/>
+            </a:solidFill>
+          </a:ln>
+          <a:effectLst/>
+        </p:spPr>
+        <p:style>
+          <a:lnRef idx="1">
+            <a:schemeClr val="accent6"/>
+          </a:lnRef>
+          <a:fillRef idx="2">
+            <a:schemeClr val="accent6"/>
+          </a:fillRef>
+          <a:effectRef idx="1">
+            <a:schemeClr val="accent6"/>
+          </a:effectRef>
+          <a:fontRef idx="minor">
+            <a:schemeClr val="dk1"/>
+          </a:fontRef>
+        </p:style>
+        <p:txBody>
+          <a:bodyPr rtlCol="0" anchor="ctr"/>
+          <a:lstStyle/>
+          <a:p>
+            <a:pPr algn="ctr"/>
+            <a:endParaRPr lang="en-US" sz="1050"/>
+          </a:p>
+        </p:txBody>
+      </p:sp>
+      <p:cxnSp>
+        <p:nvCxnSpPr>
+          <p:cNvPr id="71" name="Elbow Connector 78">
+            <a:extLst>
+              <a:ext uri="{FF2B5EF4-FFF2-40B4-BE49-F238E27FC236}">
+                <a16:creationId xmlns:a16="http://schemas.microsoft.com/office/drawing/2014/main" id="{186BC588-7BE8-4526-8B80-A08DBE8BBB7F}"/>
+              </a:ext>
+            </a:extLst>
+          </p:cNvPr>
+          <p:cNvCxnSpPr>
+            <a:cxnSpLocks/>
+            <a:stCxn id="67" idx="3"/>
+          </p:cNvCxnSpPr>
+          <p:nvPr/>
+        </p:nvCxnSpPr>
+        <p:spPr>
+          <a:xfrm>
+            <a:off x="5786680" y="2225960"/>
+            <a:ext cx="559651" cy="7476"/>
+          </a:xfrm>
+          <a:prstGeom prst="bentConnector3">
+            <a:avLst/>
+          </a:prstGeom>
+          <a:ln w="19050">
+            <a:solidFill>
+              <a:srgbClr val="7030A0"/>
+            </a:solidFill>
+            <a:headEnd type="none" w="med" len="med"/>
+            <a:tailEnd type="arrow" w="med" len="med"/>
+          </a:ln>
+          <a:effectLst/>
+        </p:spPr>
+        <p:style>
+          <a:lnRef idx="1">
+            <a:schemeClr val="accent2"/>
+          </a:lnRef>
+          <a:fillRef idx="2">
+            <a:schemeClr val="accent2"/>
+          </a:fillRef>
+          <a:effectRef idx="1">
+            <a:schemeClr val="accent2"/>
+          </a:effectRef>
+          <a:fontRef idx="minor">
+            <a:schemeClr val="dk1"/>
+          </a:fontRef>
+        </p:style>
+      </p:cxnSp>
+      <p:sp>
+        <p:nvSpPr>
+          <p:cNvPr id="72" name="Rectangle 8">
+            <a:extLst>
+              <a:ext uri="{FF2B5EF4-FFF2-40B4-BE49-F238E27FC236}">
+                <a16:creationId xmlns:a16="http://schemas.microsoft.com/office/drawing/2014/main" id="{2F08CCA6-535D-4C90-8772-E7717348E67F}"/>
+              </a:ext>
+            </a:extLst>
+          </p:cNvPr>
+          <p:cNvSpPr/>
+          <p:nvPr/>
+        </p:nvSpPr>
+        <p:spPr>
+          <a:xfrm>
+            <a:off x="6313677" y="2121091"/>
+            <a:ext cx="863386" cy="251279"/>
+          </a:xfrm>
+          <a:prstGeom prst="rect">
+            <a:avLst/>
+          </a:prstGeom>
+          <a:ln w="19050">
+            <a:solidFill>
+              <a:srgbClr val="7030A0"/>
+            </a:solidFill>
+          </a:ln>
+          <a:effectLst/>
+        </p:spPr>
+        <p:style>
+          <a:lnRef idx="1">
+            <a:schemeClr val="accent4"/>
+          </a:lnRef>
+          <a:fillRef idx="2">
+            <a:schemeClr val="accent4"/>
+          </a:fillRef>
+          <a:effectRef idx="1">
+            <a:schemeClr val="accent4"/>
+          </a:effectRef>
+          <a:fontRef idx="minor">
+            <a:schemeClr val="dk1"/>
+          </a:fontRef>
+        </p:style>
+        <p:txBody>
+          <a:bodyPr rtlCol="0" anchor="ctr"/>
+          <a:lstStyle/>
+          <a:p>
+            <a:pPr algn="ctr"/>
+            <a:r>
+              <a:rPr lang="en-US" sz="1050" dirty="0" err="1">
+                <a:solidFill>
+                  <a:srgbClr val="7030A0"/>
+                </a:solidFill>
+              </a:rPr>
+              <a:t>EventName</a:t>
+            </a:r>
+            <a:endParaRPr lang="en-SG" sz="1050" dirty="0">
+              <a:solidFill>
+                <a:srgbClr val="7030A0"/>
+              </a:solidFill>
+            </a:endParaRPr>
+          </a:p>
+        </p:txBody>
+      </p:sp>
+      <p:sp>
+        <p:nvSpPr>
+          <p:cNvPr id="73" name="Flowchart: Decision 96">
+            <a:extLst>
+              <a:ext uri="{FF2B5EF4-FFF2-40B4-BE49-F238E27FC236}">
+                <a16:creationId xmlns:a16="http://schemas.microsoft.com/office/drawing/2014/main" id="{848DCFCD-FFB2-4717-A52C-AC920053AC33}"/>
+              </a:ext>
+            </a:extLst>
+          </p:cNvPr>
+          <p:cNvSpPr/>
+          <p:nvPr/>
+        </p:nvSpPr>
+        <p:spPr>
+          <a:xfrm rot="16200000">
+            <a:off x="5142512" y="1853033"/>
+            <a:ext cx="236048" cy="173380"/>
+          </a:xfrm>
+          <a:prstGeom prst="flowChartDecision">
+            <a:avLst/>
+          </a:prstGeom>
+          <a:noFill/>
+          <a:ln w="19050">
+            <a:solidFill>
+              <a:srgbClr val="7030A0"/>
+            </a:solidFill>
+          </a:ln>
+          <a:effectLst/>
+        </p:spPr>
+        <p:style>
+          <a:lnRef idx="1">
+            <a:schemeClr val="accent6"/>
+          </a:lnRef>
+          <a:fillRef idx="2">
+            <a:schemeClr val="accent6"/>
+          </a:fillRef>
+          <a:effectRef idx="1">
+            <a:schemeClr val="accent6"/>
+          </a:effectRef>
+          <a:fontRef idx="minor">
+            <a:schemeClr val="dk1"/>
+          </a:fontRef>
+        </p:style>
+        <p:txBody>
+          <a:bodyPr rtlCol="0" anchor="ctr"/>
+          <a:lstStyle/>
+          <a:p>
+            <a:pPr algn="ctr"/>
+            <a:endParaRPr lang="en-US" sz="1050"/>
+          </a:p>
+        </p:txBody>
+      </p:sp>
+      <p:cxnSp>
+        <p:nvCxnSpPr>
+          <p:cNvPr id="74" name="Elbow Connector 78">
+            <a:extLst>
+              <a:ext uri="{FF2B5EF4-FFF2-40B4-BE49-F238E27FC236}">
+                <a16:creationId xmlns:a16="http://schemas.microsoft.com/office/drawing/2014/main" id="{3F85CCB0-2D9B-4AA5-AE9A-8C62E0DBC7A5}"/>
+              </a:ext>
+            </a:extLst>
+          </p:cNvPr>
+          <p:cNvCxnSpPr>
+            <a:cxnSpLocks/>
+            <a:stCxn id="73" idx="3"/>
+            <a:endCxn id="52" idx="0"/>
+          </p:cNvCxnSpPr>
+          <p:nvPr/>
+        </p:nvCxnSpPr>
+        <p:spPr>
+          <a:xfrm rot="16200000" flipH="1">
+            <a:off x="6459954" y="622281"/>
+            <a:ext cx="407118" cy="2805954"/>
+          </a:xfrm>
+          <a:prstGeom prst="bentConnector3">
+            <a:avLst>
+              <a:gd name="adj1" fmla="val -48454"/>
+            </a:avLst>
+          </a:prstGeom>
+          <a:ln w="19050">
+            <a:solidFill>
+              <a:srgbClr val="7030A0"/>
+            </a:solidFill>
+            <a:headEnd type="none" w="med" len="med"/>
+            <a:tailEnd type="arrow" w="med" len="med"/>
+          </a:ln>
+          <a:effectLst/>
+        </p:spPr>
+        <p:style>
+          <a:lnRef idx="1">
+            <a:schemeClr val="accent2"/>
+          </a:lnRef>
+          <a:fillRef idx="2">
+            <a:schemeClr val="accent2"/>
+          </a:fillRef>
+          <a:effectRef idx="1">
+            <a:schemeClr val="accent2"/>
+          </a:effectRef>
+          <a:fontRef idx="minor">
+            <a:schemeClr val="dk1"/>
+          </a:fontRef>
+        </p:style>
+      </p:cxnSp>
+      <p:sp>
+        <p:nvSpPr>
+          <p:cNvPr id="77" name="TextBox 76">
+            <a:extLst>
+              <a:ext uri="{FF2B5EF4-FFF2-40B4-BE49-F238E27FC236}">
+                <a16:creationId xmlns:a16="http://schemas.microsoft.com/office/drawing/2014/main" id="{CAA98FCC-4F43-4FEF-A5E4-3C04A00627FE}"/>
+              </a:ext>
+            </a:extLst>
+          </p:cNvPr>
+          <p:cNvSpPr txBox="1"/>
+          <p:nvPr/>
+        </p:nvSpPr>
+        <p:spPr>
+          <a:xfrm>
+            <a:off x="4079315" y="2445836"/>
+            <a:ext cx="189257" cy="178683"/>
+          </a:xfrm>
+          <a:prstGeom prst="rect">
+            <a:avLst/>
+          </a:prstGeom>
+          <a:noFill/>
+        </p:spPr>
+        <p:txBody>
+          <a:bodyPr wrap="square" lIns="0" tIns="0" rIns="0" bIns="0" rtlCol="0">
+            <a:noAutofit/>
+          </a:bodyPr>
+          <a:lstStyle/>
+          <a:p>
+            <a:pPr algn="ctr"/>
+            <a:r>
+              <a:rPr lang="en-US" sz="1100" dirty="0">
+                <a:solidFill>
+                  <a:srgbClr val="7030A0"/>
+                </a:solidFill>
+              </a:rPr>
+              <a:t>1</a:t>
+            </a:r>
+            <a:endParaRPr lang="en-SG" sz="1100" dirty="0">
+              <a:solidFill>
+                <a:srgbClr val="7030A0"/>
+              </a:solidFill>
+            </a:endParaRPr>
+          </a:p>
+        </p:txBody>
+      </p:sp>
+      <p:sp>
+        <p:nvSpPr>
+          <p:cNvPr id="82" name="Flowchart: Decision 96">
+            <a:extLst>
+              <a:ext uri="{FF2B5EF4-FFF2-40B4-BE49-F238E27FC236}">
+                <a16:creationId xmlns:a16="http://schemas.microsoft.com/office/drawing/2014/main" id="{C24C5CF6-769A-47AE-AF21-7AF9DE04C8B2}"/>
+              </a:ext>
+            </a:extLst>
+          </p:cNvPr>
+          <p:cNvSpPr/>
+          <p:nvPr/>
+        </p:nvSpPr>
+        <p:spPr>
+          <a:xfrm rot="5400000">
+            <a:off x="4122160" y="2620131"/>
+            <a:ext cx="236048" cy="173380"/>
+          </a:xfrm>
+          <a:prstGeom prst="flowChartDecision">
+            <a:avLst/>
+          </a:prstGeom>
+          <a:solidFill>
+            <a:srgbClr val="7030A0"/>
+          </a:solidFill>
+          <a:ln w="19050">
+            <a:solidFill>
+              <a:srgbClr val="7030A0"/>
+            </a:solidFill>
+          </a:ln>
+          <a:effectLst/>
+        </p:spPr>
+        <p:style>
+          <a:lnRef idx="1">
+            <a:schemeClr val="accent6"/>
+          </a:lnRef>
+          <a:fillRef idx="2">
+            <a:schemeClr val="accent6"/>
+          </a:fillRef>
+          <a:effectRef idx="1">
+            <a:schemeClr val="accent6"/>
+          </a:effectRef>
+          <a:fontRef idx="minor">
+            <a:schemeClr val="dk1"/>
+          </a:fontRef>
+        </p:style>
+        <p:txBody>
+          <a:bodyPr rtlCol="0" anchor="ctr"/>
+          <a:lstStyle/>
+          <a:p>
+            <a:pPr algn="ctr"/>
+            <a:endParaRPr lang="en-US" sz="1050"/>
+          </a:p>
+        </p:txBody>
+      </p:sp>
+      <p:sp>
+        <p:nvSpPr>
+          <p:cNvPr id="87" name="TextBox 86">
+            <a:extLst>
+              <a:ext uri="{FF2B5EF4-FFF2-40B4-BE49-F238E27FC236}">
+                <a16:creationId xmlns:a16="http://schemas.microsoft.com/office/drawing/2014/main" id="{D249F513-D882-41C2-9FE8-609F20A24AD5}"/>
+              </a:ext>
+            </a:extLst>
+          </p:cNvPr>
+          <p:cNvSpPr txBox="1"/>
+          <p:nvPr/>
+        </p:nvSpPr>
+        <p:spPr>
+          <a:xfrm>
+            <a:off x="8054279" y="1951731"/>
+            <a:ext cx="189257" cy="178683"/>
+          </a:xfrm>
+          <a:prstGeom prst="rect">
+            <a:avLst/>
+          </a:prstGeom>
+          <a:noFill/>
+        </p:spPr>
+        <p:txBody>
+          <a:bodyPr wrap="square" lIns="0" tIns="0" rIns="0" bIns="0" rtlCol="0">
+            <a:noAutofit/>
+          </a:bodyPr>
+          <a:lstStyle/>
+          <a:p>
+            <a:pPr algn="ctr"/>
+            <a:r>
+              <a:rPr lang="en-US" sz="1100" dirty="0">
+                <a:solidFill>
+                  <a:srgbClr val="7030A0"/>
+                </a:solidFill>
+              </a:rPr>
+              <a:t>*</a:t>
+            </a:r>
+            <a:endParaRPr lang="en-SG" sz="1100" dirty="0">
+              <a:solidFill>
+                <a:srgbClr val="7030A0"/>
+              </a:solidFill>
+            </a:endParaRPr>
+          </a:p>
+        </p:txBody>
+      </p:sp>
+      <p:sp>
+        <p:nvSpPr>
+          <p:cNvPr id="88" name="TextBox 87">
+            <a:extLst>
+              <a:ext uri="{FF2B5EF4-FFF2-40B4-BE49-F238E27FC236}">
+                <a16:creationId xmlns:a16="http://schemas.microsoft.com/office/drawing/2014/main" id="{6BC9346B-35B4-4094-9735-786E20DDFFF8}"/>
+              </a:ext>
+            </a:extLst>
+          </p:cNvPr>
+          <p:cNvSpPr txBox="1"/>
+          <p:nvPr/>
+        </p:nvSpPr>
+        <p:spPr>
+          <a:xfrm>
+            <a:off x="5764122" y="2229911"/>
+            <a:ext cx="189257" cy="178683"/>
+          </a:xfrm>
+          <a:prstGeom prst="rect">
+            <a:avLst/>
+          </a:prstGeom>
+          <a:noFill/>
+        </p:spPr>
+        <p:txBody>
+          <a:bodyPr wrap="square" lIns="0" tIns="0" rIns="0" bIns="0" rtlCol="0">
+            <a:noAutofit/>
+          </a:bodyPr>
+          <a:lstStyle/>
+          <a:p>
+            <a:pPr algn="ctr"/>
+            <a:r>
+              <a:rPr lang="en-US" sz="1100" dirty="0">
+                <a:solidFill>
+                  <a:srgbClr val="7030A0"/>
+                </a:solidFill>
+              </a:rPr>
+              <a:t>1</a:t>
+            </a:r>
+            <a:endParaRPr lang="en-SG" sz="1100" dirty="0">
+              <a:solidFill>
+                <a:srgbClr val="7030A0"/>
+              </a:solidFill>
+            </a:endParaRPr>
+          </a:p>
+        </p:txBody>
+      </p:sp>
     </p:spTree>
     <p:extLst>
       <p:ext uri="{BB962C8B-B14F-4D97-AF65-F5344CB8AC3E}">

--- a/docs/diagrams/ModelComponentClassDiagram.pptx
+++ b/docs/diagrams/ModelComponentClassDiagram.pptx
@@ -208,7 +208,7 @@
           <a:p>
             <a:fld id="{F5CC4B3F-88C1-4FFA-B1B6-F41C21DC6924}" type="datetimeFigureOut">
               <a:rPr lang="en-US" smtClean="0"/>
-              <a:t>10/18/2018</a:t>
+              <a:t>11/6/2018</a:t>
             </a:fld>
             <a:endParaRPr lang="en-US"/>
           </a:p>
@@ -654,7 +654,7 @@
           <a:p>
             <a:fld id="{78C97017-6FC3-485B-9764-EAC9E56C1D49}" type="datetimeFigureOut">
               <a:rPr lang="en-US" smtClean="0"/>
-              <a:t>10/18/2018</a:t>
+              <a:t>11/6/2018</a:t>
             </a:fld>
             <a:endParaRPr lang="en-US"/>
           </a:p>
@@ -822,7 +822,7 @@
           <a:p>
             <a:fld id="{78C97017-6FC3-485B-9764-EAC9E56C1D49}" type="datetimeFigureOut">
               <a:rPr lang="en-US" smtClean="0"/>
-              <a:t>10/18/2018</a:t>
+              <a:t>11/6/2018</a:t>
             </a:fld>
             <a:endParaRPr lang="en-US"/>
           </a:p>
@@ -1000,7 +1000,7 @@
           <a:p>
             <a:fld id="{78C97017-6FC3-485B-9764-EAC9E56C1D49}" type="datetimeFigureOut">
               <a:rPr lang="en-US" smtClean="0"/>
-              <a:t>10/18/2018</a:t>
+              <a:t>11/6/2018</a:t>
             </a:fld>
             <a:endParaRPr lang="en-US"/>
           </a:p>
@@ -1168,7 +1168,7 @@
           <a:p>
             <a:fld id="{78C97017-6FC3-485B-9764-EAC9E56C1D49}" type="datetimeFigureOut">
               <a:rPr lang="en-US" smtClean="0"/>
-              <a:t>10/18/2018</a:t>
+              <a:t>11/6/2018</a:t>
             </a:fld>
             <a:endParaRPr lang="en-US"/>
           </a:p>
@@ -1413,7 +1413,7 @@
           <a:p>
             <a:fld id="{78C97017-6FC3-485B-9764-EAC9E56C1D49}" type="datetimeFigureOut">
               <a:rPr lang="en-US" smtClean="0"/>
-              <a:t>10/18/2018</a:t>
+              <a:t>11/6/2018</a:t>
             </a:fld>
             <a:endParaRPr lang="en-US"/>
           </a:p>
@@ -1698,7 +1698,7 @@
           <a:p>
             <a:fld id="{78C97017-6FC3-485B-9764-EAC9E56C1D49}" type="datetimeFigureOut">
               <a:rPr lang="en-US" smtClean="0"/>
-              <a:t>10/18/2018</a:t>
+              <a:t>11/6/2018</a:t>
             </a:fld>
             <a:endParaRPr lang="en-US"/>
           </a:p>
@@ -2117,7 +2117,7 @@
           <a:p>
             <a:fld id="{78C97017-6FC3-485B-9764-EAC9E56C1D49}" type="datetimeFigureOut">
               <a:rPr lang="en-US" smtClean="0"/>
-              <a:t>10/18/2018</a:t>
+              <a:t>11/6/2018</a:t>
             </a:fld>
             <a:endParaRPr lang="en-US"/>
           </a:p>
@@ -2234,7 +2234,7 @@
           <a:p>
             <a:fld id="{78C97017-6FC3-485B-9764-EAC9E56C1D49}" type="datetimeFigureOut">
               <a:rPr lang="en-US" smtClean="0"/>
-              <a:t>10/18/2018</a:t>
+              <a:t>11/6/2018</a:t>
             </a:fld>
             <a:endParaRPr lang="en-US"/>
           </a:p>
@@ -2329,7 +2329,7 @@
           <a:p>
             <a:fld id="{78C97017-6FC3-485B-9764-EAC9E56C1D49}" type="datetimeFigureOut">
               <a:rPr lang="en-US" smtClean="0"/>
-              <a:t>10/18/2018</a:t>
+              <a:t>11/6/2018</a:t>
             </a:fld>
             <a:endParaRPr lang="en-US"/>
           </a:p>
@@ -2604,7 +2604,7 @@
           <a:p>
             <a:fld id="{78C97017-6FC3-485B-9764-EAC9E56C1D49}" type="datetimeFigureOut">
               <a:rPr lang="en-US" smtClean="0"/>
-              <a:t>10/18/2018</a:t>
+              <a:t>11/6/2018</a:t>
             </a:fld>
             <a:endParaRPr lang="en-US"/>
           </a:p>
@@ -2856,7 +2856,7 @@
           <a:p>
             <a:fld id="{78C97017-6FC3-485B-9764-EAC9E56C1D49}" type="datetimeFigureOut">
               <a:rPr lang="en-US" smtClean="0"/>
-              <a:t>10/18/2018</a:t>
+              <a:t>11/6/2018</a:t>
             </a:fld>
             <a:endParaRPr lang="en-US"/>
           </a:p>
@@ -3067,7 +3067,7 @@
           <a:p>
             <a:fld id="{78C97017-6FC3-485B-9764-EAC9E56C1D49}" type="datetimeFigureOut">
               <a:rPr lang="en-US" smtClean="0"/>
-              <a:t>10/18/2018</a:t>
+              <a:t>11/6/2018</a:t>
             </a:fld>
             <a:endParaRPr lang="en-US"/>
           </a:p>
@@ -3450,8 +3450,8 @@
         </p:nvSpPr>
         <p:spPr>
           <a:xfrm>
-            <a:off x="1119865" y="1600200"/>
-            <a:ext cx="7490735" cy="3124200"/>
+            <a:off x="607445" y="412460"/>
+            <a:ext cx="8003155" cy="4300499"/>
           </a:xfrm>
           <a:prstGeom prst="roundRect">
             <a:avLst>
@@ -3511,7 +3511,7 @@
         </p:nvSpPr>
         <p:spPr>
           <a:xfrm>
-            <a:off x="2877180" y="3463240"/>
+            <a:off x="2439081" y="3438886"/>
             <a:ext cx="1093635" cy="346760"/>
           </a:xfrm>
           <a:prstGeom prst="rect">
@@ -3570,7 +3570,7 @@
         </p:nvSpPr>
         <p:spPr>
           <a:xfrm rot="16200000">
-            <a:off x="1661548" y="3097750"/>
+            <a:off x="1223449" y="3073396"/>
             <a:ext cx="1093635" cy="346760"/>
           </a:xfrm>
           <a:prstGeom prst="rect">
@@ -3633,7 +3633,7 @@
         </p:nvCxnSpPr>
         <p:spPr>
           <a:xfrm rot="5400000" flipH="1" flipV="1">
-            <a:off x="4131507" y="1281685"/>
+            <a:off x="3693408" y="1257331"/>
             <a:ext cx="613122" cy="4459404"/>
           </a:xfrm>
           <a:prstGeom prst="bentConnector3">
@@ -3674,7 +3674,7 @@
         </p:nvSpPr>
         <p:spPr>
           <a:xfrm rot="16200000">
-            <a:off x="956202" y="2861202"/>
+            <a:off x="518103" y="2836848"/>
             <a:ext cx="1093635" cy="346760"/>
           </a:xfrm>
           <a:prstGeom prst="rect">
@@ -3744,7 +3744,7 @@
         </p:nvSpPr>
         <p:spPr>
           <a:xfrm rot="16200000">
-            <a:off x="1626910" y="2952291"/>
+            <a:off x="1188811" y="2927937"/>
             <a:ext cx="270504" cy="175523"/>
           </a:xfrm>
           <a:prstGeom prst="triangle">
@@ -3794,7 +3794,7 @@
         </p:nvCxnSpPr>
         <p:spPr>
           <a:xfrm>
-            <a:off x="2609828" y="3636620"/>
+            <a:off x="2171729" y="3612266"/>
             <a:ext cx="267352" cy="0"/>
           </a:xfrm>
           <a:prstGeom prst="straightConnector1">
@@ -3827,12 +3827,14 @@
       <p:cxnSp>
         <p:nvCxnSpPr>
           <p:cNvPr id="75" name="Elbow Connector 122"/>
-          <p:cNvCxnSpPr/>
+          <p:cNvCxnSpPr>
+            <a:cxnSpLocks/>
+          </p:cNvCxnSpPr>
           <p:nvPr/>
         </p:nvCxnSpPr>
         <p:spPr>
           <a:xfrm>
-            <a:off x="910091" y="3040053"/>
+            <a:off x="471992" y="3015699"/>
             <a:ext cx="419548" cy="2860"/>
           </a:xfrm>
           <a:prstGeom prst="bentConnector3">
@@ -3877,7 +3879,7 @@
         </p:nvCxnSpPr>
         <p:spPr>
           <a:xfrm flipV="1">
-            <a:off x="1849924" y="3040052"/>
+            <a:off x="1411825" y="3015698"/>
             <a:ext cx="216105" cy="1"/>
           </a:xfrm>
           <a:prstGeom prst="line">
@@ -3916,7 +3918,7 @@
         </p:nvSpPr>
         <p:spPr>
           <a:xfrm>
-            <a:off x="2373780" y="3549930"/>
+            <a:off x="1935681" y="3525576"/>
             <a:ext cx="236048" cy="173380"/>
           </a:xfrm>
           <a:prstGeom prst="flowChartDecision">
@@ -3961,7 +3963,7 @@
         </p:nvSpPr>
         <p:spPr>
           <a:xfrm>
-            <a:off x="2825280" y="2846162"/>
+            <a:off x="2387181" y="2821808"/>
             <a:ext cx="1490560" cy="334856"/>
           </a:xfrm>
           <a:prstGeom prst="rect">
@@ -4020,7 +4022,7 @@
         </p:nvCxnSpPr>
         <p:spPr>
           <a:xfrm>
-            <a:off x="2624360" y="3003033"/>
+            <a:off x="2186261" y="2978679"/>
             <a:ext cx="200920" cy="10557"/>
           </a:xfrm>
           <a:prstGeom prst="straightConnector1">
@@ -4058,7 +4060,7 @@
         </p:nvSpPr>
         <p:spPr>
           <a:xfrm>
-            <a:off x="2388312" y="2916343"/>
+            <a:off x="1950213" y="2891989"/>
             <a:ext cx="236048" cy="173380"/>
           </a:xfrm>
           <a:prstGeom prst="flowChartDecision">
@@ -4103,7 +4105,7 @@
         </p:nvSpPr>
         <p:spPr>
           <a:xfrm>
-            <a:off x="4692650" y="2846162"/>
+            <a:off x="4254551" y="2821808"/>
             <a:ext cx="1156969" cy="346760"/>
           </a:xfrm>
           <a:prstGeom prst="rect">
@@ -4159,7 +4161,7 @@
         </p:nvSpPr>
         <p:spPr>
           <a:xfrm>
-            <a:off x="4324972" y="2920532"/>
+            <a:off x="3886873" y="2896178"/>
             <a:ext cx="236048" cy="173380"/>
           </a:xfrm>
           <a:prstGeom prst="flowChartDecision">
@@ -4206,7 +4208,7 @@
         </p:nvSpPr>
         <p:spPr>
           <a:xfrm>
-            <a:off x="6313677" y="2858066"/>
+            <a:off x="5875578" y="2833712"/>
             <a:ext cx="708186" cy="346760"/>
           </a:xfrm>
           <a:prstGeom prst="rect">
@@ -4262,7 +4264,7 @@
         </p:nvSpPr>
         <p:spPr>
           <a:xfrm>
-            <a:off x="5858751" y="2941676"/>
+            <a:off x="5420652" y="2917322"/>
             <a:ext cx="236048" cy="173380"/>
           </a:xfrm>
           <a:prstGeom prst="flowChartDecision">
@@ -4310,7 +4312,7 @@
         </p:nvCxnSpPr>
         <p:spPr>
           <a:xfrm>
-            <a:off x="6094799" y="3028366"/>
+            <a:off x="5656700" y="3004012"/>
             <a:ext cx="218878" cy="3080"/>
           </a:xfrm>
           <a:prstGeom prst="bentConnector3">
@@ -4348,7 +4350,7 @@
         </p:nvSpPr>
         <p:spPr>
           <a:xfrm>
-            <a:off x="7712397" y="2564238"/>
+            <a:off x="7274298" y="2539884"/>
             <a:ext cx="708186" cy="285783"/>
           </a:xfrm>
           <a:prstGeom prst="rect">
@@ -4404,7 +4406,7 @@
         </p:nvSpPr>
         <p:spPr>
           <a:xfrm>
-            <a:off x="7041947" y="2948201"/>
+            <a:off x="6603848" y="2923847"/>
             <a:ext cx="236048" cy="173380"/>
           </a:xfrm>
           <a:prstGeom prst="flowChartDecision">
@@ -4453,7 +4455,7 @@
         </p:nvCxnSpPr>
         <p:spPr>
           <a:xfrm flipV="1">
-            <a:off x="7277995" y="2706821"/>
+            <a:off x="6839896" y="2682467"/>
             <a:ext cx="434402" cy="327761"/>
           </a:xfrm>
           <a:prstGeom prst="bentConnector3">
@@ -4491,7 +4493,7 @@
         </p:nvSpPr>
         <p:spPr>
           <a:xfrm>
-            <a:off x="7712397" y="2887216"/>
+            <a:off x="7274298" y="2862862"/>
             <a:ext cx="708186" cy="285783"/>
           </a:xfrm>
           <a:prstGeom prst="rect">
@@ -4550,7 +4552,7 @@
         </p:nvCxnSpPr>
         <p:spPr>
           <a:xfrm flipV="1">
-            <a:off x="7277995" y="3030108"/>
+            <a:off x="6839896" y="3005754"/>
             <a:ext cx="434402" cy="4783"/>
           </a:xfrm>
           <a:prstGeom prst="bentConnector3">
@@ -4588,7 +4590,7 @@
         </p:nvSpPr>
         <p:spPr>
           <a:xfrm>
-            <a:off x="7712397" y="3210194"/>
+            <a:off x="7274298" y="3185840"/>
             <a:ext cx="708186" cy="285783"/>
           </a:xfrm>
           <a:prstGeom prst="rect">
@@ -4647,7 +4649,7 @@
         </p:nvCxnSpPr>
         <p:spPr>
           <a:xfrm>
-            <a:off x="7277995" y="3034891"/>
+            <a:off x="6839896" y="3010537"/>
             <a:ext cx="434402" cy="318195"/>
           </a:xfrm>
           <a:prstGeom prst="bentConnector3">
@@ -4685,7 +4687,7 @@
         </p:nvSpPr>
         <p:spPr>
           <a:xfrm>
-            <a:off x="7712397" y="3533171"/>
+            <a:off x="7274298" y="3508817"/>
             <a:ext cx="708186" cy="285783"/>
           </a:xfrm>
           <a:prstGeom prst="rect">
@@ -4744,7 +4746,7 @@
         </p:nvCxnSpPr>
         <p:spPr>
           <a:xfrm>
-            <a:off x="7277995" y="3034891"/>
+            <a:off x="6839896" y="3010537"/>
             <a:ext cx="434402" cy="641172"/>
           </a:xfrm>
           <a:prstGeom prst="bentConnector3">
@@ -4784,7 +4786,7 @@
         </p:nvCxnSpPr>
         <p:spPr>
           <a:xfrm rot="5400000">
-            <a:off x="3553611" y="2687559"/>
+            <a:off x="3115512" y="2663205"/>
             <a:ext cx="293825" cy="5938"/>
           </a:xfrm>
           <a:prstGeom prst="bentConnector3">
@@ -4825,7 +4827,7 @@
         </p:nvSpPr>
         <p:spPr>
           <a:xfrm rot="10800000" flipV="1">
-            <a:off x="3562299" y="2386554"/>
+            <a:off x="3124200" y="2362200"/>
             <a:ext cx="282387" cy="157062"/>
           </a:xfrm>
           <a:prstGeom prst="triangle">
@@ -4873,7 +4875,7 @@
         </p:nvSpPr>
         <p:spPr>
           <a:xfrm>
-            <a:off x="1260922" y="1998350"/>
+            <a:off x="822823" y="1973996"/>
             <a:ext cx="1443661" cy="364396"/>
           </a:xfrm>
           <a:prstGeom prst="rect">
@@ -4944,7 +4946,7 @@
         </p:nvSpPr>
         <p:spPr>
           <a:xfrm rot="16200000">
-            <a:off x="6362886" y="3586305"/>
+            <a:off x="5924787" y="3561951"/>
             <a:ext cx="881018" cy="261610"/>
           </a:xfrm>
           <a:prstGeom prst="rect">
@@ -4983,7 +4985,7 @@
         </p:nvSpPr>
         <p:spPr>
           <a:xfrm>
-            <a:off x="2057401" y="4239491"/>
+            <a:off x="1619302" y="4215137"/>
             <a:ext cx="1066800" cy="346760"/>
           </a:xfrm>
           <a:prstGeom prst="rect">
@@ -5057,7 +5059,7 @@
         </p:nvCxnSpPr>
         <p:spPr>
           <a:xfrm rot="16200000" flipH="1">
-            <a:off x="1364475" y="3719944"/>
+            <a:off x="926376" y="3695590"/>
             <a:ext cx="831471" cy="554381"/>
           </a:xfrm>
           <a:prstGeom prst="bentConnector2">
@@ -5096,7 +5098,7 @@
         </p:nvSpPr>
         <p:spPr>
           <a:xfrm>
-            <a:off x="4429979" y="3111479"/>
+            <a:off x="3991880" y="3087125"/>
             <a:ext cx="189257" cy="178683"/>
           </a:xfrm>
           <a:prstGeom prst="rect">
@@ -5135,7 +5137,7 @@
         </p:nvSpPr>
         <p:spPr>
           <a:xfrm>
-            <a:off x="6135256" y="3097917"/>
+            <a:off x="5697157" y="3073563"/>
             <a:ext cx="189257" cy="178683"/>
           </a:xfrm>
           <a:prstGeom prst="rect">
@@ -5174,7 +5176,7 @@
         </p:nvSpPr>
         <p:spPr>
           <a:xfrm>
-            <a:off x="2573394" y="2756715"/>
+            <a:off x="2135295" y="2732361"/>
             <a:ext cx="170110" cy="137542"/>
           </a:xfrm>
           <a:prstGeom prst="rect">
@@ -5213,7 +5215,7 @@
         </p:nvSpPr>
         <p:spPr>
           <a:xfrm>
-            <a:off x="2707070" y="3667737"/>
+            <a:off x="2268971" y="3643383"/>
             <a:ext cx="189257" cy="178683"/>
           </a:xfrm>
           <a:prstGeom prst="rect">
@@ -5252,7 +5254,7 @@
         </p:nvSpPr>
         <p:spPr>
           <a:xfrm>
-            <a:off x="6449896" y="3204826"/>
+            <a:off x="6011797" y="3180472"/>
             <a:ext cx="189257" cy="178683"/>
           </a:xfrm>
           <a:prstGeom prst="rect">
@@ -5297,7 +5299,7 @@
         </p:nvSpPr>
         <p:spPr>
           <a:xfrm>
-            <a:off x="7712397" y="2228817"/>
+            <a:off x="7274298" y="2204463"/>
             <a:ext cx="708186" cy="285783"/>
           </a:xfrm>
           <a:prstGeom prst="rect">
@@ -5363,7 +5365,7 @@
         </p:nvCxnSpPr>
         <p:spPr>
           <a:xfrm flipV="1">
-            <a:off x="7277995" y="2371709"/>
+            <a:off x="6839896" y="2347355"/>
             <a:ext cx="434402" cy="663182"/>
           </a:xfrm>
           <a:prstGeom prst="bentConnector3">
@@ -5409,7 +5411,7 @@
         </p:nvSpPr>
         <p:spPr>
           <a:xfrm>
-            <a:off x="7466243" y="2255711"/>
+            <a:off x="7028144" y="2231357"/>
             <a:ext cx="189257" cy="178683"/>
           </a:xfrm>
           <a:prstGeom prst="rect">
@@ -5448,7 +5450,7 @@
         </p:nvSpPr>
         <p:spPr>
           <a:xfrm>
-            <a:off x="3170181" y="1998350"/>
+            <a:off x="2732082" y="1973996"/>
             <a:ext cx="1060683" cy="364396"/>
           </a:xfrm>
           <a:prstGeom prst="rect">
@@ -5507,7 +5509,7 @@
         </p:nvCxnSpPr>
         <p:spPr>
           <a:xfrm>
-            <a:off x="4324972" y="3007222"/>
+            <a:off x="3886873" y="2982868"/>
             <a:ext cx="367678" cy="12320"/>
           </a:xfrm>
           <a:prstGeom prst="straightConnector1">
@@ -5545,7 +5547,7 @@
         </p:nvSpPr>
         <p:spPr>
           <a:xfrm rot="16200000">
-            <a:off x="2669073" y="2069158"/>
+            <a:off x="2230974" y="2044804"/>
             <a:ext cx="271014" cy="187417"/>
           </a:xfrm>
           <a:prstGeom prst="triangle">
@@ -5600,7 +5602,7 @@
         </p:nvCxnSpPr>
         <p:spPr>
           <a:xfrm>
-            <a:off x="2898289" y="2177727"/>
+            <a:off x="2460190" y="2153373"/>
             <a:ext cx="271892" cy="2821"/>
           </a:xfrm>
           <a:prstGeom prst="bentConnector3">
@@ -5647,7 +5649,7 @@
         </p:nvSpPr>
         <p:spPr>
           <a:xfrm rot="5400000">
-            <a:off x="3550759" y="3514788"/>
+            <a:off x="3112660" y="3490434"/>
             <a:ext cx="236048" cy="173380"/>
           </a:xfrm>
           <a:prstGeom prst="flowChartDecision">
@@ -5704,8 +5706,8 @@
         </p:nvCxnSpPr>
         <p:spPr>
           <a:xfrm rot="5400000" flipH="1" flipV="1">
-            <a:off x="4507462" y="2137229"/>
-            <a:ext cx="184290" cy="718847"/>
+            <a:off x="4574568" y="1515814"/>
+            <a:ext cx="276147" cy="1821113"/>
           </a:xfrm>
           <a:prstGeom prst="bentConnector3">
             <a:avLst>
@@ -5751,7 +5753,7 @@
         </p:nvSpPr>
         <p:spPr>
           <a:xfrm>
-            <a:off x="4380546" y="2057747"/>
+            <a:off x="5044713" y="1941536"/>
             <a:ext cx="1156969" cy="346760"/>
           </a:xfrm>
           <a:prstGeom prst="rect">
@@ -5801,10 +5803,10 @@
       </p:sp>
       <p:sp>
         <p:nvSpPr>
-          <p:cNvPr id="67" name="Flowchart: Decision 96">
+          <p:cNvPr id="72" name="Rectangle 8">
             <a:extLst>
               <a:ext uri="{FF2B5EF4-FFF2-40B4-BE49-F238E27FC236}">
-                <a16:creationId xmlns:a16="http://schemas.microsoft.com/office/drawing/2014/main" id="{6847627A-81A5-4DC4-A7CD-461C158FCFE5}"/>
+                <a16:creationId xmlns:a16="http://schemas.microsoft.com/office/drawing/2014/main" id="{2F08CCA6-535D-4C90-8772-E7717348E67F}"/>
               </a:ext>
             </a:extLst>
           </p:cNvPr>
@@ -5813,7 +5815,164 @@
         </p:nvSpPr>
         <p:spPr>
           <a:xfrm>
-            <a:off x="5550632" y="2139270"/>
+            <a:off x="3441319" y="758106"/>
+            <a:ext cx="863386" cy="251279"/>
+          </a:xfrm>
+          <a:prstGeom prst="rect">
+            <a:avLst/>
+          </a:prstGeom>
+          <a:ln w="19050">
+            <a:solidFill>
+              <a:srgbClr val="7030A0"/>
+            </a:solidFill>
+          </a:ln>
+          <a:effectLst/>
+        </p:spPr>
+        <p:style>
+          <a:lnRef idx="1">
+            <a:schemeClr val="accent4"/>
+          </a:lnRef>
+          <a:fillRef idx="2">
+            <a:schemeClr val="accent4"/>
+          </a:fillRef>
+          <a:effectRef idx="1">
+            <a:schemeClr val="accent4"/>
+          </a:effectRef>
+          <a:fontRef idx="minor">
+            <a:schemeClr val="dk1"/>
+          </a:fontRef>
+        </p:style>
+        <p:txBody>
+          <a:bodyPr rtlCol="0" anchor="ctr"/>
+          <a:lstStyle/>
+          <a:p>
+            <a:pPr algn="ctr"/>
+            <a:r>
+              <a:rPr lang="en-US" sz="1050" dirty="0" err="1">
+                <a:solidFill>
+                  <a:srgbClr val="7030A0"/>
+                </a:solidFill>
+              </a:rPr>
+              <a:t>EventName</a:t>
+            </a:r>
+            <a:endParaRPr lang="en-SG" sz="1050" dirty="0">
+              <a:solidFill>
+                <a:srgbClr val="7030A0"/>
+              </a:solidFill>
+            </a:endParaRPr>
+          </a:p>
+        </p:txBody>
+      </p:sp>
+      <p:cxnSp>
+        <p:nvCxnSpPr>
+          <p:cNvPr id="74" name="Elbow Connector 78">
+            <a:extLst>
+              <a:ext uri="{FF2B5EF4-FFF2-40B4-BE49-F238E27FC236}">
+                <a16:creationId xmlns:a16="http://schemas.microsoft.com/office/drawing/2014/main" id="{3F85CCB0-2D9B-4AA5-AE9A-8C62E0DBC7A5}"/>
+              </a:ext>
+            </a:extLst>
+          </p:cNvPr>
+          <p:cNvCxnSpPr>
+            <a:cxnSpLocks/>
+            <a:stCxn id="92" idx="3"/>
+            <a:endCxn id="52" idx="0"/>
+          </p:cNvCxnSpPr>
+          <p:nvPr/>
+        </p:nvCxnSpPr>
+        <p:spPr>
+          <a:xfrm rot="16200000" flipH="1">
+            <a:off x="6374683" y="950755"/>
+            <a:ext cx="502221" cy="2005194"/>
+          </a:xfrm>
+          <a:prstGeom prst="bentConnector3">
+            <a:avLst>
+              <a:gd name="adj1" fmla="val -39279"/>
+            </a:avLst>
+          </a:prstGeom>
+          <a:ln w="19050">
+            <a:solidFill>
+              <a:srgbClr val="7030A0"/>
+            </a:solidFill>
+            <a:headEnd type="none" w="med" len="med"/>
+            <a:tailEnd type="arrow" w="med" len="med"/>
+          </a:ln>
+          <a:effectLst/>
+        </p:spPr>
+        <p:style>
+          <a:lnRef idx="1">
+            <a:schemeClr val="accent2"/>
+          </a:lnRef>
+          <a:fillRef idx="2">
+            <a:schemeClr val="accent2"/>
+          </a:fillRef>
+          <a:effectRef idx="1">
+            <a:schemeClr val="accent2"/>
+          </a:effectRef>
+          <a:fontRef idx="minor">
+            <a:schemeClr val="dk1"/>
+          </a:fontRef>
+        </p:style>
+      </p:cxnSp>
+      <p:sp>
+        <p:nvSpPr>
+          <p:cNvPr id="77" name="TextBox 76">
+            <a:extLst>
+              <a:ext uri="{FF2B5EF4-FFF2-40B4-BE49-F238E27FC236}">
+                <a16:creationId xmlns:a16="http://schemas.microsoft.com/office/drawing/2014/main" id="{CAA98FCC-4F43-4FEF-A5E4-3C04A00627FE}"/>
+              </a:ext>
+            </a:extLst>
+          </p:cNvPr>
+          <p:cNvSpPr txBox="1"/>
+          <p:nvPr/>
+        </p:nvSpPr>
+        <p:spPr>
+          <a:xfrm>
+            <a:off x="3641216" y="2421482"/>
+            <a:ext cx="189257" cy="178683"/>
+          </a:xfrm>
+          <a:prstGeom prst="rect">
+            <a:avLst/>
+          </a:prstGeom>
+          <a:noFill/>
+        </p:spPr>
+        <p:txBody>
+          <a:bodyPr wrap="square" lIns="0" tIns="0" rIns="0" bIns="0" rtlCol="0">
+            <a:noAutofit/>
+          </a:bodyPr>
+          <a:lstStyle/>
+          <a:p>
+            <a:pPr algn="ctr"/>
+            <a:r>
+              <a:rPr lang="en-US" sz="1100" dirty="0">
+                <a:solidFill>
+                  <a:srgbClr val="7030A0"/>
+                </a:solidFill>
+              </a:rPr>
+              <a:t>1</a:t>
+            </a:r>
+            <a:endParaRPr lang="en-SG" sz="1100" dirty="0">
+              <a:solidFill>
+                <a:srgbClr val="7030A0"/>
+              </a:solidFill>
+            </a:endParaRPr>
+          </a:p>
+        </p:txBody>
+      </p:sp>
+      <p:sp>
+        <p:nvSpPr>
+          <p:cNvPr id="82" name="Flowchart: Decision 96">
+            <a:extLst>
+              <a:ext uri="{FF2B5EF4-FFF2-40B4-BE49-F238E27FC236}">
+                <a16:creationId xmlns:a16="http://schemas.microsoft.com/office/drawing/2014/main" id="{C24C5CF6-769A-47AE-AF21-7AF9DE04C8B2}"/>
+              </a:ext>
+            </a:extLst>
+          </p:cNvPr>
+          <p:cNvSpPr/>
+          <p:nvPr/>
+        </p:nvSpPr>
+        <p:spPr>
+          <a:xfrm rot="5400000">
+            <a:off x="3684061" y="2595777"/>
             <a:ext cx="236048" cy="173380"/>
           </a:xfrm>
           <a:prstGeom prst="flowChartDecision">
@@ -5852,28 +6011,129 @@
           </a:p>
         </p:txBody>
       </p:sp>
+      <p:sp>
+        <p:nvSpPr>
+          <p:cNvPr id="87" name="TextBox 86">
+            <a:extLst>
+              <a:ext uri="{FF2B5EF4-FFF2-40B4-BE49-F238E27FC236}">
+                <a16:creationId xmlns:a16="http://schemas.microsoft.com/office/drawing/2014/main" id="{D249F513-D882-41C2-9FE8-609F20A24AD5}"/>
+              </a:ext>
+            </a:extLst>
+          </p:cNvPr>
+          <p:cNvSpPr txBox="1"/>
+          <p:nvPr/>
+        </p:nvSpPr>
+        <p:spPr>
+          <a:xfrm>
+            <a:off x="7610715" y="1966031"/>
+            <a:ext cx="189257" cy="178683"/>
+          </a:xfrm>
+          <a:prstGeom prst="rect">
+            <a:avLst/>
+          </a:prstGeom>
+          <a:noFill/>
+        </p:spPr>
+        <p:txBody>
+          <a:bodyPr wrap="square" lIns="0" tIns="0" rIns="0" bIns="0" rtlCol="0">
+            <a:noAutofit/>
+          </a:bodyPr>
+          <a:lstStyle/>
+          <a:p>
+            <a:pPr algn="ctr"/>
+            <a:r>
+              <a:rPr lang="en-US" sz="1100" dirty="0">
+                <a:solidFill>
+                  <a:srgbClr val="7030A0"/>
+                </a:solidFill>
+              </a:rPr>
+              <a:t>*</a:t>
+            </a:r>
+            <a:endParaRPr lang="en-SG" sz="1100" dirty="0">
+              <a:solidFill>
+                <a:srgbClr val="7030A0"/>
+              </a:solidFill>
+            </a:endParaRPr>
+          </a:p>
+        </p:txBody>
+      </p:sp>
+      <p:sp>
+        <p:nvSpPr>
+          <p:cNvPr id="92" name="Flowchart: Decision 96">
+            <a:extLst>
+              <a:ext uri="{FF2B5EF4-FFF2-40B4-BE49-F238E27FC236}">
+                <a16:creationId xmlns:a16="http://schemas.microsoft.com/office/drawing/2014/main" id="{B39620A1-8FB7-4C7D-BC01-E62CF5F9D81C}"/>
+              </a:ext>
+            </a:extLst>
+          </p:cNvPr>
+          <p:cNvSpPr/>
+          <p:nvPr/>
+        </p:nvSpPr>
+        <p:spPr>
+          <a:xfrm rot="16200000">
+            <a:off x="5505173" y="1733576"/>
+            <a:ext cx="236048" cy="173380"/>
+          </a:xfrm>
+          <a:prstGeom prst="flowChartDecision">
+            <a:avLst/>
+          </a:prstGeom>
+          <a:solidFill>
+            <a:srgbClr val="7030A0"/>
+          </a:solidFill>
+          <a:ln w="19050">
+            <a:solidFill>
+              <a:srgbClr val="7030A0"/>
+            </a:solidFill>
+          </a:ln>
+          <a:effectLst/>
+        </p:spPr>
+        <p:style>
+          <a:lnRef idx="1">
+            <a:schemeClr val="accent6"/>
+          </a:lnRef>
+          <a:fillRef idx="2">
+            <a:schemeClr val="accent6"/>
+          </a:fillRef>
+          <a:effectRef idx="1">
+            <a:schemeClr val="accent6"/>
+          </a:effectRef>
+          <a:fontRef idx="minor">
+            <a:schemeClr val="dk1"/>
+          </a:fontRef>
+        </p:style>
+        <p:txBody>
+          <a:bodyPr rtlCol="0" anchor="ctr"/>
+          <a:lstStyle/>
+          <a:p>
+            <a:pPr algn="ctr"/>
+            <a:endParaRPr lang="en-US" sz="1050"/>
+          </a:p>
+        </p:txBody>
+      </p:sp>
       <p:cxnSp>
         <p:nvCxnSpPr>
-          <p:cNvPr id="71" name="Elbow Connector 78">
+          <p:cNvPr id="93" name="Elbow Connector 78">
             <a:extLst>
               <a:ext uri="{FF2B5EF4-FFF2-40B4-BE49-F238E27FC236}">
-                <a16:creationId xmlns:a16="http://schemas.microsoft.com/office/drawing/2014/main" id="{186BC588-7BE8-4526-8B80-A08DBE8BBB7F}"/>
+                <a16:creationId xmlns:a16="http://schemas.microsoft.com/office/drawing/2014/main" id="{98E6AB2E-D180-40E4-A2AA-135774F4853E}"/>
               </a:ext>
             </a:extLst>
           </p:cNvPr>
           <p:cNvCxnSpPr>
             <a:cxnSpLocks/>
-            <a:stCxn id="67" idx="3"/>
+            <a:stCxn id="92" idx="3"/>
+            <a:endCxn id="110" idx="2"/>
           </p:cNvCxnSpPr>
           <p:nvPr/>
         </p:nvCxnSpPr>
         <p:spPr>
-          <a:xfrm>
-            <a:off x="5786680" y="2225960"/>
-            <a:ext cx="559651" cy="7476"/>
+          <a:xfrm rot="5400000" flipH="1" flipV="1">
+            <a:off x="6178049" y="454534"/>
+            <a:ext cx="692857" cy="1802561"/>
           </a:xfrm>
           <a:prstGeom prst="bentConnector3">
-            <a:avLst/>
+            <a:avLst>
+              <a:gd name="adj1" fmla="val 50000"/>
+            </a:avLst>
           </a:prstGeom>
           <a:ln w="19050">
             <a:solidFill>
@@ -5901,10 +6161,10 @@
       </p:cxnSp>
       <p:sp>
         <p:nvSpPr>
-          <p:cNvPr id="72" name="Rectangle 8">
+          <p:cNvPr id="94" name="Rectangle 8">
             <a:extLst>
               <a:ext uri="{FF2B5EF4-FFF2-40B4-BE49-F238E27FC236}">
-                <a16:creationId xmlns:a16="http://schemas.microsoft.com/office/drawing/2014/main" id="{2F08CCA6-535D-4C90-8772-E7717348E67F}"/>
+                <a16:creationId xmlns:a16="http://schemas.microsoft.com/office/drawing/2014/main" id="{D451DDF1-D532-4A3D-8E30-21C532C1C4CC}"/>
               </a:ext>
             </a:extLst>
           </p:cNvPr>
@@ -5913,7 +6173,7 @@
         </p:nvSpPr>
         <p:spPr>
           <a:xfrm>
-            <a:off x="6313677" y="2121091"/>
+            <a:off x="4572339" y="770892"/>
             <a:ext cx="863386" cy="251279"/>
           </a:xfrm>
           <a:prstGeom prst="rect">
@@ -5951,7 +6211,7 @@
                   <a:srgbClr val="7030A0"/>
                 </a:solidFill>
               </a:rPr>
-              <a:t>EventName</a:t>
+              <a:t>EventDate</a:t>
             </a:r>
             <a:endParaRPr lang="en-SG" sz="1050" dirty="0">
               <a:solidFill>
@@ -5961,81 +6221,30 @@
           </a:p>
         </p:txBody>
       </p:sp>
-      <p:sp>
-        <p:nvSpPr>
-          <p:cNvPr id="73" name="Flowchart: Decision 96">
+      <p:cxnSp>
+        <p:nvCxnSpPr>
+          <p:cNvPr id="105" name="Elbow Connector 78">
             <a:extLst>
               <a:ext uri="{FF2B5EF4-FFF2-40B4-BE49-F238E27FC236}">
-                <a16:creationId xmlns:a16="http://schemas.microsoft.com/office/drawing/2014/main" id="{848DCFCD-FFB2-4717-A52C-AC920053AC33}"/>
-              </a:ext>
-            </a:extLst>
-          </p:cNvPr>
-          <p:cNvSpPr/>
-          <p:nvPr/>
-        </p:nvSpPr>
-        <p:spPr>
-          <a:xfrm rot="16200000">
-            <a:off x="5142512" y="1853033"/>
-            <a:ext cx="236048" cy="173380"/>
-          </a:xfrm>
-          <a:prstGeom prst="flowChartDecision">
-            <a:avLst/>
-          </a:prstGeom>
-          <a:noFill/>
-          <a:ln w="19050">
-            <a:solidFill>
-              <a:srgbClr val="7030A0"/>
-            </a:solidFill>
-          </a:ln>
-          <a:effectLst/>
-        </p:spPr>
-        <p:style>
-          <a:lnRef idx="1">
-            <a:schemeClr val="accent6"/>
-          </a:lnRef>
-          <a:fillRef idx="2">
-            <a:schemeClr val="accent6"/>
-          </a:fillRef>
-          <a:effectRef idx="1">
-            <a:schemeClr val="accent6"/>
-          </a:effectRef>
-          <a:fontRef idx="minor">
-            <a:schemeClr val="dk1"/>
-          </a:fontRef>
-        </p:style>
-        <p:txBody>
-          <a:bodyPr rtlCol="0" anchor="ctr"/>
-          <a:lstStyle/>
-          <a:p>
-            <a:pPr algn="ctr"/>
-            <a:endParaRPr lang="en-US" sz="1050"/>
-          </a:p>
-        </p:txBody>
-      </p:sp>
-      <p:cxnSp>
-        <p:nvCxnSpPr>
-          <p:cNvPr id="74" name="Elbow Connector 78">
-            <a:extLst>
-              <a:ext uri="{FF2B5EF4-FFF2-40B4-BE49-F238E27FC236}">
-                <a16:creationId xmlns:a16="http://schemas.microsoft.com/office/drawing/2014/main" id="{3F85CCB0-2D9B-4AA5-AE9A-8C62E0DBC7A5}"/>
+                <a16:creationId xmlns:a16="http://schemas.microsoft.com/office/drawing/2014/main" id="{8884F796-DC76-4885-B57E-B6A797E9C5D8}"/>
               </a:ext>
             </a:extLst>
           </p:cNvPr>
           <p:cNvCxnSpPr>
             <a:cxnSpLocks/>
-            <a:stCxn id="73" idx="3"/>
-            <a:endCxn id="52" idx="0"/>
+            <a:stCxn id="92" idx="3"/>
+            <a:endCxn id="106" idx="2"/>
           </p:cNvCxnSpPr>
           <p:nvPr/>
         </p:nvCxnSpPr>
         <p:spPr>
-          <a:xfrm rot="16200000" flipH="1">
-            <a:off x="6459954" y="622281"/>
-            <a:ext cx="407118" cy="2805954"/>
+          <a:xfrm rot="5400000" flipH="1" flipV="1">
+            <a:off x="5551248" y="1081335"/>
+            <a:ext cx="692857" cy="548958"/>
           </a:xfrm>
           <a:prstGeom prst="bentConnector3">
             <a:avLst>
-              <a:gd name="adj1" fmla="val -48454"/>
+              <a:gd name="adj1" fmla="val 50000"/>
             </a:avLst>
           </a:prstGeom>
           <a:ln w="19050">
@@ -6064,55 +6273,10 @@
       </p:cxnSp>
       <p:sp>
         <p:nvSpPr>
-          <p:cNvPr id="77" name="TextBox 76">
+          <p:cNvPr id="106" name="Rectangle 8">
             <a:extLst>
               <a:ext uri="{FF2B5EF4-FFF2-40B4-BE49-F238E27FC236}">
-                <a16:creationId xmlns:a16="http://schemas.microsoft.com/office/drawing/2014/main" id="{CAA98FCC-4F43-4FEF-A5E4-3C04A00627FE}"/>
-              </a:ext>
-            </a:extLst>
-          </p:cNvPr>
-          <p:cNvSpPr txBox="1"/>
-          <p:nvPr/>
-        </p:nvSpPr>
-        <p:spPr>
-          <a:xfrm>
-            <a:off x="4079315" y="2445836"/>
-            <a:ext cx="189257" cy="178683"/>
-          </a:xfrm>
-          <a:prstGeom prst="rect">
-            <a:avLst/>
-          </a:prstGeom>
-          <a:noFill/>
-        </p:spPr>
-        <p:txBody>
-          <a:bodyPr wrap="square" lIns="0" tIns="0" rIns="0" bIns="0" rtlCol="0">
-            <a:noAutofit/>
-          </a:bodyPr>
-          <a:lstStyle/>
-          <a:p>
-            <a:pPr algn="ctr"/>
-            <a:r>
-              <a:rPr lang="en-US" sz="1100" dirty="0">
-                <a:solidFill>
-                  <a:srgbClr val="7030A0"/>
-                </a:solidFill>
-              </a:rPr>
-              <a:t>1</a:t>
-            </a:r>
-            <a:endParaRPr lang="en-SG" sz="1100" dirty="0">
-              <a:solidFill>
-                <a:srgbClr val="7030A0"/>
-              </a:solidFill>
-            </a:endParaRPr>
-          </a:p>
-        </p:txBody>
-      </p:sp>
-      <p:sp>
-        <p:nvSpPr>
-          <p:cNvPr id="82" name="Flowchart: Decision 96">
-            <a:extLst>
-              <a:ext uri="{FF2B5EF4-FFF2-40B4-BE49-F238E27FC236}">
-                <a16:creationId xmlns:a16="http://schemas.microsoft.com/office/drawing/2014/main" id="{C24C5CF6-769A-47AE-AF21-7AF9DE04C8B2}"/>
+                <a16:creationId xmlns:a16="http://schemas.microsoft.com/office/drawing/2014/main" id="{71E27C50-38BC-458C-826E-0083DC999D71}"/>
               </a:ext>
             </a:extLst>
           </p:cNvPr>
@@ -6120,16 +6284,13 @@
           <p:nvPr/>
         </p:nvSpPr>
         <p:spPr>
-          <a:xfrm rot="5400000">
-            <a:off x="4122160" y="2620131"/>
-            <a:ext cx="236048" cy="173380"/>
-          </a:xfrm>
-          <a:prstGeom prst="flowChartDecision">
+          <a:xfrm>
+            <a:off x="5740462" y="758106"/>
+            <a:ext cx="863386" cy="251279"/>
+          </a:xfrm>
+          <a:prstGeom prst="rect">
             <a:avLst/>
           </a:prstGeom>
-          <a:solidFill>
-            <a:srgbClr val="7030A0"/>
-          </a:solidFill>
           <a:ln w="19050">
             <a:solidFill>
               <a:srgbClr val="7030A0"/>
@@ -6139,13 +6300,13 @@
         </p:spPr>
         <p:style>
           <a:lnRef idx="1">
-            <a:schemeClr val="accent6"/>
+            <a:schemeClr val="accent4"/>
           </a:lnRef>
           <a:fillRef idx="2">
-            <a:schemeClr val="accent6"/>
+            <a:schemeClr val="accent4"/>
           </a:fillRef>
           <a:effectRef idx="1">
-            <a:schemeClr val="accent6"/>
+            <a:schemeClr val="accent4"/>
           </a:effectRef>
           <a:fontRef idx="minor">
             <a:schemeClr val="dk1"/>
@@ -6156,48 +6317,15 @@
           <a:lstStyle/>
           <a:p>
             <a:pPr algn="ctr"/>
-            <a:endParaRPr lang="en-US" sz="1050"/>
-          </a:p>
-        </p:txBody>
-      </p:sp>
-      <p:sp>
-        <p:nvSpPr>
-          <p:cNvPr id="87" name="TextBox 86">
-            <a:extLst>
-              <a:ext uri="{FF2B5EF4-FFF2-40B4-BE49-F238E27FC236}">
-                <a16:creationId xmlns:a16="http://schemas.microsoft.com/office/drawing/2014/main" id="{D249F513-D882-41C2-9FE8-609F20A24AD5}"/>
-              </a:ext>
-            </a:extLst>
-          </p:cNvPr>
-          <p:cNvSpPr txBox="1"/>
-          <p:nvPr/>
-        </p:nvSpPr>
-        <p:spPr>
-          <a:xfrm>
-            <a:off x="8054279" y="1951731"/>
-            <a:ext cx="189257" cy="178683"/>
-          </a:xfrm>
-          <a:prstGeom prst="rect">
-            <a:avLst/>
-          </a:prstGeom>
-          <a:noFill/>
-        </p:spPr>
-        <p:txBody>
-          <a:bodyPr wrap="square" lIns="0" tIns="0" rIns="0" bIns="0" rtlCol="0">
-            <a:noAutofit/>
-          </a:bodyPr>
-          <a:lstStyle/>
-          <a:p>
-            <a:pPr algn="ctr"/>
-            <a:r>
-              <a:rPr lang="en-US" sz="1100" dirty="0">
+            <a:r>
+              <a:rPr lang="en-US" sz="1050" dirty="0" err="1">
                 <a:solidFill>
                   <a:srgbClr val="7030A0"/>
                 </a:solidFill>
               </a:rPr>
-              <a:t>*</a:t>
-            </a:r>
-            <a:endParaRPr lang="en-SG" sz="1100" dirty="0">
+              <a:t>EventVenue</a:t>
+            </a:r>
+            <a:endParaRPr lang="en-SG" sz="1050" dirty="0">
               <a:solidFill>
                 <a:srgbClr val="7030A0"/>
               </a:solidFill>
@@ -6205,44 +6333,111 @@
           </a:p>
         </p:txBody>
       </p:sp>
-      <p:sp>
-        <p:nvSpPr>
-          <p:cNvPr id="88" name="TextBox 87">
+      <p:cxnSp>
+        <p:nvCxnSpPr>
+          <p:cNvPr id="109" name="Elbow Connector 78">
             <a:extLst>
               <a:ext uri="{FF2B5EF4-FFF2-40B4-BE49-F238E27FC236}">
-                <a16:creationId xmlns:a16="http://schemas.microsoft.com/office/drawing/2014/main" id="{6BC9346B-35B4-4094-9735-786E20DDFFF8}"/>
+                <a16:creationId xmlns:a16="http://schemas.microsoft.com/office/drawing/2014/main" id="{47D48B73-D963-4D0F-A750-FB875F5D98ED}"/>
               </a:ext>
             </a:extLst>
           </p:cNvPr>
-          <p:cNvSpPr txBox="1"/>
+          <p:cNvCxnSpPr>
+            <a:cxnSpLocks/>
+            <a:stCxn id="92" idx="3"/>
+            <a:endCxn id="72" idx="2"/>
+          </p:cNvCxnSpPr>
           <p:nvPr/>
+        </p:nvCxnSpPr>
+        <p:spPr>
+          <a:xfrm rot="16200000" flipV="1">
+            <a:off x="4401677" y="480721"/>
+            <a:ext cx="692857" cy="1750185"/>
+          </a:xfrm>
+          <a:prstGeom prst="bentConnector3">
+            <a:avLst>
+              <a:gd name="adj1" fmla="val 50000"/>
+            </a:avLst>
+          </a:prstGeom>
+          <a:ln w="19050">
+            <a:solidFill>
+              <a:srgbClr val="7030A0"/>
+            </a:solidFill>
+            <a:headEnd type="none" w="med" len="med"/>
+            <a:tailEnd type="arrow" w="med" len="med"/>
+          </a:ln>
+          <a:effectLst/>
+        </p:spPr>
+        <p:style>
+          <a:lnRef idx="1">
+            <a:schemeClr val="accent2"/>
+          </a:lnRef>
+          <a:fillRef idx="2">
+            <a:schemeClr val="accent2"/>
+          </a:fillRef>
+          <a:effectRef idx="1">
+            <a:schemeClr val="accent2"/>
+          </a:effectRef>
+          <a:fontRef idx="minor">
+            <a:schemeClr val="dk1"/>
+          </a:fontRef>
+        </p:style>
+      </p:cxnSp>
+      <p:sp>
+        <p:nvSpPr>
+          <p:cNvPr id="110" name="Rectangle 8">
+            <a:extLst>
+              <a:ext uri="{FF2B5EF4-FFF2-40B4-BE49-F238E27FC236}">
+                <a16:creationId xmlns:a16="http://schemas.microsoft.com/office/drawing/2014/main" id="{C95B48A1-8A5B-469C-AFA7-B11F77DAB484}"/>
+              </a:ext>
+            </a:extLst>
+          </p:cNvPr>
+          <p:cNvSpPr/>
+          <p:nvPr/>
         </p:nvSpPr>
         <p:spPr>
           <a:xfrm>
-            <a:off x="5764122" y="2229911"/>
-            <a:ext cx="189257" cy="178683"/>
+            <a:off x="6869032" y="758107"/>
+            <a:ext cx="1113452" cy="251278"/>
           </a:xfrm>
           <a:prstGeom prst="rect">
             <a:avLst/>
           </a:prstGeom>
-          <a:noFill/>
-        </p:spPr>
-        <p:txBody>
-          <a:bodyPr wrap="square" lIns="0" tIns="0" rIns="0" bIns="0" rtlCol="0">
-            <a:noAutofit/>
-          </a:bodyPr>
+          <a:ln w="19050">
+            <a:solidFill>
+              <a:srgbClr val="7030A0"/>
+            </a:solidFill>
+          </a:ln>
+          <a:effectLst/>
+        </p:spPr>
+        <p:style>
+          <a:lnRef idx="1">
+            <a:schemeClr val="accent4"/>
+          </a:lnRef>
+          <a:fillRef idx="2">
+            <a:schemeClr val="accent4"/>
+          </a:fillRef>
+          <a:effectRef idx="1">
+            <a:schemeClr val="accent4"/>
+          </a:effectRef>
+          <a:fontRef idx="minor">
+            <a:schemeClr val="dk1"/>
+          </a:fontRef>
+        </p:style>
+        <p:txBody>
+          <a:bodyPr rtlCol="0" anchor="ctr"/>
           <a:lstStyle/>
           <a:p>
             <a:pPr algn="ctr"/>
             <a:r>
-              <a:rPr lang="en-US" sz="1100" dirty="0">
+              <a:rPr lang="en-US" sz="1050" dirty="0" err="1">
                 <a:solidFill>
                   <a:srgbClr val="7030A0"/>
                 </a:solidFill>
               </a:rPr>
-              <a:t>1</a:t>
-            </a:r>
-            <a:endParaRPr lang="en-SG" sz="1100" dirty="0">
+              <a:t>EventStartTime</a:t>
+            </a:r>
+            <a:endParaRPr lang="en-SG" sz="1050" dirty="0">
               <a:solidFill>
                 <a:srgbClr val="7030A0"/>
               </a:solidFill>
@@ -6250,6 +6445,56 @@
           </a:p>
         </p:txBody>
       </p:sp>
+      <p:cxnSp>
+        <p:nvCxnSpPr>
+          <p:cNvPr id="121" name="Elbow Connector 78">
+            <a:extLst>
+              <a:ext uri="{FF2B5EF4-FFF2-40B4-BE49-F238E27FC236}">
+                <a16:creationId xmlns:a16="http://schemas.microsoft.com/office/drawing/2014/main" id="{E68A79CC-F66C-45A6-8338-FC7708525D4F}"/>
+              </a:ext>
+            </a:extLst>
+          </p:cNvPr>
+          <p:cNvCxnSpPr>
+            <a:cxnSpLocks/>
+            <a:stCxn id="92" idx="3"/>
+            <a:endCxn id="94" idx="2"/>
+          </p:cNvCxnSpPr>
+          <p:nvPr/>
+        </p:nvCxnSpPr>
+        <p:spPr>
+          <a:xfrm rot="16200000" flipV="1">
+            <a:off x="4973580" y="1052624"/>
+            <a:ext cx="680071" cy="619165"/>
+          </a:xfrm>
+          <a:prstGeom prst="bentConnector3">
+            <a:avLst>
+              <a:gd name="adj1" fmla="val 50000"/>
+            </a:avLst>
+          </a:prstGeom>
+          <a:ln w="19050">
+            <a:solidFill>
+              <a:srgbClr val="7030A0"/>
+            </a:solidFill>
+            <a:headEnd type="none" w="med" len="med"/>
+            <a:tailEnd type="arrow" w="med" len="med"/>
+          </a:ln>
+          <a:effectLst/>
+        </p:spPr>
+        <p:style>
+          <a:lnRef idx="1">
+            <a:schemeClr val="accent2"/>
+          </a:lnRef>
+          <a:fillRef idx="2">
+            <a:schemeClr val="accent2"/>
+          </a:fillRef>
+          <a:effectRef idx="1">
+            <a:schemeClr val="accent2"/>
+          </a:effectRef>
+          <a:fontRef idx="minor">
+            <a:schemeClr val="dk1"/>
+          </a:fontRef>
+        </p:style>
+      </p:cxnSp>
     </p:spTree>
     <p:extLst>
       <p:ext uri="{BB962C8B-B14F-4D97-AF65-F5344CB8AC3E}">

--- a/docs/diagrams/ModelComponentClassDiagram.pptx
+++ b/docs/diagrams/ModelComponentClassDiagram.pptx
@@ -208,7 +208,7 @@
           <a:p>
             <a:fld id="{F5CC4B3F-88C1-4FFA-B1B6-F41C21DC6924}" type="datetimeFigureOut">
               <a:rPr lang="en-US" smtClean="0"/>
-              <a:t>11/6/2018</a:t>
+              <a:t>11/12/2018</a:t>
             </a:fld>
             <a:endParaRPr lang="en-US"/>
           </a:p>
@@ -654,7 +654,7 @@
           <a:p>
             <a:fld id="{78C97017-6FC3-485B-9764-EAC9E56C1D49}" type="datetimeFigureOut">
               <a:rPr lang="en-US" smtClean="0"/>
-              <a:t>11/6/2018</a:t>
+              <a:t>11/12/2018</a:t>
             </a:fld>
             <a:endParaRPr lang="en-US"/>
           </a:p>
@@ -822,7 +822,7 @@
           <a:p>
             <a:fld id="{78C97017-6FC3-485B-9764-EAC9E56C1D49}" type="datetimeFigureOut">
               <a:rPr lang="en-US" smtClean="0"/>
-              <a:t>11/6/2018</a:t>
+              <a:t>11/12/2018</a:t>
             </a:fld>
             <a:endParaRPr lang="en-US"/>
           </a:p>
@@ -1000,7 +1000,7 @@
           <a:p>
             <a:fld id="{78C97017-6FC3-485B-9764-EAC9E56C1D49}" type="datetimeFigureOut">
               <a:rPr lang="en-US" smtClean="0"/>
-              <a:t>11/6/2018</a:t>
+              <a:t>11/12/2018</a:t>
             </a:fld>
             <a:endParaRPr lang="en-US"/>
           </a:p>
@@ -1168,7 +1168,7 @@
           <a:p>
             <a:fld id="{78C97017-6FC3-485B-9764-EAC9E56C1D49}" type="datetimeFigureOut">
               <a:rPr lang="en-US" smtClean="0"/>
-              <a:t>11/6/2018</a:t>
+              <a:t>11/12/2018</a:t>
             </a:fld>
             <a:endParaRPr lang="en-US"/>
           </a:p>
@@ -1413,7 +1413,7 @@
           <a:p>
             <a:fld id="{78C97017-6FC3-485B-9764-EAC9E56C1D49}" type="datetimeFigureOut">
               <a:rPr lang="en-US" smtClean="0"/>
-              <a:t>11/6/2018</a:t>
+              <a:t>11/12/2018</a:t>
             </a:fld>
             <a:endParaRPr lang="en-US"/>
           </a:p>
@@ -1698,7 +1698,7 @@
           <a:p>
             <a:fld id="{78C97017-6FC3-485B-9764-EAC9E56C1D49}" type="datetimeFigureOut">
               <a:rPr lang="en-US" smtClean="0"/>
-              <a:t>11/6/2018</a:t>
+              <a:t>11/12/2018</a:t>
             </a:fld>
             <a:endParaRPr lang="en-US"/>
           </a:p>
@@ -2117,7 +2117,7 @@
           <a:p>
             <a:fld id="{78C97017-6FC3-485B-9764-EAC9E56C1D49}" type="datetimeFigureOut">
               <a:rPr lang="en-US" smtClean="0"/>
-              <a:t>11/6/2018</a:t>
+              <a:t>11/12/2018</a:t>
             </a:fld>
             <a:endParaRPr lang="en-US"/>
           </a:p>
@@ -2234,7 +2234,7 @@
           <a:p>
             <a:fld id="{78C97017-6FC3-485B-9764-EAC9E56C1D49}" type="datetimeFigureOut">
               <a:rPr lang="en-US" smtClean="0"/>
-              <a:t>11/6/2018</a:t>
+              <a:t>11/12/2018</a:t>
             </a:fld>
             <a:endParaRPr lang="en-US"/>
           </a:p>
@@ -2329,7 +2329,7 @@
           <a:p>
             <a:fld id="{78C97017-6FC3-485B-9764-EAC9E56C1D49}" type="datetimeFigureOut">
               <a:rPr lang="en-US" smtClean="0"/>
-              <a:t>11/6/2018</a:t>
+              <a:t>11/12/2018</a:t>
             </a:fld>
             <a:endParaRPr lang="en-US"/>
           </a:p>
@@ -2604,7 +2604,7 @@
           <a:p>
             <a:fld id="{78C97017-6FC3-485B-9764-EAC9E56C1D49}" type="datetimeFigureOut">
               <a:rPr lang="en-US" smtClean="0"/>
-              <a:t>11/6/2018</a:t>
+              <a:t>11/12/2018</a:t>
             </a:fld>
             <a:endParaRPr lang="en-US"/>
           </a:p>
@@ -2856,7 +2856,7 @@
           <a:p>
             <a:fld id="{78C97017-6FC3-485B-9764-EAC9E56C1D49}" type="datetimeFigureOut">
               <a:rPr lang="en-US" smtClean="0"/>
-              <a:t>11/6/2018</a:t>
+              <a:t>11/12/2018</a:t>
             </a:fld>
             <a:endParaRPr lang="en-US"/>
           </a:p>
@@ -3067,7 +3067,7 @@
           <a:p>
             <a:fld id="{78C97017-6FC3-485B-9764-EAC9E56C1D49}" type="datetimeFigureOut">
               <a:rPr lang="en-US" smtClean="0"/>
-              <a:t>11/6/2018</a:t>
+              <a:t>11/12/2018</a:t>
             </a:fld>
             <a:endParaRPr lang="en-US"/>
           </a:p>
@@ -3442,3059 +3442,3084 @@
           <a:chExt cx="0" cy="0"/>
         </a:xfrm>
       </p:grpSpPr>
-      <p:sp>
-        <p:nvSpPr>
-          <p:cNvPr id="118" name="Rectangle 65"/>
-          <p:cNvSpPr/>
+      <p:grpSp>
+        <p:nvGrpSpPr>
+          <p:cNvPr id="3" name="Group 2">
+            <a:extLst>
+              <a:ext uri="{FF2B5EF4-FFF2-40B4-BE49-F238E27FC236}">
+                <a16:creationId xmlns:a16="http://schemas.microsoft.com/office/drawing/2014/main" id="{2394D655-BAC5-494C-A133-4E345EAE04C2}"/>
+              </a:ext>
+            </a:extLst>
+          </p:cNvPr>
+          <p:cNvGrpSpPr/>
           <p:nvPr/>
-        </p:nvSpPr>
-        <p:spPr>
+        </p:nvGrpSpPr>
+        <p:grpSpPr>
           <a:xfrm>
-            <a:off x="607445" y="412460"/>
-            <a:ext cx="8003155" cy="4300499"/>
+            <a:off x="228600" y="356992"/>
+            <a:ext cx="8534399" cy="5205608"/>
+            <a:chOff x="228600" y="356992"/>
+            <a:chExt cx="8534399" cy="5205608"/>
           </a:xfrm>
-          <a:prstGeom prst="roundRect">
-            <a:avLst>
-              <a:gd name="adj" fmla="val 3484"/>
-            </a:avLst>
-          </a:prstGeom>
-          <a:solidFill>
-            <a:schemeClr val="accent4">
-              <a:lumMod val="20000"/>
-              <a:lumOff val="80000"/>
-            </a:schemeClr>
-          </a:solidFill>
-          <a:ln w="19050">
-            <a:noFill/>
-          </a:ln>
-          <a:effectLst/>
-        </p:spPr>
-        <p:style>
-          <a:lnRef idx="1">
-            <a:schemeClr val="accent2"/>
-          </a:lnRef>
-          <a:fillRef idx="2">
-            <a:schemeClr val="accent2"/>
-          </a:fillRef>
-          <a:effectRef idx="1">
-            <a:schemeClr val="accent2"/>
-          </a:effectRef>
-          <a:fontRef idx="minor">
-            <a:schemeClr val="dk1"/>
-          </a:fontRef>
-        </p:style>
-        <p:txBody>
-          <a:bodyPr rtlCol="0" anchor="t"/>
-          <a:lstStyle/>
-          <a:p>
-            <a:r>
-              <a:rPr lang="en-US" sz="1200" b="1" dirty="0">
+        </p:grpSpPr>
+        <p:sp>
+          <p:nvSpPr>
+            <p:cNvPr id="118" name="Rectangle 65"/>
+            <p:cNvSpPr/>
+            <p:nvPr/>
+          </p:nvSpPr>
+          <p:spPr>
+            <a:xfrm>
+              <a:off x="228600" y="356992"/>
+              <a:ext cx="8534399" cy="5205608"/>
+            </a:xfrm>
+            <a:prstGeom prst="roundRect">
+              <a:avLst>
+                <a:gd name="adj" fmla="val 3484"/>
+              </a:avLst>
+            </a:prstGeom>
+            <a:solidFill>
+              <a:schemeClr val="accent4">
+                <a:lumMod val="20000"/>
+                <a:lumOff val="80000"/>
+              </a:schemeClr>
+            </a:solidFill>
+            <a:ln w="19050">
+              <a:noFill/>
+            </a:ln>
+            <a:effectLst/>
+          </p:spPr>
+          <p:style>
+            <a:lnRef idx="1">
+              <a:schemeClr val="accent2"/>
+            </a:lnRef>
+            <a:fillRef idx="2">
+              <a:schemeClr val="accent2"/>
+            </a:fillRef>
+            <a:effectRef idx="1">
+              <a:schemeClr val="accent2"/>
+            </a:effectRef>
+            <a:fontRef idx="minor">
+              <a:schemeClr val="dk1"/>
+            </a:fontRef>
+          </p:style>
+          <p:txBody>
+            <a:bodyPr rtlCol="0" anchor="t"/>
+            <a:lstStyle/>
+            <a:p>
+              <a:r>
+                <a:rPr lang="en-US" sz="1200" b="1" dirty="0">
+                  <a:solidFill>
+                    <a:srgbClr val="7030A0"/>
+                  </a:solidFill>
+                </a:rPr>
+                <a:t>Model</a:t>
+              </a:r>
+              <a:endParaRPr lang="en-SG" sz="1200" b="1" dirty="0">
                 <a:solidFill>
                   <a:srgbClr val="7030A0"/>
                 </a:solidFill>
-              </a:rPr>
-              <a:t>Model</a:t>
-            </a:r>
-            <a:endParaRPr lang="en-SG" sz="1200" b="1" dirty="0">
+              </a:endParaRPr>
+            </a:p>
+          </p:txBody>
+        </p:sp>
+        <p:sp>
+          <p:nvSpPr>
+            <p:cNvPr id="2" name="Rectangle 8"/>
+            <p:cNvSpPr/>
+            <p:nvPr/>
+          </p:nvSpPr>
+          <p:spPr>
+            <a:xfrm>
+              <a:off x="2439081" y="3438886"/>
+              <a:ext cx="1093635" cy="346760"/>
+            </a:xfrm>
+            <a:prstGeom prst="rect">
+              <a:avLst/>
+            </a:prstGeom>
+            <a:solidFill>
+              <a:srgbClr val="7030A0"/>
+            </a:solidFill>
+            <a:ln w="19050">
               <a:solidFill>
                 <a:srgbClr val="7030A0"/>
               </a:solidFill>
-            </a:endParaRPr>
-          </a:p>
-        </p:txBody>
-      </p:sp>
-      <p:sp>
-        <p:nvSpPr>
-          <p:cNvPr id="2" name="Rectangle 8"/>
-          <p:cNvSpPr/>
-          <p:nvPr/>
-        </p:nvSpPr>
-        <p:spPr>
-          <a:xfrm>
-            <a:off x="2439081" y="3438886"/>
-            <a:ext cx="1093635" cy="346760"/>
-          </a:xfrm>
-          <a:prstGeom prst="rect">
-            <a:avLst/>
-          </a:prstGeom>
-          <a:solidFill>
-            <a:srgbClr val="7030A0"/>
-          </a:solidFill>
-          <a:ln w="19050">
+            </a:ln>
+            <a:effectLst/>
+          </p:spPr>
+          <p:style>
+            <a:lnRef idx="1">
+              <a:schemeClr val="accent2"/>
+            </a:lnRef>
+            <a:fillRef idx="2">
+              <a:schemeClr val="accent2"/>
+            </a:fillRef>
+            <a:effectRef idx="1">
+              <a:schemeClr val="accent2"/>
+            </a:effectRef>
+            <a:fontRef idx="minor">
+              <a:schemeClr val="dk1"/>
+            </a:fontRef>
+          </p:style>
+          <p:txBody>
+            <a:bodyPr rtlCol="0" anchor="ctr"/>
+            <a:lstStyle/>
+            <a:p>
+              <a:pPr algn="ctr"/>
+              <a:r>
+                <a:rPr lang="en-US" sz="1050" dirty="0" err="1">
+                  <a:solidFill>
+                    <a:schemeClr val="bg1"/>
+                  </a:solidFill>
+                </a:rPr>
+                <a:t>UserPref</a:t>
+              </a:r>
+              <a:endParaRPr lang="en-SG" sz="1050" dirty="0">
+                <a:solidFill>
+                  <a:schemeClr val="bg1"/>
+                </a:solidFill>
+              </a:endParaRPr>
+            </a:p>
+          </p:txBody>
+        </p:sp>
+        <p:sp>
+          <p:nvSpPr>
+            <p:cNvPr id="9" name="Rectangle 62"/>
+            <p:cNvSpPr/>
+            <p:nvPr/>
+          </p:nvSpPr>
+          <p:spPr>
+            <a:xfrm rot="16200000">
+              <a:off x="1223449" y="3073396"/>
+              <a:ext cx="1093635" cy="346760"/>
+            </a:xfrm>
+            <a:prstGeom prst="rect">
+              <a:avLst/>
+            </a:prstGeom>
             <a:solidFill>
               <a:srgbClr val="7030A0"/>
             </a:solidFill>
-          </a:ln>
-          <a:effectLst/>
-        </p:spPr>
-        <p:style>
-          <a:lnRef idx="1">
-            <a:schemeClr val="accent2"/>
-          </a:lnRef>
-          <a:fillRef idx="2">
-            <a:schemeClr val="accent2"/>
-          </a:fillRef>
-          <a:effectRef idx="1">
-            <a:schemeClr val="accent2"/>
-          </a:effectRef>
-          <a:fontRef idx="minor">
-            <a:schemeClr val="dk1"/>
-          </a:fontRef>
-        </p:style>
-        <p:txBody>
-          <a:bodyPr rtlCol="0" anchor="ctr"/>
-          <a:lstStyle/>
-          <a:p>
-            <a:pPr algn="ctr"/>
-            <a:r>
-              <a:rPr lang="en-US" sz="1050" dirty="0" err="1">
+            <a:ln w="19050">
+              <a:solidFill>
+                <a:srgbClr val="7030A0"/>
+              </a:solidFill>
+            </a:ln>
+            <a:effectLst/>
+          </p:spPr>
+          <p:style>
+            <a:lnRef idx="1">
+              <a:schemeClr val="accent2"/>
+            </a:lnRef>
+            <a:fillRef idx="2">
+              <a:schemeClr val="accent2"/>
+            </a:fillRef>
+            <a:effectRef idx="1">
+              <a:schemeClr val="accent2"/>
+            </a:effectRef>
+            <a:fontRef idx="minor">
+              <a:schemeClr val="dk1"/>
+            </a:fontRef>
+          </p:style>
+          <p:txBody>
+            <a:bodyPr rtlCol="0" anchor="ctr"/>
+            <a:lstStyle/>
+            <a:p>
+              <a:pPr algn="ctr"/>
+              <a:r>
+                <a:rPr lang="en-US" sz="1050" dirty="0" err="1">
+                  <a:solidFill>
+                    <a:schemeClr val="bg1"/>
+                  </a:solidFill>
+                </a:rPr>
+                <a:t>ModelManager</a:t>
+              </a:r>
+              <a:endParaRPr lang="en-SG" sz="1050" dirty="0">
                 <a:solidFill>
                   <a:schemeClr val="bg1"/>
                 </a:solidFill>
-              </a:rPr>
-              <a:t>UserPref</a:t>
-            </a:r>
-            <a:endParaRPr lang="en-SG" sz="1050" dirty="0">
+              </a:endParaRPr>
+            </a:p>
+          </p:txBody>
+        </p:sp>
+        <p:cxnSp>
+          <p:nvCxnSpPr>
+            <p:cNvPr id="107" name="Elbow Connector 106"/>
+            <p:cNvCxnSpPr>
+              <a:cxnSpLocks/>
+              <a:stCxn id="9" idx="1"/>
+              <a:endCxn id="62" idx="2"/>
+            </p:cNvCxnSpPr>
+            <p:nvPr/>
+          </p:nvCxnSpPr>
+          <p:spPr>
+            <a:xfrm rot="5400000" flipH="1" flipV="1">
+              <a:off x="3693408" y="1257331"/>
+              <a:ext cx="613122" cy="4459404"/>
+            </a:xfrm>
+            <a:prstGeom prst="bentConnector3">
+              <a:avLst>
+                <a:gd name="adj1" fmla="val -26668"/>
+              </a:avLst>
+            </a:prstGeom>
+            <a:ln w="19050">
               <a:solidFill>
-                <a:schemeClr val="bg1"/>
+                <a:srgbClr val="7030A0"/>
               </a:solidFill>
-            </a:endParaRPr>
-          </a:p>
-        </p:txBody>
-      </p:sp>
-      <p:sp>
-        <p:nvSpPr>
-          <p:cNvPr id="9" name="Rectangle 62"/>
-          <p:cNvSpPr/>
-          <p:nvPr/>
-        </p:nvSpPr>
-        <p:spPr>
-          <a:xfrm rot="16200000">
-            <a:off x="1223449" y="3073396"/>
-            <a:ext cx="1093635" cy="346760"/>
-          </a:xfrm>
-          <a:prstGeom prst="rect">
-            <a:avLst/>
-          </a:prstGeom>
-          <a:solidFill>
-            <a:srgbClr val="7030A0"/>
-          </a:solidFill>
-          <a:ln w="19050">
+              <a:prstDash val="solid"/>
+              <a:headEnd type="none" w="med" len="med"/>
+              <a:tailEnd type="arrow" w="med" len="med"/>
+            </a:ln>
+            <a:effectLst/>
+          </p:spPr>
+          <p:style>
+            <a:lnRef idx="1">
+              <a:schemeClr val="accent2"/>
+            </a:lnRef>
+            <a:fillRef idx="2">
+              <a:schemeClr val="accent2"/>
+            </a:fillRef>
+            <a:effectRef idx="1">
+              <a:schemeClr val="accent2"/>
+            </a:effectRef>
+            <a:fontRef idx="minor">
+              <a:schemeClr val="dk1"/>
+            </a:fontRef>
+          </p:style>
+        </p:cxnSp>
+        <p:sp>
+          <p:nvSpPr>
+            <p:cNvPr id="119" name="Rectangle 62"/>
+            <p:cNvSpPr/>
+            <p:nvPr/>
+          </p:nvSpPr>
+          <p:spPr>
+            <a:xfrm rot="16200000">
+              <a:off x="518103" y="2836848"/>
+              <a:ext cx="1093635" cy="346760"/>
+            </a:xfrm>
+            <a:prstGeom prst="rect">
+              <a:avLst/>
+            </a:prstGeom>
             <a:solidFill>
               <a:srgbClr val="7030A0"/>
             </a:solidFill>
-          </a:ln>
-          <a:effectLst/>
-        </p:spPr>
-        <p:style>
-          <a:lnRef idx="1">
-            <a:schemeClr val="accent2"/>
-          </a:lnRef>
-          <a:fillRef idx="2">
-            <a:schemeClr val="accent2"/>
-          </a:fillRef>
-          <a:effectRef idx="1">
-            <a:schemeClr val="accent2"/>
-          </a:effectRef>
-          <a:fontRef idx="minor">
-            <a:schemeClr val="dk1"/>
-          </a:fontRef>
-        </p:style>
-        <p:txBody>
-          <a:bodyPr rtlCol="0" anchor="ctr"/>
-          <a:lstStyle/>
-          <a:p>
-            <a:pPr algn="ctr"/>
-            <a:r>
-              <a:rPr lang="en-US" sz="1050" dirty="0" err="1">
+            <a:ln w="19050">
+              <a:solidFill>
+                <a:srgbClr val="7030A0"/>
+              </a:solidFill>
+            </a:ln>
+            <a:effectLst/>
+          </p:spPr>
+          <p:style>
+            <a:lnRef idx="1">
+              <a:schemeClr val="accent2"/>
+            </a:lnRef>
+            <a:fillRef idx="2">
+              <a:schemeClr val="accent2"/>
+            </a:fillRef>
+            <a:effectRef idx="1">
+              <a:schemeClr val="accent2"/>
+            </a:effectRef>
+            <a:fontRef idx="minor">
+              <a:schemeClr val="dk1"/>
+            </a:fontRef>
+          </p:style>
+          <p:txBody>
+            <a:bodyPr rtlCol="0" anchor="ctr"/>
+            <a:lstStyle/>
+            <a:p>
+              <a:pPr algn="ctr"/>
+              <a:r>
+                <a:rPr lang="en-US" sz="1050" dirty="0">
+                  <a:solidFill>
+                    <a:schemeClr val="bg1"/>
+                  </a:solidFill>
+                </a:rPr>
+                <a:t>&lt;&lt;interface&gt;&gt;</a:t>
+              </a:r>
+            </a:p>
+            <a:p>
+              <a:pPr algn="ctr"/>
+              <a:r>
+                <a:rPr lang="en-US" sz="1050" dirty="0">
+                  <a:solidFill>
+                    <a:schemeClr val="bg1"/>
+                  </a:solidFill>
+                </a:rPr>
+                <a:t>Model</a:t>
+              </a:r>
+              <a:endParaRPr lang="en-SG" sz="1050" dirty="0">
                 <a:solidFill>
                   <a:schemeClr val="bg1"/>
                 </a:solidFill>
-              </a:rPr>
-              <a:t>ModelManager</a:t>
-            </a:r>
-            <a:endParaRPr lang="en-SG" sz="1050" dirty="0">
-              <a:solidFill>
-                <a:schemeClr val="bg1"/>
-              </a:solidFill>
-            </a:endParaRPr>
-          </a:p>
-        </p:txBody>
-      </p:sp>
-      <p:cxnSp>
-        <p:nvCxnSpPr>
-          <p:cNvPr id="107" name="Elbow Connector 106"/>
-          <p:cNvCxnSpPr>
-            <a:cxnSpLocks/>
-            <a:stCxn id="9" idx="1"/>
-            <a:endCxn id="62" idx="2"/>
-          </p:cNvCxnSpPr>
-          <p:nvPr/>
-        </p:nvCxnSpPr>
-        <p:spPr>
-          <a:xfrm rot="5400000" flipH="1" flipV="1">
-            <a:off x="3693408" y="1257331"/>
-            <a:ext cx="613122" cy="4459404"/>
-          </a:xfrm>
-          <a:prstGeom prst="bentConnector3">
-            <a:avLst>
-              <a:gd name="adj1" fmla="val -26668"/>
-            </a:avLst>
-          </a:prstGeom>
-          <a:ln w="19050">
+              </a:endParaRPr>
+            </a:p>
+          </p:txBody>
+        </p:sp>
+        <p:sp>
+          <p:nvSpPr>
+            <p:cNvPr id="120" name="Isosceles Triangle 102"/>
+            <p:cNvSpPr/>
+            <p:nvPr/>
+          </p:nvSpPr>
+          <p:spPr>
+            <a:xfrm rot="16200000">
+              <a:off x="1188811" y="2927937"/>
+              <a:ext cx="270504" cy="175523"/>
+            </a:xfrm>
+            <a:prstGeom prst="triangle">
+              <a:avLst/>
+            </a:prstGeom>
             <a:solidFill>
               <a:srgbClr val="7030A0"/>
             </a:solidFill>
-            <a:prstDash val="solid"/>
-            <a:headEnd type="none" w="med" len="med"/>
-            <a:tailEnd type="arrow" w="med" len="med"/>
-          </a:ln>
-          <a:effectLst/>
-        </p:spPr>
-        <p:style>
-          <a:lnRef idx="1">
-            <a:schemeClr val="accent2"/>
-          </a:lnRef>
-          <a:fillRef idx="2">
-            <a:schemeClr val="accent2"/>
-          </a:fillRef>
-          <a:effectRef idx="1">
-            <a:schemeClr val="accent2"/>
-          </a:effectRef>
-          <a:fontRef idx="minor">
-            <a:schemeClr val="dk1"/>
-          </a:fontRef>
-        </p:style>
-      </p:cxnSp>
-      <p:sp>
-        <p:nvSpPr>
-          <p:cNvPr id="119" name="Rectangle 62"/>
-          <p:cNvSpPr/>
-          <p:nvPr/>
-        </p:nvSpPr>
-        <p:spPr>
-          <a:xfrm rot="16200000">
-            <a:off x="518103" y="2836848"/>
-            <a:ext cx="1093635" cy="346760"/>
-          </a:xfrm>
-          <a:prstGeom prst="rect">
-            <a:avLst/>
-          </a:prstGeom>
-          <a:solidFill>
-            <a:srgbClr val="7030A0"/>
-          </a:solidFill>
-          <a:ln w="19050">
+            <a:ln w="19050">
+              <a:solidFill>
+                <a:srgbClr val="7030A0"/>
+              </a:solidFill>
+            </a:ln>
+            <a:effectLst/>
+          </p:spPr>
+          <p:style>
+            <a:lnRef idx="1">
+              <a:schemeClr val="accent6"/>
+            </a:lnRef>
+            <a:fillRef idx="2">
+              <a:schemeClr val="accent6"/>
+            </a:fillRef>
+            <a:effectRef idx="1">
+              <a:schemeClr val="accent6"/>
+            </a:effectRef>
+            <a:fontRef idx="minor">
+              <a:schemeClr val="dk1"/>
+            </a:fontRef>
+          </p:style>
+          <p:txBody>
+            <a:bodyPr rtlCol="0" anchor="ctr"/>
+            <a:lstStyle/>
+            <a:p>
+              <a:pPr algn="ctr"/>
+              <a:endParaRPr lang="en-SG" sz="1050"/>
+            </a:p>
+          </p:txBody>
+        </p:sp>
+        <p:cxnSp>
+          <p:nvCxnSpPr>
+            <p:cNvPr id="58" name="Straight Arrow Connector 57"/>
+            <p:cNvCxnSpPr>
+              <a:stCxn id="42" idx="3"/>
+              <a:endCxn id="2" idx="1"/>
+            </p:cNvCxnSpPr>
+            <p:nvPr/>
+          </p:nvCxnSpPr>
+          <p:spPr>
+            <a:xfrm>
+              <a:off x="2171729" y="3612266"/>
+              <a:ext cx="267352" cy="0"/>
+            </a:xfrm>
+            <a:prstGeom prst="straightConnector1">
+              <a:avLst/>
+            </a:prstGeom>
+            <a:ln w="19050">
+              <a:solidFill>
+                <a:srgbClr val="7030A0"/>
+              </a:solidFill>
+              <a:headEnd type="none" w="med" len="med"/>
+              <a:tailEnd type="arrow" w="med" len="med"/>
+            </a:ln>
+            <a:effectLst/>
+          </p:spPr>
+          <p:style>
+            <a:lnRef idx="1">
+              <a:schemeClr val="accent2"/>
+            </a:lnRef>
+            <a:fillRef idx="2">
+              <a:schemeClr val="accent2"/>
+            </a:fillRef>
+            <a:effectRef idx="1">
+              <a:schemeClr val="accent2"/>
+            </a:effectRef>
+            <a:fontRef idx="minor">
+              <a:schemeClr val="dk1"/>
+            </a:fontRef>
+          </p:style>
+        </p:cxnSp>
+        <p:cxnSp>
+          <p:nvCxnSpPr>
+            <p:cNvPr id="75" name="Elbow Connector 122"/>
+            <p:cNvCxnSpPr>
+              <a:cxnSpLocks/>
+            </p:cNvCxnSpPr>
+            <p:nvPr/>
+          </p:nvCxnSpPr>
+          <p:spPr>
+            <a:xfrm>
+              <a:off x="471992" y="3015699"/>
+              <a:ext cx="419548" cy="2860"/>
+            </a:xfrm>
+            <a:prstGeom prst="bentConnector3">
+              <a:avLst>
+                <a:gd name="adj1" fmla="val 50000"/>
+              </a:avLst>
+            </a:prstGeom>
+            <a:ln w="19050">
+              <a:solidFill>
+                <a:schemeClr val="bg1">
+                  <a:lumMod val="75000"/>
+                </a:schemeClr>
+              </a:solidFill>
+              <a:prstDash val="sysDot"/>
+              <a:headEnd type="none" w="med" len="med"/>
+              <a:tailEnd type="arrow" w="med" len="med"/>
+            </a:ln>
+            <a:effectLst/>
+          </p:spPr>
+          <p:style>
+            <a:lnRef idx="1">
+              <a:schemeClr val="accent2"/>
+            </a:lnRef>
+            <a:fillRef idx="2">
+              <a:schemeClr val="accent2"/>
+            </a:fillRef>
+            <a:effectRef idx="1">
+              <a:schemeClr val="accent2"/>
+            </a:effectRef>
+            <a:fontRef idx="minor">
+              <a:schemeClr val="dk1"/>
+            </a:fontRef>
+          </p:style>
+        </p:cxnSp>
+        <p:cxnSp>
+          <p:nvCxnSpPr>
+            <p:cNvPr id="21" name="Straight Connector 20"/>
+            <p:cNvCxnSpPr>
+              <a:stCxn id="120" idx="3"/>
+            </p:cNvCxnSpPr>
+            <p:nvPr/>
+          </p:nvCxnSpPr>
+          <p:spPr>
+            <a:xfrm flipV="1">
+              <a:off x="1411825" y="3015698"/>
+              <a:ext cx="216105" cy="1"/>
+            </a:xfrm>
+            <a:prstGeom prst="line">
+              <a:avLst/>
+            </a:prstGeom>
+            <a:ln w="19050">
+              <a:solidFill>
+                <a:srgbClr val="7030A0"/>
+              </a:solidFill>
+              <a:prstDash val="sysDot"/>
+              <a:headEnd type="none" w="med" len="med"/>
+              <a:tailEnd type="none" w="med" len="med"/>
+            </a:ln>
+            <a:effectLst/>
+          </p:spPr>
+          <p:style>
+            <a:lnRef idx="1">
+              <a:schemeClr val="accent2"/>
+            </a:lnRef>
+            <a:fillRef idx="2">
+              <a:schemeClr val="accent2"/>
+            </a:fillRef>
+            <a:effectRef idx="1">
+              <a:schemeClr val="accent2"/>
+            </a:effectRef>
+            <a:fontRef idx="minor">
+              <a:schemeClr val="dk1"/>
+            </a:fontRef>
+          </p:style>
+        </p:cxnSp>
+        <p:sp>
+          <p:nvSpPr>
+            <p:cNvPr id="42" name="Flowchart: Decision 96"/>
+            <p:cNvSpPr/>
+            <p:nvPr/>
+          </p:nvSpPr>
+          <p:spPr>
+            <a:xfrm>
+              <a:off x="1935681" y="3525576"/>
+              <a:ext cx="236048" cy="173380"/>
+            </a:xfrm>
+            <a:prstGeom prst="flowChartDecision">
+              <a:avLst/>
+            </a:prstGeom>
+            <a:noFill/>
+            <a:ln w="19050">
+              <a:solidFill>
+                <a:srgbClr val="7030A0"/>
+              </a:solidFill>
+            </a:ln>
+            <a:effectLst/>
+          </p:spPr>
+          <p:style>
+            <a:lnRef idx="1">
+              <a:schemeClr val="accent6"/>
+            </a:lnRef>
+            <a:fillRef idx="2">
+              <a:schemeClr val="accent6"/>
+            </a:fillRef>
+            <a:effectRef idx="1">
+              <a:schemeClr val="accent6"/>
+            </a:effectRef>
+            <a:fontRef idx="minor">
+              <a:schemeClr val="dk1"/>
+            </a:fontRef>
+          </p:style>
+          <p:txBody>
+            <a:bodyPr rtlCol="0" anchor="ctr"/>
+            <a:lstStyle/>
+            <a:p>
+              <a:pPr algn="ctr"/>
+              <a:endParaRPr lang="en-US" sz="1050"/>
+            </a:p>
+          </p:txBody>
+        </p:sp>
+        <p:sp>
+          <p:nvSpPr>
+            <p:cNvPr id="46" name="Rectangle 8"/>
+            <p:cNvSpPr/>
+            <p:nvPr/>
+          </p:nvSpPr>
+          <p:spPr>
+            <a:xfrm>
+              <a:off x="2387181" y="2821808"/>
+              <a:ext cx="1490560" cy="334856"/>
+            </a:xfrm>
+            <a:prstGeom prst="rect">
+              <a:avLst/>
+            </a:prstGeom>
+            <a:ln w="19050">
+              <a:solidFill>
+                <a:srgbClr val="7030A0"/>
+              </a:solidFill>
+            </a:ln>
+            <a:effectLst/>
+          </p:spPr>
+          <p:style>
+            <a:lnRef idx="1">
+              <a:schemeClr val="accent4"/>
+            </a:lnRef>
+            <a:fillRef idx="2">
+              <a:schemeClr val="accent4"/>
+            </a:fillRef>
+            <a:effectRef idx="1">
+              <a:schemeClr val="accent4"/>
+            </a:effectRef>
+            <a:fontRef idx="minor">
+              <a:schemeClr val="dk1"/>
+            </a:fontRef>
+          </p:style>
+          <p:txBody>
+            <a:bodyPr rtlCol="0" anchor="ctr"/>
+            <a:lstStyle/>
+            <a:p>
+              <a:pPr algn="ctr"/>
+              <a:r>
+                <a:rPr lang="en-US" sz="1050" dirty="0" err="1">
+                  <a:solidFill>
+                    <a:srgbClr val="7030A0"/>
+                  </a:solidFill>
+                </a:rPr>
+                <a:t>VersionedAddressBook</a:t>
+              </a:r>
+              <a:endParaRPr lang="en-SG" sz="1050" dirty="0">
+                <a:solidFill>
+                  <a:srgbClr val="7030A0"/>
+                </a:solidFill>
+              </a:endParaRPr>
+            </a:p>
+          </p:txBody>
+        </p:sp>
+        <p:cxnSp>
+          <p:nvCxnSpPr>
+            <p:cNvPr id="47" name="Straight Arrow Connector 46"/>
+            <p:cNvCxnSpPr>
+              <a:stCxn id="48" idx="3"/>
+              <a:endCxn id="46" idx="1"/>
+            </p:cNvCxnSpPr>
+            <p:nvPr/>
+          </p:nvCxnSpPr>
+          <p:spPr>
+            <a:xfrm>
+              <a:off x="2186261" y="2978679"/>
+              <a:ext cx="200920" cy="10557"/>
+            </a:xfrm>
+            <a:prstGeom prst="straightConnector1">
+              <a:avLst/>
+            </a:prstGeom>
+            <a:ln w="19050">
+              <a:solidFill>
+                <a:srgbClr val="7030A0"/>
+              </a:solidFill>
+              <a:headEnd type="none" w="med" len="med"/>
+              <a:tailEnd type="arrow" w="med" len="med"/>
+            </a:ln>
+            <a:effectLst/>
+          </p:spPr>
+          <p:style>
+            <a:lnRef idx="1">
+              <a:schemeClr val="accent2"/>
+            </a:lnRef>
+            <a:fillRef idx="2">
+              <a:schemeClr val="accent2"/>
+            </a:fillRef>
+            <a:effectRef idx="1">
+              <a:schemeClr val="accent2"/>
+            </a:effectRef>
+            <a:fontRef idx="minor">
+              <a:schemeClr val="dk1"/>
+            </a:fontRef>
+          </p:style>
+        </p:cxnSp>
+        <p:sp>
+          <p:nvSpPr>
+            <p:cNvPr id="48" name="Flowchart: Decision 96"/>
+            <p:cNvSpPr/>
+            <p:nvPr/>
+          </p:nvSpPr>
+          <p:spPr>
+            <a:xfrm>
+              <a:off x="1950213" y="2891989"/>
+              <a:ext cx="236048" cy="173380"/>
+            </a:xfrm>
+            <a:prstGeom prst="flowChartDecision">
+              <a:avLst/>
+            </a:prstGeom>
+            <a:noFill/>
+            <a:ln w="19050">
+              <a:solidFill>
+                <a:srgbClr val="7030A0"/>
+              </a:solidFill>
+            </a:ln>
+            <a:effectLst/>
+          </p:spPr>
+          <p:style>
+            <a:lnRef idx="1">
+              <a:schemeClr val="accent6"/>
+            </a:lnRef>
+            <a:fillRef idx="2">
+              <a:schemeClr val="accent6"/>
+            </a:fillRef>
+            <a:effectRef idx="1">
+              <a:schemeClr val="accent6"/>
+            </a:effectRef>
+            <a:fontRef idx="minor">
+              <a:schemeClr val="dk1"/>
+            </a:fontRef>
+          </p:style>
+          <p:txBody>
+            <a:bodyPr rtlCol="0" anchor="ctr"/>
+            <a:lstStyle/>
+            <a:p>
+              <a:pPr algn="ctr"/>
+              <a:endParaRPr lang="en-US" sz="1050"/>
+            </a:p>
+          </p:txBody>
+        </p:sp>
+        <p:sp>
+          <p:nvSpPr>
+            <p:cNvPr id="49" name="Rectangle 8"/>
+            <p:cNvSpPr/>
+            <p:nvPr/>
+          </p:nvSpPr>
+          <p:spPr>
+            <a:xfrm>
+              <a:off x="4254551" y="2821808"/>
+              <a:ext cx="1156969" cy="346760"/>
+            </a:xfrm>
+            <a:prstGeom prst="rect">
+              <a:avLst/>
+            </a:prstGeom>
+            <a:ln w="19050">
+              <a:solidFill>
+                <a:srgbClr val="7030A0"/>
+              </a:solidFill>
+            </a:ln>
+            <a:effectLst/>
+          </p:spPr>
+          <p:style>
+            <a:lnRef idx="1">
+              <a:schemeClr val="accent4"/>
+            </a:lnRef>
+            <a:fillRef idx="2">
+              <a:schemeClr val="accent4"/>
+            </a:fillRef>
+            <a:effectRef idx="1">
+              <a:schemeClr val="accent4"/>
+            </a:effectRef>
+            <a:fontRef idx="minor">
+              <a:schemeClr val="dk1"/>
+            </a:fontRef>
+          </p:style>
+          <p:txBody>
+            <a:bodyPr rtlCol="0" anchor="ctr"/>
+            <a:lstStyle/>
+            <a:p>
+              <a:pPr algn="ctr"/>
+              <a:r>
+                <a:rPr lang="en-US" sz="1050" dirty="0" err="1">
+                  <a:solidFill>
+                    <a:srgbClr val="7030A0"/>
+                  </a:solidFill>
+                </a:rPr>
+                <a:t>UniquePersonList</a:t>
+              </a:r>
+              <a:endParaRPr lang="en-SG" sz="1050" dirty="0">
+                <a:solidFill>
+                  <a:srgbClr val="7030A0"/>
+                </a:solidFill>
+              </a:endParaRPr>
+            </a:p>
+          </p:txBody>
+        </p:sp>
+        <p:sp>
+          <p:nvSpPr>
+            <p:cNvPr id="51" name="Flowchart: Decision 96"/>
+            <p:cNvSpPr/>
+            <p:nvPr/>
+          </p:nvSpPr>
+          <p:spPr>
+            <a:xfrm>
+              <a:off x="3886873" y="2896178"/>
+              <a:ext cx="236048" cy="173380"/>
+            </a:xfrm>
+            <a:prstGeom prst="flowChartDecision">
+              <a:avLst/>
+            </a:prstGeom>
             <a:solidFill>
               <a:srgbClr val="7030A0"/>
             </a:solidFill>
-          </a:ln>
-          <a:effectLst/>
-        </p:spPr>
-        <p:style>
-          <a:lnRef idx="1">
-            <a:schemeClr val="accent2"/>
-          </a:lnRef>
-          <a:fillRef idx="2">
-            <a:schemeClr val="accent2"/>
-          </a:fillRef>
-          <a:effectRef idx="1">
-            <a:schemeClr val="accent2"/>
-          </a:effectRef>
-          <a:fontRef idx="minor">
-            <a:schemeClr val="dk1"/>
-          </a:fontRef>
-        </p:style>
-        <p:txBody>
-          <a:bodyPr rtlCol="0" anchor="ctr"/>
-          <a:lstStyle/>
-          <a:p>
-            <a:pPr algn="ctr"/>
-            <a:r>
-              <a:rPr lang="en-US" sz="1050" dirty="0">
+            <a:ln w="19050">
+              <a:solidFill>
+                <a:srgbClr val="7030A0"/>
+              </a:solidFill>
+            </a:ln>
+            <a:effectLst/>
+          </p:spPr>
+          <p:style>
+            <a:lnRef idx="1">
+              <a:schemeClr val="accent6"/>
+            </a:lnRef>
+            <a:fillRef idx="2">
+              <a:schemeClr val="accent6"/>
+            </a:fillRef>
+            <a:effectRef idx="1">
+              <a:schemeClr val="accent6"/>
+            </a:effectRef>
+            <a:fontRef idx="minor">
+              <a:schemeClr val="dk1"/>
+            </a:fontRef>
+          </p:style>
+          <p:txBody>
+            <a:bodyPr rtlCol="0" anchor="ctr"/>
+            <a:lstStyle/>
+            <a:p>
+              <a:pPr algn="ctr"/>
+              <a:endParaRPr lang="en-US" sz="1050"/>
+            </a:p>
+          </p:txBody>
+        </p:sp>
+        <p:sp>
+          <p:nvSpPr>
+            <p:cNvPr id="62" name="Rectangle 8"/>
+            <p:cNvSpPr/>
+            <p:nvPr/>
+          </p:nvSpPr>
+          <p:spPr>
+            <a:xfrm>
+              <a:off x="5875578" y="2833712"/>
+              <a:ext cx="708186" cy="346760"/>
+            </a:xfrm>
+            <a:prstGeom prst="rect">
+              <a:avLst/>
+            </a:prstGeom>
+            <a:ln w="19050">
+              <a:solidFill>
+                <a:srgbClr val="7030A0"/>
+              </a:solidFill>
+            </a:ln>
+            <a:effectLst/>
+          </p:spPr>
+          <p:style>
+            <a:lnRef idx="1">
+              <a:schemeClr val="accent4"/>
+            </a:lnRef>
+            <a:fillRef idx="2">
+              <a:schemeClr val="accent4"/>
+            </a:fillRef>
+            <a:effectRef idx="1">
+              <a:schemeClr val="accent4"/>
+            </a:effectRef>
+            <a:fontRef idx="minor">
+              <a:schemeClr val="dk1"/>
+            </a:fontRef>
+          </p:style>
+          <p:txBody>
+            <a:bodyPr rtlCol="0" anchor="ctr"/>
+            <a:lstStyle/>
+            <a:p>
+              <a:pPr algn="ctr"/>
+              <a:r>
+                <a:rPr lang="en-US" sz="1050" dirty="0">
+                  <a:solidFill>
+                    <a:srgbClr val="7030A0"/>
+                  </a:solidFill>
+                </a:rPr>
+                <a:t>Person</a:t>
+              </a:r>
+              <a:endParaRPr lang="en-SG" sz="1050" dirty="0">
                 <a:solidFill>
-                  <a:schemeClr val="bg1"/>
+                  <a:srgbClr val="7030A0"/>
                 </a:solidFill>
-              </a:rPr>
-              <a:t>&lt;&lt;interface&gt;&gt;</a:t>
-            </a:r>
-          </a:p>
-          <a:p>
-            <a:pPr algn="ctr"/>
-            <a:r>
-              <a:rPr lang="en-US" sz="1050" dirty="0">
+              </a:endParaRPr>
+            </a:p>
+          </p:txBody>
+        </p:sp>
+        <p:sp>
+          <p:nvSpPr>
+            <p:cNvPr id="63" name="Flowchart: Decision 96"/>
+            <p:cNvSpPr/>
+            <p:nvPr/>
+          </p:nvSpPr>
+          <p:spPr>
+            <a:xfrm>
+              <a:off x="5420652" y="2917322"/>
+              <a:ext cx="236048" cy="173380"/>
+            </a:xfrm>
+            <a:prstGeom prst="flowChartDecision">
+              <a:avLst/>
+            </a:prstGeom>
+            <a:noFill/>
+            <a:ln w="19050">
+              <a:solidFill>
+                <a:srgbClr val="7030A0"/>
+              </a:solidFill>
+            </a:ln>
+            <a:effectLst/>
+          </p:spPr>
+          <p:style>
+            <a:lnRef idx="1">
+              <a:schemeClr val="accent6"/>
+            </a:lnRef>
+            <a:fillRef idx="2">
+              <a:schemeClr val="accent6"/>
+            </a:fillRef>
+            <a:effectRef idx="1">
+              <a:schemeClr val="accent6"/>
+            </a:effectRef>
+            <a:fontRef idx="minor">
+              <a:schemeClr val="dk1"/>
+            </a:fontRef>
+          </p:style>
+          <p:txBody>
+            <a:bodyPr rtlCol="0" anchor="ctr"/>
+            <a:lstStyle/>
+            <a:p>
+              <a:pPr algn="ctr"/>
+              <a:endParaRPr lang="en-US" sz="1050"/>
+            </a:p>
+          </p:txBody>
+        </p:sp>
+        <p:cxnSp>
+          <p:nvCxnSpPr>
+            <p:cNvPr id="64" name="Elbow Connector 63"/>
+            <p:cNvCxnSpPr>
+              <a:stCxn id="63" idx="3"/>
+              <a:endCxn id="62" idx="1"/>
+            </p:cNvCxnSpPr>
+            <p:nvPr/>
+          </p:nvCxnSpPr>
+          <p:spPr>
+            <a:xfrm>
+              <a:off x="5656700" y="3004012"/>
+              <a:ext cx="218878" cy="3080"/>
+            </a:xfrm>
+            <a:prstGeom prst="bentConnector3">
+              <a:avLst/>
+            </a:prstGeom>
+            <a:ln w="19050">
+              <a:solidFill>
+                <a:srgbClr val="7030A0"/>
+              </a:solidFill>
+              <a:headEnd type="none" w="med" len="med"/>
+              <a:tailEnd type="arrow" w="med" len="med"/>
+            </a:ln>
+            <a:effectLst/>
+          </p:spPr>
+          <p:style>
+            <a:lnRef idx="1">
+              <a:schemeClr val="accent2"/>
+            </a:lnRef>
+            <a:fillRef idx="2">
+              <a:schemeClr val="accent2"/>
+            </a:fillRef>
+            <a:effectRef idx="1">
+              <a:schemeClr val="accent2"/>
+            </a:effectRef>
+            <a:fontRef idx="minor">
+              <a:schemeClr val="dk1"/>
+            </a:fontRef>
+          </p:style>
+        </p:cxnSp>
+        <p:sp>
+          <p:nvSpPr>
+            <p:cNvPr id="76" name="Rectangle 8"/>
+            <p:cNvSpPr/>
+            <p:nvPr/>
+          </p:nvSpPr>
+          <p:spPr>
+            <a:xfrm>
+              <a:off x="7274298" y="2539884"/>
+              <a:ext cx="708186" cy="285783"/>
+            </a:xfrm>
+            <a:prstGeom prst="rect">
+              <a:avLst/>
+            </a:prstGeom>
+            <a:ln w="19050">
+              <a:solidFill>
+                <a:srgbClr val="7030A0"/>
+              </a:solidFill>
+            </a:ln>
+            <a:effectLst/>
+          </p:spPr>
+          <p:style>
+            <a:lnRef idx="1">
+              <a:schemeClr val="accent4"/>
+            </a:lnRef>
+            <a:fillRef idx="2">
+              <a:schemeClr val="accent4"/>
+            </a:fillRef>
+            <a:effectRef idx="1">
+              <a:schemeClr val="accent4"/>
+            </a:effectRef>
+            <a:fontRef idx="minor">
+              <a:schemeClr val="dk1"/>
+            </a:fontRef>
+          </p:style>
+          <p:txBody>
+            <a:bodyPr rtlCol="0" anchor="ctr"/>
+            <a:lstStyle/>
+            <a:p>
+              <a:pPr algn="ctr"/>
+              <a:r>
+                <a:rPr lang="en-US" sz="1050" dirty="0">
+                  <a:solidFill>
+                    <a:srgbClr val="7030A0"/>
+                  </a:solidFill>
+                </a:rPr>
+                <a:t>Name</a:t>
+              </a:r>
+              <a:endParaRPr lang="en-SG" sz="1050" dirty="0">
                 <a:solidFill>
-                  <a:schemeClr val="bg1"/>
+                  <a:srgbClr val="7030A0"/>
                 </a:solidFill>
-              </a:rPr>
-              <a:t>Model</a:t>
-            </a:r>
-            <a:endParaRPr lang="en-SG" sz="1050" dirty="0">
-              <a:solidFill>
-                <a:schemeClr val="bg1"/>
-              </a:solidFill>
-            </a:endParaRPr>
-          </a:p>
-        </p:txBody>
-      </p:sp>
-      <p:sp>
-        <p:nvSpPr>
-          <p:cNvPr id="120" name="Isosceles Triangle 102"/>
-          <p:cNvSpPr/>
-          <p:nvPr/>
-        </p:nvSpPr>
-        <p:spPr>
-          <a:xfrm rot="16200000">
-            <a:off x="1188811" y="2927937"/>
-            <a:ext cx="270504" cy="175523"/>
-          </a:xfrm>
-          <a:prstGeom prst="triangle">
-            <a:avLst/>
-          </a:prstGeom>
-          <a:solidFill>
-            <a:srgbClr val="7030A0"/>
-          </a:solidFill>
-          <a:ln w="19050">
+              </a:endParaRPr>
+            </a:p>
+          </p:txBody>
+        </p:sp>
+        <p:sp>
+          <p:nvSpPr>
+            <p:cNvPr id="78" name="Flowchart: Decision 96"/>
+            <p:cNvSpPr/>
+            <p:nvPr/>
+          </p:nvSpPr>
+          <p:spPr>
+            <a:xfrm>
+              <a:off x="6603848" y="2923847"/>
+              <a:ext cx="236048" cy="173380"/>
+            </a:xfrm>
+            <a:prstGeom prst="flowChartDecision">
+              <a:avLst/>
+            </a:prstGeom>
             <a:solidFill>
               <a:srgbClr val="7030A0"/>
             </a:solidFill>
-          </a:ln>
-          <a:effectLst/>
-        </p:spPr>
-        <p:style>
-          <a:lnRef idx="1">
-            <a:schemeClr val="accent6"/>
-          </a:lnRef>
-          <a:fillRef idx="2">
-            <a:schemeClr val="accent6"/>
-          </a:fillRef>
-          <a:effectRef idx="1">
-            <a:schemeClr val="accent6"/>
-          </a:effectRef>
-          <a:fontRef idx="minor">
-            <a:schemeClr val="dk1"/>
-          </a:fontRef>
-        </p:style>
-        <p:txBody>
-          <a:bodyPr rtlCol="0" anchor="ctr"/>
-          <a:lstStyle/>
-          <a:p>
-            <a:pPr algn="ctr"/>
-            <a:endParaRPr lang="en-SG" sz="1050"/>
-          </a:p>
-        </p:txBody>
-      </p:sp>
-      <p:cxnSp>
-        <p:nvCxnSpPr>
-          <p:cNvPr id="58" name="Straight Arrow Connector 57"/>
-          <p:cNvCxnSpPr>
-            <a:stCxn id="42" idx="3"/>
-            <a:endCxn id="2" idx="1"/>
-          </p:cNvCxnSpPr>
-          <p:nvPr/>
-        </p:nvCxnSpPr>
-        <p:spPr>
-          <a:xfrm>
-            <a:off x="2171729" y="3612266"/>
-            <a:ext cx="267352" cy="0"/>
-          </a:xfrm>
-          <a:prstGeom prst="straightConnector1">
-            <a:avLst/>
-          </a:prstGeom>
-          <a:ln w="19050">
+            <a:ln w="19050">
+              <a:solidFill>
+                <a:srgbClr val="7030A0"/>
+              </a:solidFill>
+            </a:ln>
+            <a:effectLst/>
+          </p:spPr>
+          <p:style>
+            <a:lnRef idx="1">
+              <a:schemeClr val="accent6"/>
+            </a:lnRef>
+            <a:fillRef idx="2">
+              <a:schemeClr val="accent6"/>
+            </a:fillRef>
+            <a:effectRef idx="1">
+              <a:schemeClr val="accent6"/>
+            </a:effectRef>
+            <a:fontRef idx="minor">
+              <a:schemeClr val="dk1"/>
+            </a:fontRef>
+          </p:style>
+          <p:txBody>
+            <a:bodyPr rtlCol="0" anchor="ctr"/>
+            <a:lstStyle/>
+            <a:p>
+              <a:pPr algn="ctr"/>
+              <a:endParaRPr lang="en-US" sz="1050"/>
+            </a:p>
+          </p:txBody>
+        </p:sp>
+        <p:cxnSp>
+          <p:nvCxnSpPr>
+            <p:cNvPr id="79" name="Elbow Connector 78"/>
+            <p:cNvCxnSpPr>
+              <a:cxnSpLocks/>
+            </p:cNvCxnSpPr>
+            <p:nvPr/>
+          </p:nvCxnSpPr>
+          <p:spPr>
+            <a:xfrm flipV="1">
+              <a:off x="6839896" y="2682467"/>
+              <a:ext cx="434402" cy="327761"/>
+            </a:xfrm>
+            <a:prstGeom prst="bentConnector3">
+              <a:avLst/>
+            </a:prstGeom>
+            <a:ln w="19050">
+              <a:solidFill>
+                <a:srgbClr val="7030A0"/>
+              </a:solidFill>
+              <a:headEnd type="none" w="med" len="med"/>
+              <a:tailEnd type="arrow" w="med" len="med"/>
+            </a:ln>
+            <a:effectLst/>
+          </p:spPr>
+          <p:style>
+            <a:lnRef idx="1">
+              <a:schemeClr val="accent2"/>
+            </a:lnRef>
+            <a:fillRef idx="2">
+              <a:schemeClr val="accent2"/>
+            </a:fillRef>
+            <a:effectRef idx="1">
+              <a:schemeClr val="accent2"/>
+            </a:effectRef>
+            <a:fontRef idx="minor">
+              <a:schemeClr val="dk1"/>
+            </a:fontRef>
+          </p:style>
+        </p:cxnSp>
+        <p:sp>
+          <p:nvSpPr>
+            <p:cNvPr id="80" name="Rectangle 8"/>
+            <p:cNvSpPr/>
+            <p:nvPr/>
+          </p:nvSpPr>
+          <p:spPr>
+            <a:xfrm>
+              <a:off x="7274298" y="2862862"/>
+              <a:ext cx="708186" cy="285783"/>
+            </a:xfrm>
+            <a:prstGeom prst="rect">
+              <a:avLst/>
+            </a:prstGeom>
+            <a:ln w="19050">
+              <a:solidFill>
+                <a:srgbClr val="7030A0"/>
+              </a:solidFill>
+            </a:ln>
+            <a:effectLst/>
+          </p:spPr>
+          <p:style>
+            <a:lnRef idx="1">
+              <a:schemeClr val="accent4"/>
+            </a:lnRef>
+            <a:fillRef idx="2">
+              <a:schemeClr val="accent4"/>
+            </a:fillRef>
+            <a:effectRef idx="1">
+              <a:schemeClr val="accent4"/>
+            </a:effectRef>
+            <a:fontRef idx="minor">
+              <a:schemeClr val="dk1"/>
+            </a:fontRef>
+          </p:style>
+          <p:txBody>
+            <a:bodyPr rtlCol="0" anchor="ctr"/>
+            <a:lstStyle/>
+            <a:p>
+              <a:pPr algn="ctr"/>
+              <a:r>
+                <a:rPr lang="en-US" sz="1050" dirty="0">
+                  <a:solidFill>
+                    <a:srgbClr val="7030A0"/>
+                  </a:solidFill>
+                </a:rPr>
+                <a:t>Phone</a:t>
+              </a:r>
+              <a:endParaRPr lang="en-SG" sz="1050" dirty="0">
+                <a:solidFill>
+                  <a:srgbClr val="7030A0"/>
+                </a:solidFill>
+              </a:endParaRPr>
+            </a:p>
+          </p:txBody>
+        </p:sp>
+        <p:cxnSp>
+          <p:nvCxnSpPr>
+            <p:cNvPr id="81" name="Elbow Connector 80"/>
+            <p:cNvCxnSpPr>
+              <a:stCxn id="78" idx="3"/>
+              <a:endCxn id="80" idx="1"/>
+            </p:cNvCxnSpPr>
+            <p:nvPr/>
+          </p:nvCxnSpPr>
+          <p:spPr>
+            <a:xfrm flipV="1">
+              <a:off x="6839896" y="3005754"/>
+              <a:ext cx="434402" cy="4783"/>
+            </a:xfrm>
+            <a:prstGeom prst="bentConnector3">
+              <a:avLst/>
+            </a:prstGeom>
+            <a:ln w="19050">
+              <a:solidFill>
+                <a:srgbClr val="7030A0"/>
+              </a:solidFill>
+              <a:headEnd type="none" w="med" len="med"/>
+              <a:tailEnd type="arrow" w="med" len="med"/>
+            </a:ln>
+            <a:effectLst/>
+          </p:spPr>
+          <p:style>
+            <a:lnRef idx="1">
+              <a:schemeClr val="accent2"/>
+            </a:lnRef>
+            <a:fillRef idx="2">
+              <a:schemeClr val="accent2"/>
+            </a:fillRef>
+            <a:effectRef idx="1">
+              <a:schemeClr val="accent2"/>
+            </a:effectRef>
+            <a:fontRef idx="minor">
+              <a:schemeClr val="dk1"/>
+            </a:fontRef>
+          </p:style>
+        </p:cxnSp>
+        <p:sp>
+          <p:nvSpPr>
+            <p:cNvPr id="83" name="Rectangle 8"/>
+            <p:cNvSpPr/>
+            <p:nvPr/>
+          </p:nvSpPr>
+          <p:spPr>
+            <a:xfrm>
+              <a:off x="7274298" y="3185840"/>
+              <a:ext cx="708186" cy="285783"/>
+            </a:xfrm>
+            <a:prstGeom prst="rect">
+              <a:avLst/>
+            </a:prstGeom>
+            <a:ln w="19050">
+              <a:solidFill>
+                <a:srgbClr val="7030A0"/>
+              </a:solidFill>
+            </a:ln>
+            <a:effectLst/>
+          </p:spPr>
+          <p:style>
+            <a:lnRef idx="1">
+              <a:schemeClr val="accent4"/>
+            </a:lnRef>
+            <a:fillRef idx="2">
+              <a:schemeClr val="accent4"/>
+            </a:fillRef>
+            <a:effectRef idx="1">
+              <a:schemeClr val="accent4"/>
+            </a:effectRef>
+            <a:fontRef idx="minor">
+              <a:schemeClr val="dk1"/>
+            </a:fontRef>
+          </p:style>
+          <p:txBody>
+            <a:bodyPr rtlCol="0" anchor="ctr"/>
+            <a:lstStyle/>
+            <a:p>
+              <a:pPr algn="ctr"/>
+              <a:r>
+                <a:rPr lang="en-US" sz="1050" dirty="0">
+                  <a:solidFill>
+                    <a:srgbClr val="7030A0"/>
+                  </a:solidFill>
+                </a:rPr>
+                <a:t>Email</a:t>
+              </a:r>
+              <a:endParaRPr lang="en-SG" sz="1050" dirty="0">
+                <a:solidFill>
+                  <a:srgbClr val="7030A0"/>
+                </a:solidFill>
+              </a:endParaRPr>
+            </a:p>
+          </p:txBody>
+        </p:sp>
+        <p:cxnSp>
+          <p:nvCxnSpPr>
+            <p:cNvPr id="84" name="Elbow Connector 83"/>
+            <p:cNvCxnSpPr>
+              <a:stCxn id="78" idx="3"/>
+              <a:endCxn id="83" idx="1"/>
+            </p:cNvCxnSpPr>
+            <p:nvPr/>
+          </p:nvCxnSpPr>
+          <p:spPr>
+            <a:xfrm>
+              <a:off x="6839896" y="3010537"/>
+              <a:ext cx="434402" cy="318195"/>
+            </a:xfrm>
+            <a:prstGeom prst="bentConnector3">
+              <a:avLst/>
+            </a:prstGeom>
+            <a:ln w="19050">
+              <a:solidFill>
+                <a:srgbClr val="7030A0"/>
+              </a:solidFill>
+              <a:headEnd type="none" w="med" len="med"/>
+              <a:tailEnd type="arrow" w="med" len="med"/>
+            </a:ln>
+            <a:effectLst/>
+          </p:spPr>
+          <p:style>
+            <a:lnRef idx="1">
+              <a:schemeClr val="accent2"/>
+            </a:lnRef>
+            <a:fillRef idx="2">
+              <a:schemeClr val="accent2"/>
+            </a:fillRef>
+            <a:effectRef idx="1">
+              <a:schemeClr val="accent2"/>
+            </a:effectRef>
+            <a:fontRef idx="minor">
+              <a:schemeClr val="dk1"/>
+            </a:fontRef>
+          </p:style>
+        </p:cxnSp>
+        <p:sp>
+          <p:nvSpPr>
+            <p:cNvPr id="85" name="Rectangle 8"/>
+            <p:cNvSpPr/>
+            <p:nvPr/>
+          </p:nvSpPr>
+          <p:spPr>
+            <a:xfrm>
+              <a:off x="7274298" y="3508817"/>
+              <a:ext cx="708186" cy="285783"/>
+            </a:xfrm>
+            <a:prstGeom prst="rect">
+              <a:avLst/>
+            </a:prstGeom>
+            <a:ln w="19050">
+              <a:solidFill>
+                <a:srgbClr val="7030A0"/>
+              </a:solidFill>
+            </a:ln>
+            <a:effectLst/>
+          </p:spPr>
+          <p:style>
+            <a:lnRef idx="1">
+              <a:schemeClr val="accent4"/>
+            </a:lnRef>
+            <a:fillRef idx="2">
+              <a:schemeClr val="accent4"/>
+            </a:fillRef>
+            <a:effectRef idx="1">
+              <a:schemeClr val="accent4"/>
+            </a:effectRef>
+            <a:fontRef idx="minor">
+              <a:schemeClr val="dk1"/>
+            </a:fontRef>
+          </p:style>
+          <p:txBody>
+            <a:bodyPr rtlCol="0" anchor="ctr"/>
+            <a:lstStyle/>
+            <a:p>
+              <a:pPr algn="ctr"/>
+              <a:r>
+                <a:rPr lang="en-US" sz="1050" dirty="0">
+                  <a:solidFill>
+                    <a:srgbClr val="7030A0"/>
+                  </a:solidFill>
+                </a:rPr>
+                <a:t>Address</a:t>
+              </a:r>
+              <a:endParaRPr lang="en-SG" sz="1050" dirty="0">
+                <a:solidFill>
+                  <a:srgbClr val="7030A0"/>
+                </a:solidFill>
+              </a:endParaRPr>
+            </a:p>
+          </p:txBody>
+        </p:sp>
+        <p:cxnSp>
+          <p:nvCxnSpPr>
+            <p:cNvPr id="86" name="Elbow Connector 85"/>
+            <p:cNvCxnSpPr>
+              <a:stCxn id="78" idx="3"/>
+              <a:endCxn id="85" idx="1"/>
+            </p:cNvCxnSpPr>
+            <p:nvPr/>
+          </p:nvCxnSpPr>
+          <p:spPr>
+            <a:xfrm>
+              <a:off x="6839896" y="3010537"/>
+              <a:ext cx="434402" cy="641172"/>
+            </a:xfrm>
+            <a:prstGeom prst="bentConnector3">
+              <a:avLst/>
+            </a:prstGeom>
+            <a:ln w="19050">
+              <a:solidFill>
+                <a:srgbClr val="7030A0"/>
+              </a:solidFill>
+              <a:headEnd type="none" w="med" len="med"/>
+              <a:tailEnd type="arrow" w="med" len="med"/>
+            </a:ln>
+            <a:effectLst/>
+          </p:spPr>
+          <p:style>
+            <a:lnRef idx="1">
+              <a:schemeClr val="accent2"/>
+            </a:lnRef>
+            <a:fillRef idx="2">
+              <a:schemeClr val="accent2"/>
+            </a:fillRef>
+            <a:effectRef idx="1">
+              <a:schemeClr val="accent2"/>
+            </a:effectRef>
+            <a:fontRef idx="minor">
+              <a:schemeClr val="dk1"/>
+            </a:fontRef>
+          </p:style>
+        </p:cxnSp>
+        <p:cxnSp>
+          <p:nvCxnSpPr>
+            <p:cNvPr id="97" name="Elbow Connector 63"/>
+            <p:cNvCxnSpPr>
+              <a:stCxn id="99" idx="3"/>
+            </p:cNvCxnSpPr>
+            <p:nvPr/>
+          </p:nvCxnSpPr>
+          <p:spPr>
+            <a:xfrm rot="5400000">
+              <a:off x="3115512" y="2663205"/>
+              <a:ext cx="293825" cy="5938"/>
+            </a:xfrm>
+            <a:prstGeom prst="bentConnector3">
+              <a:avLst>
+                <a:gd name="adj1" fmla="val 50000"/>
+              </a:avLst>
+            </a:prstGeom>
+            <a:ln w="19050">
+              <a:solidFill>
+                <a:srgbClr val="7030A0"/>
+              </a:solidFill>
+              <a:prstDash val="sysDot"/>
+              <a:headEnd type="none" w="med" len="med"/>
+              <a:tailEnd type="none" w="med" len="med"/>
+            </a:ln>
+            <a:effectLst/>
+          </p:spPr>
+          <p:style>
+            <a:lnRef idx="1">
+              <a:schemeClr val="accent2"/>
+            </a:lnRef>
+            <a:fillRef idx="2">
+              <a:schemeClr val="accent2"/>
+            </a:fillRef>
+            <a:effectRef idx="1">
+              <a:schemeClr val="accent2"/>
+            </a:effectRef>
+            <a:fontRef idx="minor">
+              <a:schemeClr val="dk1"/>
+            </a:fontRef>
+          </p:style>
+        </p:cxnSp>
+        <p:sp>
+          <p:nvSpPr>
+            <p:cNvPr id="99" name="Isosceles Triangle 102"/>
+            <p:cNvSpPr/>
+            <p:nvPr/>
+          </p:nvSpPr>
+          <p:spPr>
+            <a:xfrm rot="10800000" flipV="1">
+              <a:off x="3124200" y="2362200"/>
+              <a:ext cx="282387" cy="157062"/>
+            </a:xfrm>
+            <a:prstGeom prst="triangle">
+              <a:avLst/>
+            </a:prstGeom>
+            <a:ln w="19050">
+              <a:solidFill>
+                <a:srgbClr val="7030A0"/>
+              </a:solidFill>
+            </a:ln>
+            <a:effectLst/>
+          </p:spPr>
+          <p:style>
+            <a:lnRef idx="1">
+              <a:schemeClr val="accent4"/>
+            </a:lnRef>
+            <a:fillRef idx="2">
+              <a:schemeClr val="accent4"/>
+            </a:fillRef>
+            <a:effectRef idx="1">
+              <a:schemeClr val="accent4"/>
+            </a:effectRef>
+            <a:fontRef idx="minor">
+              <a:schemeClr val="dk1"/>
+            </a:fontRef>
+          </p:style>
+          <p:txBody>
+            <a:bodyPr rtlCol="0" anchor="ctr"/>
+            <a:lstStyle/>
+            <a:p>
+              <a:pPr algn="ctr"/>
+              <a:endParaRPr lang="en-SG" sz="1050" b="1">
+                <a:solidFill>
+                  <a:srgbClr val="92D050"/>
+                </a:solidFill>
+              </a:endParaRPr>
+            </a:p>
+          </p:txBody>
+        </p:sp>
+        <p:sp>
+          <p:nvSpPr>
+            <p:cNvPr id="100" name="Rectangle 8"/>
+            <p:cNvSpPr/>
+            <p:nvPr/>
+          </p:nvSpPr>
+          <p:spPr>
+            <a:xfrm>
+              <a:off x="822823" y="1973996"/>
+              <a:ext cx="1443661" cy="364396"/>
+            </a:xfrm>
+            <a:prstGeom prst="rect">
+              <a:avLst/>
+            </a:prstGeom>
+            <a:ln w="19050">
+              <a:solidFill>
+                <a:srgbClr val="7030A0"/>
+              </a:solidFill>
+            </a:ln>
+            <a:effectLst/>
+          </p:spPr>
+          <p:style>
+            <a:lnRef idx="1">
+              <a:schemeClr val="accent4"/>
+            </a:lnRef>
+            <a:fillRef idx="2">
+              <a:schemeClr val="accent4"/>
+            </a:fillRef>
+            <a:effectRef idx="1">
+              <a:schemeClr val="accent4"/>
+            </a:effectRef>
+            <a:fontRef idx="minor">
+              <a:schemeClr val="dk1"/>
+            </a:fontRef>
+          </p:style>
+          <p:txBody>
+            <a:bodyPr rtlCol="0" anchor="ctr"/>
+            <a:lstStyle/>
+            <a:p>
+              <a:pPr algn="ctr"/>
+              <a:r>
+                <a:rPr lang="en-US" sz="1050" dirty="0">
+                  <a:solidFill>
+                    <a:srgbClr val="7030A0"/>
+                  </a:solidFill>
+                </a:rPr>
+                <a:t>&lt;&lt;interface&gt;&gt;</a:t>
+              </a:r>
+              <a:br>
+                <a:rPr lang="en-US" sz="1050" dirty="0">
+                  <a:solidFill>
+                    <a:srgbClr val="7030A0"/>
+                  </a:solidFill>
+                </a:rPr>
+              </a:br>
+              <a:r>
+                <a:rPr lang="en-US" sz="1050" dirty="0" err="1">
+                  <a:solidFill>
+                    <a:srgbClr val="7030A0"/>
+                  </a:solidFill>
+                </a:rPr>
+                <a:t>ReadOnlyAddressBook</a:t>
+              </a:r>
+              <a:endParaRPr lang="en-SG" sz="1050" dirty="0">
+                <a:solidFill>
+                  <a:srgbClr val="7030A0"/>
+                </a:solidFill>
+              </a:endParaRPr>
+            </a:p>
+          </p:txBody>
+        </p:sp>
+        <p:sp>
+          <p:nvSpPr>
+            <p:cNvPr id="114" name="TextBox 113"/>
+            <p:cNvSpPr txBox="1"/>
+            <p:nvPr/>
+          </p:nvSpPr>
+          <p:spPr>
+            <a:xfrm rot="16200000">
+              <a:off x="5924787" y="3561951"/>
+              <a:ext cx="881018" cy="261610"/>
+            </a:xfrm>
+            <a:prstGeom prst="rect">
+              <a:avLst/>
+            </a:prstGeom>
+            <a:noFill/>
+          </p:spPr>
+          <p:txBody>
+            <a:bodyPr wrap="square" rtlCol="0">
+              <a:spAutoFit/>
+            </a:bodyPr>
+            <a:lstStyle/>
+            <a:p>
+              <a:pPr algn="r"/>
+              <a:r>
+                <a:rPr lang="en-US" sz="1100" dirty="0">
+                  <a:solidFill>
+                    <a:srgbClr val="7030A0"/>
+                  </a:solidFill>
+                </a:rPr>
+                <a:t>filtered list</a:t>
+              </a:r>
+              <a:endParaRPr lang="en-SG" sz="1100" dirty="0">
+                <a:solidFill>
+                  <a:srgbClr val="7030A0"/>
+                </a:solidFill>
+              </a:endParaRPr>
+            </a:p>
+          </p:txBody>
+        </p:sp>
+        <p:sp>
+          <p:nvSpPr>
+            <p:cNvPr id="122" name="Rectangle 8"/>
+            <p:cNvSpPr/>
+            <p:nvPr/>
+          </p:nvSpPr>
+          <p:spPr>
+            <a:xfrm>
+              <a:off x="1619302" y="4215137"/>
+              <a:ext cx="1066800" cy="346760"/>
+            </a:xfrm>
+            <a:prstGeom prst="rect">
+              <a:avLst/>
+            </a:prstGeom>
+            <a:ln w="19050">
+              <a:solidFill>
+                <a:srgbClr val="7030A0"/>
+              </a:solidFill>
+            </a:ln>
+            <a:effectLst/>
+          </p:spPr>
+          <p:style>
+            <a:lnRef idx="1">
+              <a:schemeClr val="accent4"/>
+            </a:lnRef>
+            <a:fillRef idx="2">
+              <a:schemeClr val="accent4"/>
+            </a:fillRef>
+            <a:effectRef idx="1">
+              <a:schemeClr val="accent4"/>
+            </a:effectRef>
+            <a:fontRef idx="minor">
+              <a:schemeClr val="dk1"/>
+            </a:fontRef>
+          </p:style>
+          <p:txBody>
+            <a:bodyPr rtlCol="0" anchor="ctr"/>
+            <a:lstStyle/>
+            <a:p>
+              <a:pPr algn="ctr"/>
+              <a:r>
+                <a:rPr lang="en-US" sz="1050" dirty="0">
+                  <a:solidFill>
+                    <a:srgbClr val="7030A0"/>
+                  </a:solidFill>
+                </a:rPr>
+                <a:t>&lt;&lt;interface&gt;&gt;</a:t>
+              </a:r>
+              <a:br>
+                <a:rPr lang="en-US" sz="1050">
+                  <a:solidFill>
+                    <a:srgbClr val="7030A0"/>
+                  </a:solidFill>
+                </a:rPr>
+              </a:br>
+              <a:r>
+                <a:rPr lang="en-US" sz="1050" dirty="0" err="1">
+                  <a:solidFill>
+                    <a:srgbClr val="7030A0"/>
+                  </a:solidFill>
+                </a:rPr>
+                <a:t>ObservableList</a:t>
+              </a:r>
+              <a:endParaRPr lang="en-SG" sz="1050" dirty="0">
+                <a:solidFill>
+                  <a:srgbClr val="7030A0"/>
+                </a:solidFill>
+              </a:endParaRPr>
+            </a:p>
+          </p:txBody>
+        </p:sp>
+        <p:cxnSp>
+          <p:nvCxnSpPr>
+            <p:cNvPr id="124" name="Elbow Connector 122"/>
+            <p:cNvCxnSpPr>
+              <a:stCxn id="119" idx="1"/>
+              <a:endCxn id="122" idx="1"/>
+            </p:cNvCxnSpPr>
+            <p:nvPr/>
+          </p:nvCxnSpPr>
+          <p:spPr>
+            <a:xfrm rot="16200000" flipH="1">
+              <a:off x="926376" y="3695590"/>
+              <a:ext cx="831471" cy="554381"/>
+            </a:xfrm>
+            <a:prstGeom prst="bentConnector2">
+              <a:avLst/>
+            </a:prstGeom>
+            <a:ln w="19050">
+              <a:solidFill>
+                <a:srgbClr val="7030A0"/>
+              </a:solidFill>
+              <a:prstDash val="sysDot"/>
+              <a:headEnd type="none" w="med" len="med"/>
+              <a:tailEnd type="arrow" w="med" len="med"/>
+            </a:ln>
+            <a:effectLst/>
+          </p:spPr>
+          <p:style>
+            <a:lnRef idx="1">
+              <a:schemeClr val="accent2"/>
+            </a:lnRef>
+            <a:fillRef idx="2">
+              <a:schemeClr val="accent2"/>
+            </a:fillRef>
+            <a:effectRef idx="1">
+              <a:schemeClr val="accent2"/>
+            </a:effectRef>
+            <a:fontRef idx="minor">
+              <a:schemeClr val="dk1"/>
+            </a:fontRef>
+          </p:style>
+        </p:cxnSp>
+        <p:sp>
+          <p:nvSpPr>
+            <p:cNvPr id="54" name="TextBox 53"/>
+            <p:cNvSpPr txBox="1"/>
+            <p:nvPr/>
+          </p:nvSpPr>
+          <p:spPr>
+            <a:xfrm>
+              <a:off x="3991880" y="3087125"/>
+              <a:ext cx="189257" cy="178683"/>
+            </a:xfrm>
+            <a:prstGeom prst="rect">
+              <a:avLst/>
+            </a:prstGeom>
+            <a:noFill/>
+          </p:spPr>
+          <p:txBody>
+            <a:bodyPr wrap="square" lIns="0" tIns="0" rIns="0" bIns="0" rtlCol="0">
+              <a:noAutofit/>
+            </a:bodyPr>
+            <a:lstStyle/>
+            <a:p>
+              <a:pPr algn="ctr"/>
+              <a:r>
+                <a:rPr lang="en-US" sz="1100" dirty="0">
+                  <a:solidFill>
+                    <a:srgbClr val="7030A0"/>
+                  </a:solidFill>
+                </a:rPr>
+                <a:t>1</a:t>
+              </a:r>
+              <a:endParaRPr lang="en-SG" sz="1100" dirty="0">
+                <a:solidFill>
+                  <a:srgbClr val="7030A0"/>
+                </a:solidFill>
+              </a:endParaRPr>
+            </a:p>
+          </p:txBody>
+        </p:sp>
+        <p:sp>
+          <p:nvSpPr>
+            <p:cNvPr id="61" name="TextBox 60"/>
+            <p:cNvSpPr txBox="1"/>
+            <p:nvPr/>
+          </p:nvSpPr>
+          <p:spPr>
+            <a:xfrm>
+              <a:off x="5697157" y="3073563"/>
+              <a:ext cx="189257" cy="178683"/>
+            </a:xfrm>
+            <a:prstGeom prst="rect">
+              <a:avLst/>
+            </a:prstGeom>
+            <a:noFill/>
+          </p:spPr>
+          <p:txBody>
+            <a:bodyPr wrap="square" lIns="0" tIns="0" rIns="0" bIns="0" rtlCol="0">
+              <a:noAutofit/>
+            </a:bodyPr>
+            <a:lstStyle/>
+            <a:p>
+              <a:pPr algn="ctr"/>
+              <a:r>
+                <a:rPr lang="en-US" sz="1100" dirty="0">
+                  <a:solidFill>
+                    <a:srgbClr val="7030A0"/>
+                  </a:solidFill>
+                </a:rPr>
+                <a:t>*</a:t>
+              </a:r>
+              <a:endParaRPr lang="en-SG" sz="1100" dirty="0">
+                <a:solidFill>
+                  <a:srgbClr val="7030A0"/>
+                </a:solidFill>
+              </a:endParaRPr>
+            </a:p>
+          </p:txBody>
+        </p:sp>
+        <p:sp>
+          <p:nvSpPr>
+            <p:cNvPr id="65" name="TextBox 64"/>
+            <p:cNvSpPr txBox="1"/>
+            <p:nvPr/>
+          </p:nvSpPr>
+          <p:spPr>
+            <a:xfrm>
+              <a:off x="2135295" y="2732361"/>
+              <a:ext cx="170110" cy="137542"/>
+            </a:xfrm>
+            <a:prstGeom prst="rect">
+              <a:avLst/>
+            </a:prstGeom>
+            <a:noFill/>
+          </p:spPr>
+          <p:txBody>
+            <a:bodyPr wrap="square" lIns="0" tIns="0" rIns="0" bIns="0" rtlCol="0">
+              <a:noAutofit/>
+            </a:bodyPr>
+            <a:lstStyle/>
+            <a:p>
+              <a:pPr algn="ctr"/>
+              <a:r>
+                <a:rPr lang="en-US" sz="1100" dirty="0">
+                  <a:solidFill>
+                    <a:srgbClr val="7030A0"/>
+                  </a:solidFill>
+                </a:rPr>
+                <a:t>1</a:t>
+              </a:r>
+              <a:endParaRPr lang="en-SG" sz="1100" dirty="0">
+                <a:solidFill>
+                  <a:srgbClr val="7030A0"/>
+                </a:solidFill>
+              </a:endParaRPr>
+            </a:p>
+          </p:txBody>
+        </p:sp>
+        <p:sp>
+          <p:nvSpPr>
+            <p:cNvPr id="66" name="TextBox 65"/>
+            <p:cNvSpPr txBox="1"/>
+            <p:nvPr/>
+          </p:nvSpPr>
+          <p:spPr>
+            <a:xfrm>
+              <a:off x="2268971" y="3643383"/>
+              <a:ext cx="189257" cy="178683"/>
+            </a:xfrm>
+            <a:prstGeom prst="rect">
+              <a:avLst/>
+            </a:prstGeom>
+            <a:noFill/>
+          </p:spPr>
+          <p:txBody>
+            <a:bodyPr wrap="square" lIns="0" tIns="0" rIns="0" bIns="0" rtlCol="0">
+              <a:noAutofit/>
+            </a:bodyPr>
+            <a:lstStyle/>
+            <a:p>
+              <a:pPr algn="ctr"/>
+              <a:r>
+                <a:rPr lang="en-US" sz="1100" dirty="0">
+                  <a:solidFill>
+                    <a:srgbClr val="7030A0"/>
+                  </a:solidFill>
+                </a:rPr>
+                <a:t>1</a:t>
+              </a:r>
+              <a:endParaRPr lang="en-SG" sz="1100" dirty="0">
+                <a:solidFill>
+                  <a:srgbClr val="7030A0"/>
+                </a:solidFill>
+              </a:endParaRPr>
+            </a:p>
+          </p:txBody>
+        </p:sp>
+        <p:sp>
+          <p:nvSpPr>
+            <p:cNvPr id="70" name="TextBox 69"/>
+            <p:cNvSpPr txBox="1"/>
+            <p:nvPr/>
+          </p:nvSpPr>
+          <p:spPr>
+            <a:xfrm>
+              <a:off x="6011797" y="3180472"/>
+              <a:ext cx="189257" cy="178683"/>
+            </a:xfrm>
+            <a:prstGeom prst="rect">
+              <a:avLst/>
+            </a:prstGeom>
+            <a:noFill/>
+          </p:spPr>
+          <p:txBody>
+            <a:bodyPr wrap="square" lIns="0" tIns="0" rIns="0" bIns="0" rtlCol="0">
+              <a:noAutofit/>
+            </a:bodyPr>
+            <a:lstStyle/>
+            <a:p>
+              <a:pPr algn="ctr"/>
+              <a:r>
+                <a:rPr lang="en-US" sz="1100" dirty="0">
+                  <a:solidFill>
+                    <a:srgbClr val="7030A0"/>
+                  </a:solidFill>
+                </a:rPr>
+                <a:t>1</a:t>
+              </a:r>
+              <a:endParaRPr lang="en-SG" sz="1100" dirty="0">
+                <a:solidFill>
+                  <a:srgbClr val="7030A0"/>
+                </a:solidFill>
+              </a:endParaRPr>
+            </a:p>
+          </p:txBody>
+        </p:sp>
+        <p:sp>
+          <p:nvSpPr>
+            <p:cNvPr id="52" name="Rectangle 8">
+              <a:extLst>
+                <a:ext uri="{FF2B5EF4-FFF2-40B4-BE49-F238E27FC236}">
+                  <a16:creationId xmlns:a16="http://schemas.microsoft.com/office/drawing/2014/main" id="{ABDCDBD2-131A-4B66-A2F2-43BBEE82C773}"/>
+                </a:ext>
+              </a:extLst>
+            </p:cNvPr>
+            <p:cNvSpPr/>
+            <p:nvPr/>
+          </p:nvSpPr>
+          <p:spPr>
+            <a:xfrm>
+              <a:off x="7274298" y="2204463"/>
+              <a:ext cx="708186" cy="285783"/>
+            </a:xfrm>
+            <a:prstGeom prst="rect">
+              <a:avLst/>
+            </a:prstGeom>
+            <a:ln w="19050">
+              <a:solidFill>
+                <a:srgbClr val="7030A0"/>
+              </a:solidFill>
+            </a:ln>
+            <a:effectLst/>
+          </p:spPr>
+          <p:style>
+            <a:lnRef idx="1">
+              <a:schemeClr val="accent4"/>
+            </a:lnRef>
+            <a:fillRef idx="2">
+              <a:schemeClr val="accent4"/>
+            </a:fillRef>
+            <a:effectRef idx="1">
+              <a:schemeClr val="accent4"/>
+            </a:effectRef>
+            <a:fontRef idx="minor">
+              <a:schemeClr val="dk1"/>
+            </a:fontRef>
+          </p:style>
+          <p:txBody>
+            <a:bodyPr rtlCol="0" anchor="ctr"/>
+            <a:lstStyle/>
+            <a:p>
+              <a:pPr algn="ctr"/>
+              <a:r>
+                <a:rPr lang="en-US" sz="1050" dirty="0">
+                  <a:solidFill>
+                    <a:srgbClr val="7030A0"/>
+                  </a:solidFill>
+                </a:rPr>
+                <a:t>Tag</a:t>
+              </a:r>
+              <a:endParaRPr lang="en-SG" sz="1050" dirty="0">
+                <a:solidFill>
+                  <a:srgbClr val="7030A0"/>
+                </a:solidFill>
+              </a:endParaRPr>
+            </a:p>
+          </p:txBody>
+        </p:sp>
+        <p:cxnSp>
+          <p:nvCxnSpPr>
+            <p:cNvPr id="53" name="Elbow Connector 78">
+              <a:extLst>
+                <a:ext uri="{FF2B5EF4-FFF2-40B4-BE49-F238E27FC236}">
+                  <a16:creationId xmlns:a16="http://schemas.microsoft.com/office/drawing/2014/main" id="{B97967F8-618A-448B-81FD-CDFD4AF0EC64}"/>
+                </a:ext>
+              </a:extLst>
+            </p:cNvPr>
+            <p:cNvCxnSpPr>
+              <a:cxnSpLocks/>
+              <a:stCxn id="78" idx="3"/>
+              <a:endCxn id="52" idx="1"/>
+            </p:cNvCxnSpPr>
+            <p:nvPr/>
+          </p:nvCxnSpPr>
+          <p:spPr>
+            <a:xfrm flipV="1">
+              <a:off x="6839896" y="2347355"/>
+              <a:ext cx="434402" cy="663182"/>
+            </a:xfrm>
+            <a:prstGeom prst="bentConnector3">
+              <a:avLst>
+                <a:gd name="adj1" fmla="val 50000"/>
+              </a:avLst>
+            </a:prstGeom>
+            <a:ln w="19050">
+              <a:solidFill>
+                <a:srgbClr val="7030A0"/>
+              </a:solidFill>
+              <a:headEnd type="none" w="med" len="med"/>
+              <a:tailEnd type="arrow" w="med" len="med"/>
+            </a:ln>
+            <a:effectLst/>
+          </p:spPr>
+          <p:style>
+            <a:lnRef idx="1">
+              <a:schemeClr val="accent2"/>
+            </a:lnRef>
+            <a:fillRef idx="2">
+              <a:schemeClr val="accent2"/>
+            </a:fillRef>
+            <a:effectRef idx="1">
+              <a:schemeClr val="accent2"/>
+            </a:effectRef>
+            <a:fontRef idx="minor">
+              <a:schemeClr val="dk1"/>
+            </a:fontRef>
+          </p:style>
+        </p:cxnSp>
+        <p:sp>
+          <p:nvSpPr>
+            <p:cNvPr id="50" name="TextBox 49">
+              <a:extLst>
+                <a:ext uri="{FF2B5EF4-FFF2-40B4-BE49-F238E27FC236}">
+                  <a16:creationId xmlns:a16="http://schemas.microsoft.com/office/drawing/2014/main" id="{B3FA9D57-880F-49C4-AD0B-A64E30D6F403}"/>
+                </a:ext>
+              </a:extLst>
+            </p:cNvPr>
+            <p:cNvSpPr txBox="1"/>
+            <p:nvPr/>
+          </p:nvSpPr>
+          <p:spPr>
+            <a:xfrm>
+              <a:off x="7028144" y="2231357"/>
+              <a:ext cx="189257" cy="178683"/>
+            </a:xfrm>
+            <a:prstGeom prst="rect">
+              <a:avLst/>
+            </a:prstGeom>
+            <a:noFill/>
+          </p:spPr>
+          <p:txBody>
+            <a:bodyPr wrap="square" lIns="0" tIns="0" rIns="0" bIns="0" rtlCol="0">
+              <a:noAutofit/>
+            </a:bodyPr>
+            <a:lstStyle/>
+            <a:p>
+              <a:pPr algn="ctr"/>
+              <a:r>
+                <a:rPr lang="en-US" sz="1100" dirty="0">
+                  <a:solidFill>
+                    <a:srgbClr val="7030A0"/>
+                  </a:solidFill>
+                </a:rPr>
+                <a:t>*</a:t>
+              </a:r>
+              <a:endParaRPr lang="en-SG" sz="1100" dirty="0">
+                <a:solidFill>
+                  <a:srgbClr val="7030A0"/>
+                </a:solidFill>
+              </a:endParaRPr>
+            </a:p>
+          </p:txBody>
+        </p:sp>
+        <p:sp>
+          <p:nvSpPr>
+            <p:cNvPr id="55" name="Rectangle 8"/>
+            <p:cNvSpPr/>
+            <p:nvPr/>
+          </p:nvSpPr>
+          <p:spPr>
+            <a:xfrm>
+              <a:off x="2732082" y="1973996"/>
+              <a:ext cx="1060683" cy="364396"/>
+            </a:xfrm>
+            <a:prstGeom prst="rect">
+              <a:avLst/>
+            </a:prstGeom>
+            <a:ln w="19050">
+              <a:solidFill>
+                <a:srgbClr val="7030A0"/>
+              </a:solidFill>
+            </a:ln>
+            <a:effectLst/>
+          </p:spPr>
+          <p:style>
+            <a:lnRef idx="1">
+              <a:schemeClr val="accent4"/>
+            </a:lnRef>
+            <a:fillRef idx="2">
+              <a:schemeClr val="accent4"/>
+            </a:fillRef>
+            <a:effectRef idx="1">
+              <a:schemeClr val="accent4"/>
+            </a:effectRef>
+            <a:fontRef idx="minor">
+              <a:schemeClr val="dk1"/>
+            </a:fontRef>
+          </p:style>
+          <p:txBody>
+            <a:bodyPr rtlCol="0" anchor="ctr"/>
+            <a:lstStyle/>
+            <a:p>
+              <a:pPr algn="ctr"/>
+              <a:r>
+                <a:rPr lang="en-US" sz="1050" dirty="0" err="1">
+                  <a:solidFill>
+                    <a:srgbClr val="7030A0"/>
+                  </a:solidFill>
+                </a:rPr>
+                <a:t>AddressBook</a:t>
+              </a:r>
+              <a:endParaRPr lang="en-SG" sz="1050" dirty="0">
+                <a:solidFill>
+                  <a:srgbClr val="7030A0"/>
+                </a:solidFill>
+              </a:endParaRPr>
+            </a:p>
+          </p:txBody>
+        </p:sp>
+        <p:cxnSp>
+          <p:nvCxnSpPr>
+            <p:cNvPr id="60" name="Straight Arrow Connector 59"/>
+            <p:cNvCxnSpPr>
+              <a:stCxn id="51" idx="1"/>
+              <a:endCxn id="49" idx="1"/>
+            </p:cNvCxnSpPr>
+            <p:nvPr/>
+          </p:nvCxnSpPr>
+          <p:spPr>
+            <a:xfrm>
+              <a:off x="3886873" y="2982868"/>
+              <a:ext cx="367678" cy="12320"/>
+            </a:xfrm>
+            <a:prstGeom prst="straightConnector1">
+              <a:avLst/>
+            </a:prstGeom>
+            <a:ln w="19050">
+              <a:solidFill>
+                <a:srgbClr val="7030A0"/>
+              </a:solidFill>
+              <a:headEnd type="none" w="med" len="med"/>
+              <a:tailEnd type="arrow" w="med" len="med"/>
+            </a:ln>
+            <a:effectLst/>
+          </p:spPr>
+          <p:style>
+            <a:lnRef idx="1">
+              <a:schemeClr val="accent2"/>
+            </a:lnRef>
+            <a:fillRef idx="2">
+              <a:schemeClr val="accent2"/>
+            </a:fillRef>
+            <a:effectRef idx="1">
+              <a:schemeClr val="accent2"/>
+            </a:effectRef>
+            <a:fontRef idx="minor">
+              <a:schemeClr val="dk1"/>
+            </a:fontRef>
+          </p:style>
+        </p:cxnSp>
+        <p:sp>
+          <p:nvSpPr>
+            <p:cNvPr id="68" name="Isosceles Triangle 102"/>
+            <p:cNvSpPr/>
+            <p:nvPr/>
+          </p:nvSpPr>
+          <p:spPr>
+            <a:xfrm rot="16200000">
+              <a:off x="2230974" y="2044804"/>
+              <a:ext cx="271014" cy="187417"/>
+            </a:xfrm>
+            <a:prstGeom prst="triangle">
+              <a:avLst>
+                <a:gd name="adj" fmla="val 44517"/>
+              </a:avLst>
+            </a:prstGeom>
+            <a:solidFill>
+              <a:schemeClr val="accent4">
+                <a:lumMod val="20000"/>
+                <a:lumOff val="80000"/>
+              </a:schemeClr>
+            </a:solidFill>
+            <a:ln w="19050">
+              <a:solidFill>
+                <a:srgbClr val="7030A0"/>
+              </a:solidFill>
+            </a:ln>
+            <a:effectLst/>
+          </p:spPr>
+          <p:style>
+            <a:lnRef idx="1">
+              <a:schemeClr val="accent6"/>
+            </a:lnRef>
+            <a:fillRef idx="2">
+              <a:schemeClr val="accent6"/>
+            </a:fillRef>
+            <a:effectRef idx="1">
+              <a:schemeClr val="accent6"/>
+            </a:effectRef>
+            <a:fontRef idx="minor">
+              <a:schemeClr val="dk1"/>
+            </a:fontRef>
+          </p:style>
+          <p:txBody>
+            <a:bodyPr rtlCol="0" anchor="ctr"/>
+            <a:lstStyle/>
+            <a:p>
+              <a:pPr algn="ctr"/>
+              <a:endParaRPr lang="en-SG" sz="1050"/>
+            </a:p>
+          </p:txBody>
+        </p:sp>
+        <p:cxnSp>
+          <p:nvCxnSpPr>
+            <p:cNvPr id="69" name="Elbow Connector 63"/>
+            <p:cNvCxnSpPr>
+              <a:stCxn id="68" idx="3"/>
+              <a:endCxn id="55" idx="1"/>
+            </p:cNvCxnSpPr>
+            <p:nvPr/>
+          </p:nvCxnSpPr>
+          <p:spPr>
+            <a:xfrm>
+              <a:off x="2460190" y="2153373"/>
+              <a:ext cx="271892" cy="2821"/>
+            </a:xfrm>
+            <a:prstGeom prst="bentConnector3">
+              <a:avLst>
+                <a:gd name="adj1" fmla="val 50000"/>
+              </a:avLst>
+            </a:prstGeom>
+            <a:ln w="19050">
+              <a:solidFill>
+                <a:srgbClr val="7030A0"/>
+              </a:solidFill>
+              <a:prstDash val="sysDot"/>
+              <a:headEnd type="none" w="med" len="med"/>
+              <a:tailEnd type="none" w="med" len="med"/>
+            </a:ln>
+            <a:effectLst/>
+          </p:spPr>
+          <p:style>
+            <a:lnRef idx="1">
+              <a:schemeClr val="accent2"/>
+            </a:lnRef>
+            <a:fillRef idx="2">
+              <a:schemeClr val="accent2"/>
+            </a:fillRef>
+            <a:effectRef idx="1">
+              <a:schemeClr val="accent2"/>
+            </a:effectRef>
+            <a:fontRef idx="minor">
+              <a:schemeClr val="dk1"/>
+            </a:fontRef>
+          </p:style>
+        </p:cxnSp>
+        <p:sp>
+          <p:nvSpPr>
+            <p:cNvPr id="56" name="Flowchart: Decision 96">
+              <a:extLst>
+                <a:ext uri="{FF2B5EF4-FFF2-40B4-BE49-F238E27FC236}">
+                  <a16:creationId xmlns:a16="http://schemas.microsoft.com/office/drawing/2014/main" id="{F6FEDA25-F713-4DEF-8E6E-3832BD230724}"/>
+                </a:ext>
+              </a:extLst>
+            </p:cNvPr>
+            <p:cNvSpPr/>
+            <p:nvPr/>
+          </p:nvSpPr>
+          <p:spPr>
+            <a:xfrm rot="5400000">
+              <a:off x="3236605" y="3502957"/>
+              <a:ext cx="236048" cy="173380"/>
+            </a:xfrm>
+            <a:prstGeom prst="flowChartDecision">
+              <a:avLst/>
+            </a:prstGeom>
             <a:solidFill>
               <a:srgbClr val="7030A0"/>
             </a:solidFill>
-            <a:headEnd type="none" w="med" len="med"/>
-            <a:tailEnd type="arrow" w="med" len="med"/>
-          </a:ln>
-          <a:effectLst/>
-        </p:spPr>
-        <p:style>
-          <a:lnRef idx="1">
-            <a:schemeClr val="accent2"/>
-          </a:lnRef>
-          <a:fillRef idx="2">
-            <a:schemeClr val="accent2"/>
-          </a:fillRef>
-          <a:effectRef idx="1">
-            <a:schemeClr val="accent2"/>
-          </a:effectRef>
-          <a:fontRef idx="minor">
-            <a:schemeClr val="dk1"/>
-          </a:fontRef>
-        </p:style>
-      </p:cxnSp>
-      <p:cxnSp>
-        <p:nvCxnSpPr>
-          <p:cNvPr id="75" name="Elbow Connector 122"/>
-          <p:cNvCxnSpPr>
-            <a:cxnSpLocks/>
-          </p:cNvCxnSpPr>
-          <p:nvPr/>
-        </p:nvCxnSpPr>
-        <p:spPr>
-          <a:xfrm>
-            <a:off x="471992" y="3015699"/>
-            <a:ext cx="419548" cy="2860"/>
-          </a:xfrm>
-          <a:prstGeom prst="bentConnector3">
-            <a:avLst>
-              <a:gd name="adj1" fmla="val 50000"/>
-            </a:avLst>
-          </a:prstGeom>
-          <a:ln w="19050">
-            <a:solidFill>
-              <a:schemeClr val="bg1">
-                <a:lumMod val="75000"/>
-              </a:schemeClr>
-            </a:solidFill>
-            <a:prstDash val="sysDot"/>
-            <a:headEnd type="none" w="med" len="med"/>
-            <a:tailEnd type="arrow" w="med" len="med"/>
-          </a:ln>
-          <a:effectLst/>
-        </p:spPr>
-        <p:style>
-          <a:lnRef idx="1">
-            <a:schemeClr val="accent2"/>
-          </a:lnRef>
-          <a:fillRef idx="2">
-            <a:schemeClr val="accent2"/>
-          </a:fillRef>
-          <a:effectRef idx="1">
-            <a:schemeClr val="accent2"/>
-          </a:effectRef>
-          <a:fontRef idx="minor">
-            <a:schemeClr val="dk1"/>
-          </a:fontRef>
-        </p:style>
-      </p:cxnSp>
-      <p:cxnSp>
-        <p:nvCxnSpPr>
-          <p:cNvPr id="21" name="Straight Connector 20"/>
-          <p:cNvCxnSpPr>
-            <a:stCxn id="120" idx="3"/>
-          </p:cNvCxnSpPr>
-          <p:nvPr/>
-        </p:nvCxnSpPr>
-        <p:spPr>
-          <a:xfrm flipV="1">
-            <a:off x="1411825" y="3015698"/>
-            <a:ext cx="216105" cy="1"/>
-          </a:xfrm>
-          <a:prstGeom prst="line">
-            <a:avLst/>
-          </a:prstGeom>
-          <a:ln w="19050">
+            <a:ln w="19050">
+              <a:solidFill>
+                <a:srgbClr val="7030A0"/>
+              </a:solidFill>
+            </a:ln>
+            <a:effectLst/>
+          </p:spPr>
+          <p:style>
+            <a:lnRef idx="1">
+              <a:schemeClr val="accent6"/>
+            </a:lnRef>
+            <a:fillRef idx="2">
+              <a:schemeClr val="accent6"/>
+            </a:fillRef>
+            <a:effectRef idx="1">
+              <a:schemeClr val="accent6"/>
+            </a:effectRef>
+            <a:fontRef idx="minor">
+              <a:schemeClr val="dk1"/>
+            </a:fontRef>
+          </p:style>
+          <p:txBody>
+            <a:bodyPr rtlCol="0" anchor="ctr"/>
+            <a:lstStyle/>
+            <a:p>
+              <a:pPr algn="ctr"/>
+              <a:endParaRPr lang="en-US" sz="1050" dirty="0">
+                <a:solidFill>
+                  <a:schemeClr val="tx1"/>
+                </a:solidFill>
+              </a:endParaRPr>
+            </a:p>
+          </p:txBody>
+        </p:sp>
+        <p:cxnSp>
+          <p:nvCxnSpPr>
+            <p:cNvPr id="57" name="Connector: Elbow 56">
+              <a:extLst>
+                <a:ext uri="{FF2B5EF4-FFF2-40B4-BE49-F238E27FC236}">
+                  <a16:creationId xmlns:a16="http://schemas.microsoft.com/office/drawing/2014/main" id="{7802B7BF-424D-41F1-B34D-C73184E365DE}"/>
+                </a:ext>
+              </a:extLst>
+            </p:cNvPr>
+            <p:cNvCxnSpPr>
+              <a:cxnSpLocks/>
+              <a:stCxn id="82" idx="1"/>
+              <a:endCxn id="59" idx="2"/>
+            </p:cNvCxnSpPr>
+            <p:nvPr/>
+          </p:nvCxnSpPr>
+          <p:spPr>
+            <a:xfrm rot="5400000" flipH="1" flipV="1">
+              <a:off x="4574568" y="1515814"/>
+              <a:ext cx="276147" cy="1821113"/>
+            </a:xfrm>
+            <a:prstGeom prst="bentConnector3">
+              <a:avLst>
+                <a:gd name="adj1" fmla="val 50000"/>
+              </a:avLst>
+            </a:prstGeom>
+            <a:ln w="19050" cap="flat" cmpd="sng" algn="ctr">
+              <a:solidFill>
+                <a:srgbClr val="7030A0"/>
+              </a:solidFill>
+              <a:prstDash val="solid"/>
+              <a:round/>
+              <a:headEnd type="none" w="med" len="med"/>
+              <a:tailEnd type="arrow" w="med" len="med"/>
+            </a:ln>
+          </p:spPr>
+          <p:style>
+            <a:lnRef idx="0">
+              <a:scrgbClr r="0" g="0" b="0"/>
+            </a:lnRef>
+            <a:fillRef idx="0">
+              <a:scrgbClr r="0" g="0" b="0"/>
+            </a:fillRef>
+            <a:effectRef idx="0">
+              <a:scrgbClr r="0" g="0" b="0"/>
+            </a:effectRef>
+            <a:fontRef idx="minor">
+              <a:schemeClr val="tx1"/>
+            </a:fontRef>
+          </p:style>
+        </p:cxnSp>
+        <p:sp>
+          <p:nvSpPr>
+            <p:cNvPr id="59" name="Rectangle 8">
+              <a:extLst>
+                <a:ext uri="{FF2B5EF4-FFF2-40B4-BE49-F238E27FC236}">
+                  <a16:creationId xmlns:a16="http://schemas.microsoft.com/office/drawing/2014/main" id="{D197349A-4A2A-4198-A539-588890CAAC6E}"/>
+                </a:ext>
+              </a:extLst>
+            </p:cNvPr>
+            <p:cNvSpPr/>
+            <p:nvPr/>
+          </p:nvSpPr>
+          <p:spPr>
+            <a:xfrm>
+              <a:off x="5044713" y="1941536"/>
+              <a:ext cx="1156969" cy="346760"/>
+            </a:xfrm>
+            <a:prstGeom prst="rect">
+              <a:avLst/>
+            </a:prstGeom>
+            <a:ln w="19050">
+              <a:solidFill>
+                <a:srgbClr val="7030A0"/>
+              </a:solidFill>
+            </a:ln>
+            <a:effectLst/>
+          </p:spPr>
+          <p:style>
+            <a:lnRef idx="1">
+              <a:schemeClr val="accent4"/>
+            </a:lnRef>
+            <a:fillRef idx="2">
+              <a:schemeClr val="accent4"/>
+            </a:fillRef>
+            <a:effectRef idx="1">
+              <a:schemeClr val="accent4"/>
+            </a:effectRef>
+            <a:fontRef idx="minor">
+              <a:schemeClr val="dk1"/>
+            </a:fontRef>
+          </p:style>
+          <p:txBody>
+            <a:bodyPr rtlCol="0" anchor="ctr"/>
+            <a:lstStyle/>
+            <a:p>
+              <a:pPr algn="ctr"/>
+              <a:r>
+                <a:rPr lang="en-US" sz="1050" dirty="0">
+                  <a:solidFill>
+                    <a:srgbClr val="7030A0"/>
+                  </a:solidFill>
+                </a:rPr>
+                <a:t>Event</a:t>
+              </a:r>
+              <a:endParaRPr lang="en-SG" sz="1050" dirty="0">
+                <a:solidFill>
+                  <a:srgbClr val="7030A0"/>
+                </a:solidFill>
+              </a:endParaRPr>
+            </a:p>
+          </p:txBody>
+        </p:sp>
+        <p:sp>
+          <p:nvSpPr>
+            <p:cNvPr id="72" name="Rectangle 8">
+              <a:extLst>
+                <a:ext uri="{FF2B5EF4-FFF2-40B4-BE49-F238E27FC236}">
+                  <a16:creationId xmlns:a16="http://schemas.microsoft.com/office/drawing/2014/main" id="{2F08CCA6-535D-4C90-8772-E7717348E67F}"/>
+                </a:ext>
+              </a:extLst>
+            </p:cNvPr>
+            <p:cNvSpPr/>
+            <p:nvPr/>
+          </p:nvSpPr>
+          <p:spPr>
+            <a:xfrm>
+              <a:off x="3441319" y="758106"/>
+              <a:ext cx="863386" cy="251279"/>
+            </a:xfrm>
+            <a:prstGeom prst="rect">
+              <a:avLst/>
+            </a:prstGeom>
+            <a:ln w="19050">
+              <a:solidFill>
+                <a:srgbClr val="7030A0"/>
+              </a:solidFill>
+            </a:ln>
+            <a:effectLst/>
+          </p:spPr>
+          <p:style>
+            <a:lnRef idx="1">
+              <a:schemeClr val="accent4"/>
+            </a:lnRef>
+            <a:fillRef idx="2">
+              <a:schemeClr val="accent4"/>
+            </a:fillRef>
+            <a:effectRef idx="1">
+              <a:schemeClr val="accent4"/>
+            </a:effectRef>
+            <a:fontRef idx="minor">
+              <a:schemeClr val="dk1"/>
+            </a:fontRef>
+          </p:style>
+          <p:txBody>
+            <a:bodyPr rtlCol="0" anchor="ctr"/>
+            <a:lstStyle/>
+            <a:p>
+              <a:pPr algn="ctr"/>
+              <a:r>
+                <a:rPr lang="en-US" sz="1050" dirty="0" err="1">
+                  <a:solidFill>
+                    <a:srgbClr val="7030A0"/>
+                  </a:solidFill>
+                </a:rPr>
+                <a:t>EventName</a:t>
+              </a:r>
+              <a:endParaRPr lang="en-SG" sz="1050" dirty="0">
+                <a:solidFill>
+                  <a:srgbClr val="7030A0"/>
+                </a:solidFill>
+              </a:endParaRPr>
+            </a:p>
+          </p:txBody>
+        </p:sp>
+        <p:cxnSp>
+          <p:nvCxnSpPr>
+            <p:cNvPr id="74" name="Elbow Connector 78">
+              <a:extLst>
+                <a:ext uri="{FF2B5EF4-FFF2-40B4-BE49-F238E27FC236}">
+                  <a16:creationId xmlns:a16="http://schemas.microsoft.com/office/drawing/2014/main" id="{3F85CCB0-2D9B-4AA5-AE9A-8C62E0DBC7A5}"/>
+                </a:ext>
+              </a:extLst>
+            </p:cNvPr>
+            <p:cNvCxnSpPr>
+              <a:cxnSpLocks/>
+              <a:stCxn id="92" idx="3"/>
+              <a:endCxn id="52" idx="0"/>
+            </p:cNvCxnSpPr>
+            <p:nvPr/>
+          </p:nvCxnSpPr>
+          <p:spPr>
+            <a:xfrm rot="16200000" flipH="1">
+              <a:off x="6374683" y="950755"/>
+              <a:ext cx="502221" cy="2005194"/>
+            </a:xfrm>
+            <a:prstGeom prst="bentConnector3">
+              <a:avLst>
+                <a:gd name="adj1" fmla="val -39279"/>
+              </a:avLst>
+            </a:prstGeom>
+            <a:ln w="19050">
+              <a:solidFill>
+                <a:srgbClr val="7030A0"/>
+              </a:solidFill>
+              <a:headEnd type="none" w="med" len="med"/>
+              <a:tailEnd type="arrow" w="med" len="med"/>
+            </a:ln>
+            <a:effectLst/>
+          </p:spPr>
+          <p:style>
+            <a:lnRef idx="1">
+              <a:schemeClr val="accent2"/>
+            </a:lnRef>
+            <a:fillRef idx="2">
+              <a:schemeClr val="accent2"/>
+            </a:fillRef>
+            <a:effectRef idx="1">
+              <a:schemeClr val="accent2"/>
+            </a:effectRef>
+            <a:fontRef idx="minor">
+              <a:schemeClr val="dk1"/>
+            </a:fontRef>
+          </p:style>
+        </p:cxnSp>
+        <p:sp>
+          <p:nvSpPr>
+            <p:cNvPr id="77" name="TextBox 76">
+              <a:extLst>
+                <a:ext uri="{FF2B5EF4-FFF2-40B4-BE49-F238E27FC236}">
+                  <a16:creationId xmlns:a16="http://schemas.microsoft.com/office/drawing/2014/main" id="{CAA98FCC-4F43-4FEF-A5E4-3C04A00627FE}"/>
+                </a:ext>
+              </a:extLst>
+            </p:cNvPr>
+            <p:cNvSpPr txBox="1"/>
+            <p:nvPr/>
+          </p:nvSpPr>
+          <p:spPr>
+            <a:xfrm>
+              <a:off x="3641216" y="2421482"/>
+              <a:ext cx="189257" cy="178683"/>
+            </a:xfrm>
+            <a:prstGeom prst="rect">
+              <a:avLst/>
+            </a:prstGeom>
+            <a:noFill/>
+          </p:spPr>
+          <p:txBody>
+            <a:bodyPr wrap="square" lIns="0" tIns="0" rIns="0" bIns="0" rtlCol="0">
+              <a:noAutofit/>
+            </a:bodyPr>
+            <a:lstStyle/>
+            <a:p>
+              <a:pPr algn="ctr"/>
+              <a:r>
+                <a:rPr lang="en-US" sz="1100" dirty="0">
+                  <a:solidFill>
+                    <a:srgbClr val="7030A0"/>
+                  </a:solidFill>
+                </a:rPr>
+                <a:t>1</a:t>
+              </a:r>
+              <a:endParaRPr lang="en-SG" sz="1100" dirty="0">
+                <a:solidFill>
+                  <a:srgbClr val="7030A0"/>
+                </a:solidFill>
+              </a:endParaRPr>
+            </a:p>
+          </p:txBody>
+        </p:sp>
+        <p:sp>
+          <p:nvSpPr>
+            <p:cNvPr id="82" name="Flowchart: Decision 96">
+              <a:extLst>
+                <a:ext uri="{FF2B5EF4-FFF2-40B4-BE49-F238E27FC236}">
+                  <a16:creationId xmlns:a16="http://schemas.microsoft.com/office/drawing/2014/main" id="{C24C5CF6-769A-47AE-AF21-7AF9DE04C8B2}"/>
+                </a:ext>
+              </a:extLst>
+            </p:cNvPr>
+            <p:cNvSpPr/>
+            <p:nvPr/>
+          </p:nvSpPr>
+          <p:spPr>
+            <a:xfrm rot="5400000">
+              <a:off x="3684061" y="2595777"/>
+              <a:ext cx="236048" cy="173380"/>
+            </a:xfrm>
+            <a:prstGeom prst="flowChartDecision">
+              <a:avLst/>
+            </a:prstGeom>
             <a:solidFill>
               <a:srgbClr val="7030A0"/>
             </a:solidFill>
-            <a:prstDash val="sysDot"/>
-            <a:headEnd type="none" w="med" len="med"/>
-            <a:tailEnd type="none" w="med" len="med"/>
-          </a:ln>
-          <a:effectLst/>
-        </p:spPr>
-        <p:style>
-          <a:lnRef idx="1">
-            <a:schemeClr val="accent2"/>
-          </a:lnRef>
-          <a:fillRef idx="2">
-            <a:schemeClr val="accent2"/>
-          </a:fillRef>
-          <a:effectRef idx="1">
-            <a:schemeClr val="accent2"/>
-          </a:effectRef>
-          <a:fontRef idx="minor">
-            <a:schemeClr val="dk1"/>
-          </a:fontRef>
-        </p:style>
-      </p:cxnSp>
-      <p:sp>
-        <p:nvSpPr>
-          <p:cNvPr id="42" name="Flowchart: Decision 96"/>
-          <p:cNvSpPr/>
-          <p:nvPr/>
-        </p:nvSpPr>
-        <p:spPr>
-          <a:xfrm>
-            <a:off x="1935681" y="3525576"/>
-            <a:ext cx="236048" cy="173380"/>
-          </a:xfrm>
-          <a:prstGeom prst="flowChartDecision">
-            <a:avLst/>
-          </a:prstGeom>
-          <a:noFill/>
-          <a:ln w="19050">
+            <a:ln w="19050">
+              <a:solidFill>
+                <a:srgbClr val="7030A0"/>
+              </a:solidFill>
+            </a:ln>
+            <a:effectLst/>
+          </p:spPr>
+          <p:style>
+            <a:lnRef idx="1">
+              <a:schemeClr val="accent6"/>
+            </a:lnRef>
+            <a:fillRef idx="2">
+              <a:schemeClr val="accent6"/>
+            </a:fillRef>
+            <a:effectRef idx="1">
+              <a:schemeClr val="accent6"/>
+            </a:effectRef>
+            <a:fontRef idx="minor">
+              <a:schemeClr val="dk1"/>
+            </a:fontRef>
+          </p:style>
+          <p:txBody>
+            <a:bodyPr rtlCol="0" anchor="ctr"/>
+            <a:lstStyle/>
+            <a:p>
+              <a:pPr algn="ctr"/>
+              <a:endParaRPr lang="en-US" sz="1050"/>
+            </a:p>
+          </p:txBody>
+        </p:sp>
+        <p:sp>
+          <p:nvSpPr>
+            <p:cNvPr id="87" name="TextBox 86">
+              <a:extLst>
+                <a:ext uri="{FF2B5EF4-FFF2-40B4-BE49-F238E27FC236}">
+                  <a16:creationId xmlns:a16="http://schemas.microsoft.com/office/drawing/2014/main" id="{D249F513-D882-41C2-9FE8-609F20A24AD5}"/>
+                </a:ext>
+              </a:extLst>
+            </p:cNvPr>
+            <p:cNvSpPr txBox="1"/>
+            <p:nvPr/>
+          </p:nvSpPr>
+          <p:spPr>
+            <a:xfrm>
+              <a:off x="7610715" y="1966031"/>
+              <a:ext cx="189257" cy="178683"/>
+            </a:xfrm>
+            <a:prstGeom prst="rect">
+              <a:avLst/>
+            </a:prstGeom>
+            <a:noFill/>
+          </p:spPr>
+          <p:txBody>
+            <a:bodyPr wrap="square" lIns="0" tIns="0" rIns="0" bIns="0" rtlCol="0">
+              <a:noAutofit/>
+            </a:bodyPr>
+            <a:lstStyle/>
+            <a:p>
+              <a:pPr algn="ctr"/>
+              <a:r>
+                <a:rPr lang="en-US" sz="1100" dirty="0">
+                  <a:solidFill>
+                    <a:srgbClr val="7030A0"/>
+                  </a:solidFill>
+                </a:rPr>
+                <a:t>*</a:t>
+              </a:r>
+              <a:endParaRPr lang="en-SG" sz="1100" dirty="0">
+                <a:solidFill>
+                  <a:srgbClr val="7030A0"/>
+                </a:solidFill>
+              </a:endParaRPr>
+            </a:p>
+          </p:txBody>
+        </p:sp>
+        <p:sp>
+          <p:nvSpPr>
+            <p:cNvPr id="92" name="Flowchart: Decision 96">
+              <a:extLst>
+                <a:ext uri="{FF2B5EF4-FFF2-40B4-BE49-F238E27FC236}">
+                  <a16:creationId xmlns:a16="http://schemas.microsoft.com/office/drawing/2014/main" id="{B39620A1-8FB7-4C7D-BC01-E62CF5F9D81C}"/>
+                </a:ext>
+              </a:extLst>
+            </p:cNvPr>
+            <p:cNvSpPr/>
+            <p:nvPr/>
+          </p:nvSpPr>
+          <p:spPr>
+            <a:xfrm rot="16200000">
+              <a:off x="5505173" y="1733576"/>
+              <a:ext cx="236048" cy="173380"/>
+            </a:xfrm>
+            <a:prstGeom prst="flowChartDecision">
+              <a:avLst/>
+            </a:prstGeom>
             <a:solidFill>
               <a:srgbClr val="7030A0"/>
             </a:solidFill>
-          </a:ln>
-          <a:effectLst/>
-        </p:spPr>
-        <p:style>
-          <a:lnRef idx="1">
-            <a:schemeClr val="accent6"/>
-          </a:lnRef>
-          <a:fillRef idx="2">
-            <a:schemeClr val="accent6"/>
-          </a:fillRef>
-          <a:effectRef idx="1">
-            <a:schemeClr val="accent6"/>
-          </a:effectRef>
-          <a:fontRef idx="minor">
-            <a:schemeClr val="dk1"/>
-          </a:fontRef>
-        </p:style>
-        <p:txBody>
-          <a:bodyPr rtlCol="0" anchor="ctr"/>
-          <a:lstStyle/>
-          <a:p>
-            <a:pPr algn="ctr"/>
-            <a:endParaRPr lang="en-US" sz="1050"/>
-          </a:p>
-        </p:txBody>
-      </p:sp>
-      <p:sp>
-        <p:nvSpPr>
-          <p:cNvPr id="46" name="Rectangle 8"/>
-          <p:cNvSpPr/>
-          <p:nvPr/>
-        </p:nvSpPr>
-        <p:spPr>
-          <a:xfrm>
-            <a:off x="2387181" y="2821808"/>
-            <a:ext cx="1490560" cy="334856"/>
-          </a:xfrm>
-          <a:prstGeom prst="rect">
-            <a:avLst/>
-          </a:prstGeom>
-          <a:ln w="19050">
-            <a:solidFill>
-              <a:srgbClr val="7030A0"/>
-            </a:solidFill>
-          </a:ln>
-          <a:effectLst/>
-        </p:spPr>
-        <p:style>
-          <a:lnRef idx="1">
-            <a:schemeClr val="accent4"/>
-          </a:lnRef>
-          <a:fillRef idx="2">
-            <a:schemeClr val="accent4"/>
-          </a:fillRef>
-          <a:effectRef idx="1">
-            <a:schemeClr val="accent4"/>
-          </a:effectRef>
-          <a:fontRef idx="minor">
-            <a:schemeClr val="dk1"/>
-          </a:fontRef>
-        </p:style>
-        <p:txBody>
-          <a:bodyPr rtlCol="0" anchor="ctr"/>
-          <a:lstStyle/>
-          <a:p>
-            <a:pPr algn="ctr"/>
-            <a:r>
-              <a:rPr lang="en-US" sz="1050" dirty="0" err="1">
+            <a:ln w="19050">
+              <a:solidFill>
+                <a:srgbClr val="7030A0"/>
+              </a:solidFill>
+            </a:ln>
+            <a:effectLst/>
+          </p:spPr>
+          <p:style>
+            <a:lnRef idx="1">
+              <a:schemeClr val="accent6"/>
+            </a:lnRef>
+            <a:fillRef idx="2">
+              <a:schemeClr val="accent6"/>
+            </a:fillRef>
+            <a:effectRef idx="1">
+              <a:schemeClr val="accent6"/>
+            </a:effectRef>
+            <a:fontRef idx="minor">
+              <a:schemeClr val="dk1"/>
+            </a:fontRef>
+          </p:style>
+          <p:txBody>
+            <a:bodyPr rtlCol="0" anchor="ctr"/>
+            <a:lstStyle/>
+            <a:p>
+              <a:pPr algn="ctr"/>
+              <a:endParaRPr lang="en-US" sz="1050"/>
+            </a:p>
+          </p:txBody>
+        </p:sp>
+        <p:cxnSp>
+          <p:nvCxnSpPr>
+            <p:cNvPr id="93" name="Elbow Connector 78">
+              <a:extLst>
+                <a:ext uri="{FF2B5EF4-FFF2-40B4-BE49-F238E27FC236}">
+                  <a16:creationId xmlns:a16="http://schemas.microsoft.com/office/drawing/2014/main" id="{98E6AB2E-D180-40E4-A2AA-135774F4853E}"/>
+                </a:ext>
+              </a:extLst>
+            </p:cNvPr>
+            <p:cNvCxnSpPr>
+              <a:cxnSpLocks/>
+              <a:stCxn id="92" idx="3"/>
+              <a:endCxn id="110" idx="2"/>
+            </p:cNvCxnSpPr>
+            <p:nvPr/>
+          </p:nvCxnSpPr>
+          <p:spPr>
+            <a:xfrm rot="5400000" flipH="1" flipV="1">
+              <a:off x="6178049" y="454534"/>
+              <a:ext cx="692857" cy="1802561"/>
+            </a:xfrm>
+            <a:prstGeom prst="bentConnector3">
+              <a:avLst>
+                <a:gd name="adj1" fmla="val 50000"/>
+              </a:avLst>
+            </a:prstGeom>
+            <a:ln w="19050">
+              <a:solidFill>
+                <a:srgbClr val="7030A0"/>
+              </a:solidFill>
+              <a:headEnd type="none" w="med" len="med"/>
+              <a:tailEnd type="arrow" w="med" len="med"/>
+            </a:ln>
+            <a:effectLst/>
+          </p:spPr>
+          <p:style>
+            <a:lnRef idx="1">
+              <a:schemeClr val="accent2"/>
+            </a:lnRef>
+            <a:fillRef idx="2">
+              <a:schemeClr val="accent2"/>
+            </a:fillRef>
+            <a:effectRef idx="1">
+              <a:schemeClr val="accent2"/>
+            </a:effectRef>
+            <a:fontRef idx="minor">
+              <a:schemeClr val="dk1"/>
+            </a:fontRef>
+          </p:style>
+        </p:cxnSp>
+        <p:sp>
+          <p:nvSpPr>
+            <p:cNvPr id="94" name="Rectangle 8">
+              <a:extLst>
+                <a:ext uri="{FF2B5EF4-FFF2-40B4-BE49-F238E27FC236}">
+                  <a16:creationId xmlns:a16="http://schemas.microsoft.com/office/drawing/2014/main" id="{D451DDF1-D532-4A3D-8E30-21C532C1C4CC}"/>
+                </a:ext>
+              </a:extLst>
+            </p:cNvPr>
+            <p:cNvSpPr/>
+            <p:nvPr/>
+          </p:nvSpPr>
+          <p:spPr>
+            <a:xfrm>
+              <a:off x="4572339" y="770892"/>
+              <a:ext cx="863386" cy="251279"/>
+            </a:xfrm>
+            <a:prstGeom prst="rect">
+              <a:avLst/>
+            </a:prstGeom>
+            <a:ln w="19050">
+              <a:solidFill>
+                <a:srgbClr val="7030A0"/>
+              </a:solidFill>
+            </a:ln>
+            <a:effectLst/>
+          </p:spPr>
+          <p:style>
+            <a:lnRef idx="1">
+              <a:schemeClr val="accent4"/>
+            </a:lnRef>
+            <a:fillRef idx="2">
+              <a:schemeClr val="accent4"/>
+            </a:fillRef>
+            <a:effectRef idx="1">
+              <a:schemeClr val="accent4"/>
+            </a:effectRef>
+            <a:fontRef idx="minor">
+              <a:schemeClr val="dk1"/>
+            </a:fontRef>
+          </p:style>
+          <p:txBody>
+            <a:bodyPr rtlCol="0" anchor="ctr"/>
+            <a:lstStyle/>
+            <a:p>
+              <a:pPr algn="ctr"/>
+              <a:r>
+                <a:rPr lang="en-US" sz="1050" dirty="0" err="1">
+                  <a:solidFill>
+                    <a:srgbClr val="7030A0"/>
+                  </a:solidFill>
+                </a:rPr>
+                <a:t>EventDate</a:t>
+              </a:r>
+              <a:endParaRPr lang="en-SG" sz="1050" dirty="0">
                 <a:solidFill>
                   <a:srgbClr val="7030A0"/>
                 </a:solidFill>
-              </a:rPr>
-              <a:t>VersionedAddressBook</a:t>
-            </a:r>
-            <a:endParaRPr lang="en-SG" sz="1050" dirty="0">
+              </a:endParaRPr>
+            </a:p>
+          </p:txBody>
+        </p:sp>
+        <p:cxnSp>
+          <p:nvCxnSpPr>
+            <p:cNvPr id="105" name="Elbow Connector 78">
+              <a:extLst>
+                <a:ext uri="{FF2B5EF4-FFF2-40B4-BE49-F238E27FC236}">
+                  <a16:creationId xmlns:a16="http://schemas.microsoft.com/office/drawing/2014/main" id="{8884F796-DC76-4885-B57E-B6A797E9C5D8}"/>
+                </a:ext>
+              </a:extLst>
+            </p:cNvPr>
+            <p:cNvCxnSpPr>
+              <a:cxnSpLocks/>
+              <a:stCxn id="92" idx="3"/>
+              <a:endCxn id="106" idx="2"/>
+            </p:cNvCxnSpPr>
+            <p:nvPr/>
+          </p:nvCxnSpPr>
+          <p:spPr>
+            <a:xfrm rot="5400000" flipH="1" flipV="1">
+              <a:off x="5551248" y="1081335"/>
+              <a:ext cx="692857" cy="548958"/>
+            </a:xfrm>
+            <a:prstGeom prst="bentConnector3">
+              <a:avLst>
+                <a:gd name="adj1" fmla="val 50000"/>
+              </a:avLst>
+            </a:prstGeom>
+            <a:ln w="19050">
               <a:solidFill>
                 <a:srgbClr val="7030A0"/>
               </a:solidFill>
-            </a:endParaRPr>
-          </a:p>
-        </p:txBody>
-      </p:sp>
-      <p:cxnSp>
-        <p:nvCxnSpPr>
-          <p:cNvPr id="47" name="Straight Arrow Connector 46"/>
-          <p:cNvCxnSpPr>
-            <a:stCxn id="48" idx="3"/>
-            <a:endCxn id="46" idx="1"/>
-          </p:cNvCxnSpPr>
-          <p:nvPr/>
-        </p:nvCxnSpPr>
-        <p:spPr>
-          <a:xfrm>
-            <a:off x="2186261" y="2978679"/>
-            <a:ext cx="200920" cy="10557"/>
-          </a:xfrm>
-          <a:prstGeom prst="straightConnector1">
-            <a:avLst/>
-          </a:prstGeom>
-          <a:ln w="19050">
-            <a:solidFill>
-              <a:srgbClr val="7030A0"/>
-            </a:solidFill>
-            <a:headEnd type="none" w="med" len="med"/>
-            <a:tailEnd type="arrow" w="med" len="med"/>
-          </a:ln>
-          <a:effectLst/>
-        </p:spPr>
-        <p:style>
-          <a:lnRef idx="1">
-            <a:schemeClr val="accent2"/>
-          </a:lnRef>
-          <a:fillRef idx="2">
-            <a:schemeClr val="accent2"/>
-          </a:fillRef>
-          <a:effectRef idx="1">
-            <a:schemeClr val="accent2"/>
-          </a:effectRef>
-          <a:fontRef idx="minor">
-            <a:schemeClr val="dk1"/>
-          </a:fontRef>
-        </p:style>
-      </p:cxnSp>
-      <p:sp>
-        <p:nvSpPr>
-          <p:cNvPr id="48" name="Flowchart: Decision 96"/>
-          <p:cNvSpPr/>
-          <p:nvPr/>
-        </p:nvSpPr>
-        <p:spPr>
-          <a:xfrm>
-            <a:off x="1950213" y="2891989"/>
-            <a:ext cx="236048" cy="173380"/>
-          </a:xfrm>
-          <a:prstGeom prst="flowChartDecision">
-            <a:avLst/>
-          </a:prstGeom>
-          <a:noFill/>
-          <a:ln w="19050">
-            <a:solidFill>
-              <a:srgbClr val="7030A0"/>
-            </a:solidFill>
-          </a:ln>
-          <a:effectLst/>
-        </p:spPr>
-        <p:style>
-          <a:lnRef idx="1">
-            <a:schemeClr val="accent6"/>
-          </a:lnRef>
-          <a:fillRef idx="2">
-            <a:schemeClr val="accent6"/>
-          </a:fillRef>
-          <a:effectRef idx="1">
-            <a:schemeClr val="accent6"/>
-          </a:effectRef>
-          <a:fontRef idx="minor">
-            <a:schemeClr val="dk1"/>
-          </a:fontRef>
-        </p:style>
-        <p:txBody>
-          <a:bodyPr rtlCol="0" anchor="ctr"/>
-          <a:lstStyle/>
-          <a:p>
-            <a:pPr algn="ctr"/>
-            <a:endParaRPr lang="en-US" sz="1050"/>
-          </a:p>
-        </p:txBody>
-      </p:sp>
-      <p:sp>
-        <p:nvSpPr>
-          <p:cNvPr id="49" name="Rectangle 8"/>
-          <p:cNvSpPr/>
-          <p:nvPr/>
-        </p:nvSpPr>
-        <p:spPr>
-          <a:xfrm>
-            <a:off x="4254551" y="2821808"/>
-            <a:ext cx="1156969" cy="346760"/>
-          </a:xfrm>
-          <a:prstGeom prst="rect">
-            <a:avLst/>
-          </a:prstGeom>
-          <a:ln w="19050">
-            <a:solidFill>
-              <a:srgbClr val="7030A0"/>
-            </a:solidFill>
-          </a:ln>
-          <a:effectLst/>
-        </p:spPr>
-        <p:style>
-          <a:lnRef idx="1">
-            <a:schemeClr val="accent4"/>
-          </a:lnRef>
-          <a:fillRef idx="2">
-            <a:schemeClr val="accent4"/>
-          </a:fillRef>
-          <a:effectRef idx="1">
-            <a:schemeClr val="accent4"/>
-          </a:effectRef>
-          <a:fontRef idx="minor">
-            <a:schemeClr val="dk1"/>
-          </a:fontRef>
-        </p:style>
-        <p:txBody>
-          <a:bodyPr rtlCol="0" anchor="ctr"/>
-          <a:lstStyle/>
-          <a:p>
-            <a:pPr algn="ctr"/>
-            <a:r>
-              <a:rPr lang="en-US" sz="1050" dirty="0" err="1">
+              <a:headEnd type="none" w="med" len="med"/>
+              <a:tailEnd type="arrow" w="med" len="med"/>
+            </a:ln>
+            <a:effectLst/>
+          </p:spPr>
+          <p:style>
+            <a:lnRef idx="1">
+              <a:schemeClr val="accent2"/>
+            </a:lnRef>
+            <a:fillRef idx="2">
+              <a:schemeClr val="accent2"/>
+            </a:fillRef>
+            <a:effectRef idx="1">
+              <a:schemeClr val="accent2"/>
+            </a:effectRef>
+            <a:fontRef idx="minor">
+              <a:schemeClr val="dk1"/>
+            </a:fontRef>
+          </p:style>
+        </p:cxnSp>
+        <p:sp>
+          <p:nvSpPr>
+            <p:cNvPr id="106" name="Rectangle 8">
+              <a:extLst>
+                <a:ext uri="{FF2B5EF4-FFF2-40B4-BE49-F238E27FC236}">
+                  <a16:creationId xmlns:a16="http://schemas.microsoft.com/office/drawing/2014/main" id="{71E27C50-38BC-458C-826E-0083DC999D71}"/>
+                </a:ext>
+              </a:extLst>
+            </p:cNvPr>
+            <p:cNvSpPr/>
+            <p:nvPr/>
+          </p:nvSpPr>
+          <p:spPr>
+            <a:xfrm>
+              <a:off x="5740462" y="758106"/>
+              <a:ext cx="863386" cy="251279"/>
+            </a:xfrm>
+            <a:prstGeom prst="rect">
+              <a:avLst/>
+            </a:prstGeom>
+            <a:ln w="19050">
+              <a:solidFill>
+                <a:srgbClr val="7030A0"/>
+              </a:solidFill>
+            </a:ln>
+            <a:effectLst/>
+          </p:spPr>
+          <p:style>
+            <a:lnRef idx="1">
+              <a:schemeClr val="accent4"/>
+            </a:lnRef>
+            <a:fillRef idx="2">
+              <a:schemeClr val="accent4"/>
+            </a:fillRef>
+            <a:effectRef idx="1">
+              <a:schemeClr val="accent4"/>
+            </a:effectRef>
+            <a:fontRef idx="minor">
+              <a:schemeClr val="dk1"/>
+            </a:fontRef>
+          </p:style>
+          <p:txBody>
+            <a:bodyPr rtlCol="0" anchor="ctr"/>
+            <a:lstStyle/>
+            <a:p>
+              <a:pPr algn="ctr"/>
+              <a:r>
+                <a:rPr lang="en-US" sz="1050" dirty="0" err="1">
+                  <a:solidFill>
+                    <a:srgbClr val="7030A0"/>
+                  </a:solidFill>
+                </a:rPr>
+                <a:t>EventVenue</a:t>
+              </a:r>
+              <a:endParaRPr lang="en-SG" sz="1050" dirty="0">
                 <a:solidFill>
                   <a:srgbClr val="7030A0"/>
                 </a:solidFill>
-              </a:rPr>
-              <a:t>UniquePersonList</a:t>
-            </a:r>
-            <a:endParaRPr lang="en-SG" sz="1050" dirty="0">
+              </a:endParaRPr>
+            </a:p>
+          </p:txBody>
+        </p:sp>
+        <p:cxnSp>
+          <p:nvCxnSpPr>
+            <p:cNvPr id="109" name="Elbow Connector 78">
+              <a:extLst>
+                <a:ext uri="{FF2B5EF4-FFF2-40B4-BE49-F238E27FC236}">
+                  <a16:creationId xmlns:a16="http://schemas.microsoft.com/office/drawing/2014/main" id="{47D48B73-D963-4D0F-A750-FB875F5D98ED}"/>
+                </a:ext>
+              </a:extLst>
+            </p:cNvPr>
+            <p:cNvCxnSpPr>
+              <a:cxnSpLocks/>
+              <a:stCxn id="92" idx="3"/>
+              <a:endCxn id="72" idx="2"/>
+            </p:cNvCxnSpPr>
+            <p:nvPr/>
+          </p:nvCxnSpPr>
+          <p:spPr>
+            <a:xfrm rot="16200000" flipV="1">
+              <a:off x="4401677" y="480721"/>
+              <a:ext cx="692857" cy="1750185"/>
+            </a:xfrm>
+            <a:prstGeom prst="bentConnector3">
+              <a:avLst>
+                <a:gd name="adj1" fmla="val 50000"/>
+              </a:avLst>
+            </a:prstGeom>
+            <a:ln w="19050">
               <a:solidFill>
                 <a:srgbClr val="7030A0"/>
               </a:solidFill>
-            </a:endParaRPr>
-          </a:p>
-        </p:txBody>
-      </p:sp>
-      <p:sp>
-        <p:nvSpPr>
-          <p:cNvPr id="51" name="Flowchart: Decision 96"/>
-          <p:cNvSpPr/>
-          <p:nvPr/>
-        </p:nvSpPr>
-        <p:spPr>
-          <a:xfrm>
-            <a:off x="3886873" y="2896178"/>
-            <a:ext cx="236048" cy="173380"/>
-          </a:xfrm>
-          <a:prstGeom prst="flowChartDecision">
-            <a:avLst/>
-          </a:prstGeom>
-          <a:solidFill>
-            <a:srgbClr val="7030A0"/>
-          </a:solidFill>
-          <a:ln w="19050">
-            <a:solidFill>
-              <a:srgbClr val="7030A0"/>
-            </a:solidFill>
-          </a:ln>
-          <a:effectLst/>
-        </p:spPr>
-        <p:style>
-          <a:lnRef idx="1">
-            <a:schemeClr val="accent6"/>
-          </a:lnRef>
-          <a:fillRef idx="2">
-            <a:schemeClr val="accent6"/>
-          </a:fillRef>
-          <a:effectRef idx="1">
-            <a:schemeClr val="accent6"/>
-          </a:effectRef>
-          <a:fontRef idx="minor">
-            <a:schemeClr val="dk1"/>
-          </a:fontRef>
-        </p:style>
-        <p:txBody>
-          <a:bodyPr rtlCol="0" anchor="ctr"/>
-          <a:lstStyle/>
-          <a:p>
-            <a:pPr algn="ctr"/>
-            <a:endParaRPr lang="en-US" sz="1050"/>
-          </a:p>
-        </p:txBody>
-      </p:sp>
-      <p:sp>
-        <p:nvSpPr>
-          <p:cNvPr id="62" name="Rectangle 8"/>
-          <p:cNvSpPr/>
-          <p:nvPr/>
-        </p:nvSpPr>
-        <p:spPr>
-          <a:xfrm>
-            <a:off x="5875578" y="2833712"/>
-            <a:ext cx="708186" cy="346760"/>
-          </a:xfrm>
-          <a:prstGeom prst="rect">
-            <a:avLst/>
-          </a:prstGeom>
-          <a:ln w="19050">
-            <a:solidFill>
-              <a:srgbClr val="7030A0"/>
-            </a:solidFill>
-          </a:ln>
-          <a:effectLst/>
-        </p:spPr>
-        <p:style>
-          <a:lnRef idx="1">
-            <a:schemeClr val="accent4"/>
-          </a:lnRef>
-          <a:fillRef idx="2">
-            <a:schemeClr val="accent4"/>
-          </a:fillRef>
-          <a:effectRef idx="1">
-            <a:schemeClr val="accent4"/>
-          </a:effectRef>
-          <a:fontRef idx="minor">
-            <a:schemeClr val="dk1"/>
-          </a:fontRef>
-        </p:style>
-        <p:txBody>
-          <a:bodyPr rtlCol="0" anchor="ctr"/>
-          <a:lstStyle/>
-          <a:p>
-            <a:pPr algn="ctr"/>
-            <a:r>
-              <a:rPr lang="en-US" sz="1050" dirty="0">
+              <a:headEnd type="none" w="med" len="med"/>
+              <a:tailEnd type="arrow" w="med" len="med"/>
+            </a:ln>
+            <a:effectLst/>
+          </p:spPr>
+          <p:style>
+            <a:lnRef idx="1">
+              <a:schemeClr val="accent2"/>
+            </a:lnRef>
+            <a:fillRef idx="2">
+              <a:schemeClr val="accent2"/>
+            </a:fillRef>
+            <a:effectRef idx="1">
+              <a:schemeClr val="accent2"/>
+            </a:effectRef>
+            <a:fontRef idx="minor">
+              <a:schemeClr val="dk1"/>
+            </a:fontRef>
+          </p:style>
+        </p:cxnSp>
+        <p:sp>
+          <p:nvSpPr>
+            <p:cNvPr id="110" name="Rectangle 8">
+              <a:extLst>
+                <a:ext uri="{FF2B5EF4-FFF2-40B4-BE49-F238E27FC236}">
+                  <a16:creationId xmlns:a16="http://schemas.microsoft.com/office/drawing/2014/main" id="{C95B48A1-8A5B-469C-AFA7-B11F77DAB484}"/>
+                </a:ext>
+              </a:extLst>
+            </p:cNvPr>
+            <p:cNvSpPr/>
+            <p:nvPr/>
+          </p:nvSpPr>
+          <p:spPr>
+            <a:xfrm>
+              <a:off x="6869032" y="758107"/>
+              <a:ext cx="1113452" cy="251278"/>
+            </a:xfrm>
+            <a:prstGeom prst="rect">
+              <a:avLst/>
+            </a:prstGeom>
+            <a:ln w="19050">
+              <a:solidFill>
+                <a:srgbClr val="7030A0"/>
+              </a:solidFill>
+            </a:ln>
+            <a:effectLst/>
+          </p:spPr>
+          <p:style>
+            <a:lnRef idx="1">
+              <a:schemeClr val="accent4"/>
+            </a:lnRef>
+            <a:fillRef idx="2">
+              <a:schemeClr val="accent4"/>
+            </a:fillRef>
+            <a:effectRef idx="1">
+              <a:schemeClr val="accent4"/>
+            </a:effectRef>
+            <a:fontRef idx="minor">
+              <a:schemeClr val="dk1"/>
+            </a:fontRef>
+          </p:style>
+          <p:txBody>
+            <a:bodyPr rtlCol="0" anchor="ctr"/>
+            <a:lstStyle/>
+            <a:p>
+              <a:pPr algn="ctr"/>
+              <a:r>
+                <a:rPr lang="en-US" sz="1050" dirty="0" err="1">
+                  <a:solidFill>
+                    <a:srgbClr val="7030A0"/>
+                  </a:solidFill>
+                </a:rPr>
+                <a:t>EventStartTime</a:t>
+              </a:r>
+              <a:endParaRPr lang="en-SG" sz="1050" dirty="0">
                 <a:solidFill>
                   <a:srgbClr val="7030A0"/>
                 </a:solidFill>
-              </a:rPr>
-              <a:t>Person</a:t>
-            </a:r>
-            <a:endParaRPr lang="en-SG" sz="1050" dirty="0">
+              </a:endParaRPr>
+            </a:p>
+          </p:txBody>
+        </p:sp>
+        <p:cxnSp>
+          <p:nvCxnSpPr>
+            <p:cNvPr id="121" name="Elbow Connector 78">
+              <a:extLst>
+                <a:ext uri="{FF2B5EF4-FFF2-40B4-BE49-F238E27FC236}">
+                  <a16:creationId xmlns:a16="http://schemas.microsoft.com/office/drawing/2014/main" id="{E68A79CC-F66C-45A6-8338-FC7708525D4F}"/>
+                </a:ext>
+              </a:extLst>
+            </p:cNvPr>
+            <p:cNvCxnSpPr>
+              <a:cxnSpLocks/>
+              <a:stCxn id="92" idx="3"/>
+              <a:endCxn id="94" idx="2"/>
+            </p:cNvCxnSpPr>
+            <p:nvPr/>
+          </p:nvCxnSpPr>
+          <p:spPr>
+            <a:xfrm rot="16200000" flipV="1">
+              <a:off x="4973580" y="1052624"/>
+              <a:ext cx="680071" cy="619165"/>
+            </a:xfrm>
+            <a:prstGeom prst="bentConnector3">
+              <a:avLst>
+                <a:gd name="adj1" fmla="val 50000"/>
+              </a:avLst>
+            </a:prstGeom>
+            <a:ln w="19050">
               <a:solidFill>
                 <a:srgbClr val="7030A0"/>
               </a:solidFill>
-            </a:endParaRPr>
-          </a:p>
-        </p:txBody>
-      </p:sp>
-      <p:sp>
-        <p:nvSpPr>
-          <p:cNvPr id="63" name="Flowchart: Decision 96"/>
-          <p:cNvSpPr/>
-          <p:nvPr/>
-        </p:nvSpPr>
-        <p:spPr>
-          <a:xfrm>
-            <a:off x="5420652" y="2917322"/>
-            <a:ext cx="236048" cy="173380"/>
-          </a:xfrm>
-          <a:prstGeom prst="flowChartDecision">
-            <a:avLst/>
-          </a:prstGeom>
-          <a:noFill/>
-          <a:ln w="19050">
-            <a:solidFill>
-              <a:srgbClr val="7030A0"/>
-            </a:solidFill>
-          </a:ln>
-          <a:effectLst/>
-        </p:spPr>
-        <p:style>
-          <a:lnRef idx="1">
-            <a:schemeClr val="accent6"/>
-          </a:lnRef>
-          <a:fillRef idx="2">
-            <a:schemeClr val="accent6"/>
-          </a:fillRef>
-          <a:effectRef idx="1">
-            <a:schemeClr val="accent6"/>
-          </a:effectRef>
-          <a:fontRef idx="minor">
-            <a:schemeClr val="dk1"/>
-          </a:fontRef>
-        </p:style>
-        <p:txBody>
-          <a:bodyPr rtlCol="0" anchor="ctr"/>
-          <a:lstStyle/>
-          <a:p>
-            <a:pPr algn="ctr"/>
-            <a:endParaRPr lang="en-US" sz="1050"/>
-          </a:p>
-        </p:txBody>
-      </p:sp>
-      <p:cxnSp>
-        <p:nvCxnSpPr>
-          <p:cNvPr id="64" name="Elbow Connector 63"/>
-          <p:cNvCxnSpPr>
-            <a:stCxn id="63" idx="3"/>
-            <a:endCxn id="62" idx="1"/>
-          </p:cNvCxnSpPr>
-          <p:nvPr/>
-        </p:nvCxnSpPr>
-        <p:spPr>
-          <a:xfrm>
-            <a:off x="5656700" y="3004012"/>
-            <a:ext cx="218878" cy="3080"/>
-          </a:xfrm>
-          <a:prstGeom prst="bentConnector3">
-            <a:avLst/>
-          </a:prstGeom>
-          <a:ln w="19050">
-            <a:solidFill>
-              <a:srgbClr val="7030A0"/>
-            </a:solidFill>
-            <a:headEnd type="none" w="med" len="med"/>
-            <a:tailEnd type="arrow" w="med" len="med"/>
-          </a:ln>
-          <a:effectLst/>
-        </p:spPr>
-        <p:style>
-          <a:lnRef idx="1">
-            <a:schemeClr val="accent2"/>
-          </a:lnRef>
-          <a:fillRef idx="2">
-            <a:schemeClr val="accent2"/>
-          </a:fillRef>
-          <a:effectRef idx="1">
-            <a:schemeClr val="accent2"/>
-          </a:effectRef>
-          <a:fontRef idx="minor">
-            <a:schemeClr val="dk1"/>
-          </a:fontRef>
-        </p:style>
-      </p:cxnSp>
-      <p:sp>
-        <p:nvSpPr>
-          <p:cNvPr id="76" name="Rectangle 8"/>
-          <p:cNvSpPr/>
-          <p:nvPr/>
-        </p:nvSpPr>
-        <p:spPr>
-          <a:xfrm>
-            <a:off x="7274298" y="2539884"/>
-            <a:ext cx="708186" cy="285783"/>
-          </a:xfrm>
-          <a:prstGeom prst="rect">
-            <a:avLst/>
-          </a:prstGeom>
-          <a:ln w="19050">
-            <a:solidFill>
-              <a:srgbClr val="7030A0"/>
-            </a:solidFill>
-          </a:ln>
-          <a:effectLst/>
-        </p:spPr>
-        <p:style>
-          <a:lnRef idx="1">
-            <a:schemeClr val="accent4"/>
-          </a:lnRef>
-          <a:fillRef idx="2">
-            <a:schemeClr val="accent4"/>
-          </a:fillRef>
-          <a:effectRef idx="1">
-            <a:schemeClr val="accent4"/>
-          </a:effectRef>
-          <a:fontRef idx="minor">
-            <a:schemeClr val="dk1"/>
-          </a:fontRef>
-        </p:style>
-        <p:txBody>
-          <a:bodyPr rtlCol="0" anchor="ctr"/>
-          <a:lstStyle/>
-          <a:p>
-            <a:pPr algn="ctr"/>
-            <a:r>
-              <a:rPr lang="en-US" sz="1050" dirty="0">
-                <a:solidFill>
-                  <a:srgbClr val="7030A0"/>
-                </a:solidFill>
-              </a:rPr>
-              <a:t>Name</a:t>
-            </a:r>
-            <a:endParaRPr lang="en-SG" sz="1050" dirty="0">
-              <a:solidFill>
-                <a:srgbClr val="7030A0"/>
-              </a:solidFill>
-            </a:endParaRPr>
-          </a:p>
-        </p:txBody>
-      </p:sp>
-      <p:sp>
-        <p:nvSpPr>
-          <p:cNvPr id="78" name="Flowchart: Decision 96"/>
-          <p:cNvSpPr/>
-          <p:nvPr/>
-        </p:nvSpPr>
-        <p:spPr>
-          <a:xfrm>
-            <a:off x="6603848" y="2923847"/>
-            <a:ext cx="236048" cy="173380"/>
-          </a:xfrm>
-          <a:prstGeom prst="flowChartDecision">
-            <a:avLst/>
-          </a:prstGeom>
-          <a:solidFill>
-            <a:srgbClr val="7030A0"/>
-          </a:solidFill>
-          <a:ln w="19050">
-            <a:solidFill>
-              <a:srgbClr val="7030A0"/>
-            </a:solidFill>
-          </a:ln>
-          <a:effectLst/>
-        </p:spPr>
-        <p:style>
-          <a:lnRef idx="1">
-            <a:schemeClr val="accent6"/>
-          </a:lnRef>
-          <a:fillRef idx="2">
-            <a:schemeClr val="accent6"/>
-          </a:fillRef>
-          <a:effectRef idx="1">
-            <a:schemeClr val="accent6"/>
-          </a:effectRef>
-          <a:fontRef idx="minor">
-            <a:schemeClr val="dk1"/>
-          </a:fontRef>
-        </p:style>
-        <p:txBody>
-          <a:bodyPr rtlCol="0" anchor="ctr"/>
-          <a:lstStyle/>
-          <a:p>
-            <a:pPr algn="ctr"/>
-            <a:endParaRPr lang="en-US" sz="1050"/>
-          </a:p>
-        </p:txBody>
-      </p:sp>
-      <p:cxnSp>
-        <p:nvCxnSpPr>
-          <p:cNvPr id="79" name="Elbow Connector 78"/>
-          <p:cNvCxnSpPr>
-            <a:cxnSpLocks/>
-          </p:cNvCxnSpPr>
-          <p:nvPr/>
-        </p:nvCxnSpPr>
-        <p:spPr>
-          <a:xfrm flipV="1">
-            <a:off x="6839896" y="2682467"/>
-            <a:ext cx="434402" cy="327761"/>
-          </a:xfrm>
-          <a:prstGeom prst="bentConnector3">
-            <a:avLst/>
-          </a:prstGeom>
-          <a:ln w="19050">
-            <a:solidFill>
-              <a:srgbClr val="7030A0"/>
-            </a:solidFill>
-            <a:headEnd type="none" w="med" len="med"/>
-            <a:tailEnd type="arrow" w="med" len="med"/>
-          </a:ln>
-          <a:effectLst/>
-        </p:spPr>
-        <p:style>
-          <a:lnRef idx="1">
-            <a:schemeClr val="accent2"/>
-          </a:lnRef>
-          <a:fillRef idx="2">
-            <a:schemeClr val="accent2"/>
-          </a:fillRef>
-          <a:effectRef idx="1">
-            <a:schemeClr val="accent2"/>
-          </a:effectRef>
-          <a:fontRef idx="minor">
-            <a:schemeClr val="dk1"/>
-          </a:fontRef>
-        </p:style>
-      </p:cxnSp>
-      <p:sp>
-        <p:nvSpPr>
-          <p:cNvPr id="80" name="Rectangle 8"/>
-          <p:cNvSpPr/>
-          <p:nvPr/>
-        </p:nvSpPr>
-        <p:spPr>
-          <a:xfrm>
-            <a:off x="7274298" y="2862862"/>
-            <a:ext cx="708186" cy="285783"/>
-          </a:xfrm>
-          <a:prstGeom prst="rect">
-            <a:avLst/>
-          </a:prstGeom>
-          <a:ln w="19050">
-            <a:solidFill>
-              <a:srgbClr val="7030A0"/>
-            </a:solidFill>
-          </a:ln>
-          <a:effectLst/>
-        </p:spPr>
-        <p:style>
-          <a:lnRef idx="1">
-            <a:schemeClr val="accent4"/>
-          </a:lnRef>
-          <a:fillRef idx="2">
-            <a:schemeClr val="accent4"/>
-          </a:fillRef>
-          <a:effectRef idx="1">
-            <a:schemeClr val="accent4"/>
-          </a:effectRef>
-          <a:fontRef idx="minor">
-            <a:schemeClr val="dk1"/>
-          </a:fontRef>
-        </p:style>
-        <p:txBody>
-          <a:bodyPr rtlCol="0" anchor="ctr"/>
-          <a:lstStyle/>
-          <a:p>
-            <a:pPr algn="ctr"/>
-            <a:r>
-              <a:rPr lang="en-US" sz="1050" dirty="0">
-                <a:solidFill>
-                  <a:srgbClr val="7030A0"/>
-                </a:solidFill>
-              </a:rPr>
-              <a:t>Phone</a:t>
-            </a:r>
-            <a:endParaRPr lang="en-SG" sz="1050" dirty="0">
-              <a:solidFill>
-                <a:srgbClr val="7030A0"/>
-              </a:solidFill>
-            </a:endParaRPr>
-          </a:p>
-        </p:txBody>
-      </p:sp>
-      <p:cxnSp>
-        <p:nvCxnSpPr>
-          <p:cNvPr id="81" name="Elbow Connector 80"/>
-          <p:cNvCxnSpPr>
-            <a:stCxn id="78" idx="3"/>
-            <a:endCxn id="80" idx="1"/>
-          </p:cNvCxnSpPr>
-          <p:nvPr/>
-        </p:nvCxnSpPr>
-        <p:spPr>
-          <a:xfrm flipV="1">
-            <a:off x="6839896" y="3005754"/>
-            <a:ext cx="434402" cy="4783"/>
-          </a:xfrm>
-          <a:prstGeom prst="bentConnector3">
-            <a:avLst/>
-          </a:prstGeom>
-          <a:ln w="19050">
-            <a:solidFill>
-              <a:srgbClr val="7030A0"/>
-            </a:solidFill>
-            <a:headEnd type="none" w="med" len="med"/>
-            <a:tailEnd type="arrow" w="med" len="med"/>
-          </a:ln>
-          <a:effectLst/>
-        </p:spPr>
-        <p:style>
-          <a:lnRef idx="1">
-            <a:schemeClr val="accent2"/>
-          </a:lnRef>
-          <a:fillRef idx="2">
-            <a:schemeClr val="accent2"/>
-          </a:fillRef>
-          <a:effectRef idx="1">
-            <a:schemeClr val="accent2"/>
-          </a:effectRef>
-          <a:fontRef idx="minor">
-            <a:schemeClr val="dk1"/>
-          </a:fontRef>
-        </p:style>
-      </p:cxnSp>
-      <p:sp>
-        <p:nvSpPr>
-          <p:cNvPr id="83" name="Rectangle 8"/>
-          <p:cNvSpPr/>
-          <p:nvPr/>
-        </p:nvSpPr>
-        <p:spPr>
-          <a:xfrm>
-            <a:off x="7274298" y="3185840"/>
-            <a:ext cx="708186" cy="285783"/>
-          </a:xfrm>
-          <a:prstGeom prst="rect">
-            <a:avLst/>
-          </a:prstGeom>
-          <a:ln w="19050">
-            <a:solidFill>
-              <a:srgbClr val="7030A0"/>
-            </a:solidFill>
-          </a:ln>
-          <a:effectLst/>
-        </p:spPr>
-        <p:style>
-          <a:lnRef idx="1">
-            <a:schemeClr val="accent4"/>
-          </a:lnRef>
-          <a:fillRef idx="2">
-            <a:schemeClr val="accent4"/>
-          </a:fillRef>
-          <a:effectRef idx="1">
-            <a:schemeClr val="accent4"/>
-          </a:effectRef>
-          <a:fontRef idx="minor">
-            <a:schemeClr val="dk1"/>
-          </a:fontRef>
-        </p:style>
-        <p:txBody>
-          <a:bodyPr rtlCol="0" anchor="ctr"/>
-          <a:lstStyle/>
-          <a:p>
-            <a:pPr algn="ctr"/>
-            <a:r>
-              <a:rPr lang="en-US" sz="1050" dirty="0">
-                <a:solidFill>
-                  <a:srgbClr val="7030A0"/>
-                </a:solidFill>
-              </a:rPr>
-              <a:t>Email</a:t>
-            </a:r>
-            <a:endParaRPr lang="en-SG" sz="1050" dirty="0">
-              <a:solidFill>
-                <a:srgbClr val="7030A0"/>
-              </a:solidFill>
-            </a:endParaRPr>
-          </a:p>
-        </p:txBody>
-      </p:sp>
-      <p:cxnSp>
-        <p:nvCxnSpPr>
-          <p:cNvPr id="84" name="Elbow Connector 83"/>
-          <p:cNvCxnSpPr>
-            <a:stCxn id="78" idx="3"/>
-            <a:endCxn id="83" idx="1"/>
-          </p:cNvCxnSpPr>
-          <p:nvPr/>
-        </p:nvCxnSpPr>
-        <p:spPr>
-          <a:xfrm>
-            <a:off x="6839896" y="3010537"/>
-            <a:ext cx="434402" cy="318195"/>
-          </a:xfrm>
-          <a:prstGeom prst="bentConnector3">
-            <a:avLst/>
-          </a:prstGeom>
-          <a:ln w="19050">
-            <a:solidFill>
-              <a:srgbClr val="7030A0"/>
-            </a:solidFill>
-            <a:headEnd type="none" w="med" len="med"/>
-            <a:tailEnd type="arrow" w="med" len="med"/>
-          </a:ln>
-          <a:effectLst/>
-        </p:spPr>
-        <p:style>
-          <a:lnRef idx="1">
-            <a:schemeClr val="accent2"/>
-          </a:lnRef>
-          <a:fillRef idx="2">
-            <a:schemeClr val="accent2"/>
-          </a:fillRef>
-          <a:effectRef idx="1">
-            <a:schemeClr val="accent2"/>
-          </a:effectRef>
-          <a:fontRef idx="minor">
-            <a:schemeClr val="dk1"/>
-          </a:fontRef>
-        </p:style>
-      </p:cxnSp>
-      <p:sp>
-        <p:nvSpPr>
-          <p:cNvPr id="85" name="Rectangle 8"/>
-          <p:cNvSpPr/>
-          <p:nvPr/>
-        </p:nvSpPr>
-        <p:spPr>
-          <a:xfrm>
-            <a:off x="7274298" y="3508817"/>
-            <a:ext cx="708186" cy="285783"/>
-          </a:xfrm>
-          <a:prstGeom prst="rect">
-            <a:avLst/>
-          </a:prstGeom>
-          <a:ln w="19050">
-            <a:solidFill>
-              <a:srgbClr val="7030A0"/>
-            </a:solidFill>
-          </a:ln>
-          <a:effectLst/>
-        </p:spPr>
-        <p:style>
-          <a:lnRef idx="1">
-            <a:schemeClr val="accent4"/>
-          </a:lnRef>
-          <a:fillRef idx="2">
-            <a:schemeClr val="accent4"/>
-          </a:fillRef>
-          <a:effectRef idx="1">
-            <a:schemeClr val="accent4"/>
-          </a:effectRef>
-          <a:fontRef idx="minor">
-            <a:schemeClr val="dk1"/>
-          </a:fontRef>
-        </p:style>
-        <p:txBody>
-          <a:bodyPr rtlCol="0" anchor="ctr"/>
-          <a:lstStyle/>
-          <a:p>
-            <a:pPr algn="ctr"/>
-            <a:r>
-              <a:rPr lang="en-US" sz="1050" dirty="0">
-                <a:solidFill>
-                  <a:srgbClr val="7030A0"/>
-                </a:solidFill>
-              </a:rPr>
-              <a:t>Address</a:t>
-            </a:r>
-            <a:endParaRPr lang="en-SG" sz="1050" dirty="0">
-              <a:solidFill>
-                <a:srgbClr val="7030A0"/>
-              </a:solidFill>
-            </a:endParaRPr>
-          </a:p>
-        </p:txBody>
-      </p:sp>
-      <p:cxnSp>
-        <p:nvCxnSpPr>
-          <p:cNvPr id="86" name="Elbow Connector 85"/>
-          <p:cNvCxnSpPr>
-            <a:stCxn id="78" idx="3"/>
-            <a:endCxn id="85" idx="1"/>
-          </p:cNvCxnSpPr>
-          <p:nvPr/>
-        </p:nvCxnSpPr>
-        <p:spPr>
-          <a:xfrm>
-            <a:off x="6839896" y="3010537"/>
-            <a:ext cx="434402" cy="641172"/>
-          </a:xfrm>
-          <a:prstGeom prst="bentConnector3">
-            <a:avLst/>
-          </a:prstGeom>
-          <a:ln w="19050">
-            <a:solidFill>
-              <a:srgbClr val="7030A0"/>
-            </a:solidFill>
-            <a:headEnd type="none" w="med" len="med"/>
-            <a:tailEnd type="arrow" w="med" len="med"/>
-          </a:ln>
-          <a:effectLst/>
-        </p:spPr>
-        <p:style>
-          <a:lnRef idx="1">
-            <a:schemeClr val="accent2"/>
-          </a:lnRef>
-          <a:fillRef idx="2">
-            <a:schemeClr val="accent2"/>
-          </a:fillRef>
-          <a:effectRef idx="1">
-            <a:schemeClr val="accent2"/>
-          </a:effectRef>
-          <a:fontRef idx="minor">
-            <a:schemeClr val="dk1"/>
-          </a:fontRef>
-        </p:style>
-      </p:cxnSp>
-      <p:cxnSp>
-        <p:nvCxnSpPr>
-          <p:cNvPr id="97" name="Elbow Connector 63"/>
-          <p:cNvCxnSpPr>
-            <a:stCxn id="99" idx="3"/>
-          </p:cNvCxnSpPr>
-          <p:nvPr/>
-        </p:nvCxnSpPr>
-        <p:spPr>
-          <a:xfrm rot="5400000">
-            <a:off x="3115512" y="2663205"/>
-            <a:ext cx="293825" cy="5938"/>
-          </a:xfrm>
-          <a:prstGeom prst="bentConnector3">
-            <a:avLst>
-              <a:gd name="adj1" fmla="val 50000"/>
-            </a:avLst>
-          </a:prstGeom>
-          <a:ln w="19050">
-            <a:solidFill>
-              <a:srgbClr val="7030A0"/>
-            </a:solidFill>
-            <a:prstDash val="sysDot"/>
-            <a:headEnd type="none" w="med" len="med"/>
-            <a:tailEnd type="none" w="med" len="med"/>
-          </a:ln>
-          <a:effectLst/>
-        </p:spPr>
-        <p:style>
-          <a:lnRef idx="1">
-            <a:schemeClr val="accent2"/>
-          </a:lnRef>
-          <a:fillRef idx="2">
-            <a:schemeClr val="accent2"/>
-          </a:fillRef>
-          <a:effectRef idx="1">
-            <a:schemeClr val="accent2"/>
-          </a:effectRef>
-          <a:fontRef idx="minor">
-            <a:schemeClr val="dk1"/>
-          </a:fontRef>
-        </p:style>
-      </p:cxnSp>
-      <p:sp>
-        <p:nvSpPr>
-          <p:cNvPr id="99" name="Isosceles Triangle 102"/>
-          <p:cNvSpPr/>
-          <p:nvPr/>
-        </p:nvSpPr>
-        <p:spPr>
-          <a:xfrm rot="10800000" flipV="1">
-            <a:off x="3124200" y="2362200"/>
-            <a:ext cx="282387" cy="157062"/>
-          </a:xfrm>
-          <a:prstGeom prst="triangle">
-            <a:avLst/>
-          </a:prstGeom>
-          <a:ln w="19050">
-            <a:solidFill>
-              <a:srgbClr val="7030A0"/>
-            </a:solidFill>
-          </a:ln>
-          <a:effectLst/>
-        </p:spPr>
-        <p:style>
-          <a:lnRef idx="1">
-            <a:schemeClr val="accent4"/>
-          </a:lnRef>
-          <a:fillRef idx="2">
-            <a:schemeClr val="accent4"/>
-          </a:fillRef>
-          <a:effectRef idx="1">
-            <a:schemeClr val="accent4"/>
-          </a:effectRef>
-          <a:fontRef idx="minor">
-            <a:schemeClr val="dk1"/>
-          </a:fontRef>
-        </p:style>
-        <p:txBody>
-          <a:bodyPr rtlCol="0" anchor="ctr"/>
-          <a:lstStyle/>
-          <a:p>
-            <a:pPr algn="ctr"/>
-            <a:endParaRPr lang="en-SG" sz="1050" b="1">
-              <a:solidFill>
-                <a:srgbClr val="92D050"/>
-              </a:solidFill>
-            </a:endParaRPr>
-          </a:p>
-        </p:txBody>
-      </p:sp>
-      <p:sp>
-        <p:nvSpPr>
-          <p:cNvPr id="100" name="Rectangle 8"/>
-          <p:cNvSpPr/>
-          <p:nvPr/>
-        </p:nvSpPr>
-        <p:spPr>
-          <a:xfrm>
-            <a:off x="822823" y="1973996"/>
-            <a:ext cx="1443661" cy="364396"/>
-          </a:xfrm>
-          <a:prstGeom prst="rect">
-            <a:avLst/>
-          </a:prstGeom>
-          <a:ln w="19050">
-            <a:solidFill>
-              <a:srgbClr val="7030A0"/>
-            </a:solidFill>
-          </a:ln>
-          <a:effectLst/>
-        </p:spPr>
-        <p:style>
-          <a:lnRef idx="1">
-            <a:schemeClr val="accent4"/>
-          </a:lnRef>
-          <a:fillRef idx="2">
-            <a:schemeClr val="accent4"/>
-          </a:fillRef>
-          <a:effectRef idx="1">
-            <a:schemeClr val="accent4"/>
-          </a:effectRef>
-          <a:fontRef idx="minor">
-            <a:schemeClr val="dk1"/>
-          </a:fontRef>
-        </p:style>
-        <p:txBody>
-          <a:bodyPr rtlCol="0" anchor="ctr"/>
-          <a:lstStyle/>
-          <a:p>
-            <a:pPr algn="ctr"/>
-            <a:r>
-              <a:rPr lang="en-US" sz="1050" dirty="0">
-                <a:solidFill>
-                  <a:srgbClr val="7030A0"/>
-                </a:solidFill>
-              </a:rPr>
-              <a:t>&lt;&lt;interface&gt;&gt;</a:t>
-            </a:r>
-            <a:br>
-              <a:rPr lang="en-US" sz="1050" dirty="0">
-                <a:solidFill>
-                  <a:srgbClr val="7030A0"/>
-                </a:solidFill>
-              </a:rPr>
-            </a:br>
-            <a:r>
-              <a:rPr lang="en-US" sz="1050" dirty="0" err="1">
-                <a:solidFill>
-                  <a:srgbClr val="7030A0"/>
-                </a:solidFill>
-              </a:rPr>
-              <a:t>ReadOnlyAddressBook</a:t>
-            </a:r>
-            <a:endParaRPr lang="en-SG" sz="1050" dirty="0">
-              <a:solidFill>
-                <a:srgbClr val="7030A0"/>
-              </a:solidFill>
-            </a:endParaRPr>
-          </a:p>
-        </p:txBody>
-      </p:sp>
-      <p:sp>
-        <p:nvSpPr>
-          <p:cNvPr id="114" name="TextBox 113"/>
-          <p:cNvSpPr txBox="1"/>
-          <p:nvPr/>
-        </p:nvSpPr>
-        <p:spPr>
-          <a:xfrm rot="16200000">
-            <a:off x="5924787" y="3561951"/>
-            <a:ext cx="881018" cy="261610"/>
-          </a:xfrm>
-          <a:prstGeom prst="rect">
-            <a:avLst/>
-          </a:prstGeom>
-          <a:noFill/>
-        </p:spPr>
-        <p:txBody>
-          <a:bodyPr wrap="square" rtlCol="0">
-            <a:spAutoFit/>
-          </a:bodyPr>
-          <a:lstStyle/>
-          <a:p>
-            <a:pPr algn="r"/>
-            <a:r>
-              <a:rPr lang="en-US" sz="1100" dirty="0">
-                <a:solidFill>
-                  <a:srgbClr val="7030A0"/>
-                </a:solidFill>
-              </a:rPr>
-              <a:t>filtered list</a:t>
-            </a:r>
-            <a:endParaRPr lang="en-SG" sz="1100" dirty="0">
-              <a:solidFill>
-                <a:srgbClr val="7030A0"/>
-              </a:solidFill>
-            </a:endParaRPr>
-          </a:p>
-        </p:txBody>
-      </p:sp>
-      <p:sp>
-        <p:nvSpPr>
-          <p:cNvPr id="122" name="Rectangle 8"/>
-          <p:cNvSpPr/>
-          <p:nvPr/>
-        </p:nvSpPr>
-        <p:spPr>
-          <a:xfrm>
-            <a:off x="1619302" y="4215137"/>
-            <a:ext cx="1066800" cy="346760"/>
-          </a:xfrm>
-          <a:prstGeom prst="rect">
-            <a:avLst/>
-          </a:prstGeom>
-          <a:ln w="19050">
-            <a:solidFill>
-              <a:srgbClr val="7030A0"/>
-            </a:solidFill>
-          </a:ln>
-          <a:effectLst/>
-        </p:spPr>
-        <p:style>
-          <a:lnRef idx="1">
-            <a:schemeClr val="accent4"/>
-          </a:lnRef>
-          <a:fillRef idx="2">
-            <a:schemeClr val="accent4"/>
-          </a:fillRef>
-          <a:effectRef idx="1">
-            <a:schemeClr val="accent4"/>
-          </a:effectRef>
-          <a:fontRef idx="minor">
-            <a:schemeClr val="dk1"/>
-          </a:fontRef>
-        </p:style>
-        <p:txBody>
-          <a:bodyPr rtlCol="0" anchor="ctr"/>
-          <a:lstStyle/>
-          <a:p>
-            <a:pPr algn="ctr"/>
-            <a:r>
-              <a:rPr lang="en-US" sz="1050" dirty="0">
-                <a:solidFill>
-                  <a:srgbClr val="7030A0"/>
-                </a:solidFill>
-              </a:rPr>
-              <a:t>&lt;&lt;interface&gt;&gt;</a:t>
-            </a:r>
-            <a:br>
-              <a:rPr lang="en-US" sz="1050">
-                <a:solidFill>
-                  <a:srgbClr val="7030A0"/>
-                </a:solidFill>
-              </a:rPr>
-            </a:br>
-            <a:r>
-              <a:rPr lang="en-US" sz="1050" dirty="0" err="1">
-                <a:solidFill>
-                  <a:srgbClr val="7030A0"/>
-                </a:solidFill>
-              </a:rPr>
-              <a:t>ObservableList</a:t>
-            </a:r>
-            <a:endParaRPr lang="en-SG" sz="1050" dirty="0">
-              <a:solidFill>
-                <a:srgbClr val="7030A0"/>
-              </a:solidFill>
-            </a:endParaRPr>
-          </a:p>
-        </p:txBody>
-      </p:sp>
-      <p:cxnSp>
-        <p:nvCxnSpPr>
-          <p:cNvPr id="124" name="Elbow Connector 122"/>
-          <p:cNvCxnSpPr>
-            <a:stCxn id="119" idx="1"/>
-            <a:endCxn id="122" idx="1"/>
-          </p:cNvCxnSpPr>
-          <p:nvPr/>
-        </p:nvCxnSpPr>
-        <p:spPr>
-          <a:xfrm rot="16200000" flipH="1">
-            <a:off x="926376" y="3695590"/>
-            <a:ext cx="831471" cy="554381"/>
-          </a:xfrm>
-          <a:prstGeom prst="bentConnector2">
-            <a:avLst/>
-          </a:prstGeom>
-          <a:ln w="19050">
-            <a:solidFill>
-              <a:srgbClr val="7030A0"/>
-            </a:solidFill>
-            <a:prstDash val="sysDot"/>
-            <a:headEnd type="none" w="med" len="med"/>
-            <a:tailEnd type="arrow" w="med" len="med"/>
-          </a:ln>
-          <a:effectLst/>
-        </p:spPr>
-        <p:style>
-          <a:lnRef idx="1">
-            <a:schemeClr val="accent2"/>
-          </a:lnRef>
-          <a:fillRef idx="2">
-            <a:schemeClr val="accent2"/>
-          </a:fillRef>
-          <a:effectRef idx="1">
-            <a:schemeClr val="accent2"/>
-          </a:effectRef>
-          <a:fontRef idx="minor">
-            <a:schemeClr val="dk1"/>
-          </a:fontRef>
-        </p:style>
-      </p:cxnSp>
-      <p:sp>
-        <p:nvSpPr>
-          <p:cNvPr id="54" name="TextBox 53"/>
-          <p:cNvSpPr txBox="1"/>
-          <p:nvPr/>
-        </p:nvSpPr>
-        <p:spPr>
-          <a:xfrm>
-            <a:off x="3991880" y="3087125"/>
-            <a:ext cx="189257" cy="178683"/>
-          </a:xfrm>
-          <a:prstGeom prst="rect">
-            <a:avLst/>
-          </a:prstGeom>
-          <a:noFill/>
-        </p:spPr>
-        <p:txBody>
-          <a:bodyPr wrap="square" lIns="0" tIns="0" rIns="0" bIns="0" rtlCol="0">
-            <a:noAutofit/>
-          </a:bodyPr>
-          <a:lstStyle/>
-          <a:p>
-            <a:pPr algn="ctr"/>
-            <a:r>
-              <a:rPr lang="en-US" sz="1100" dirty="0">
-                <a:solidFill>
-                  <a:srgbClr val="7030A0"/>
-                </a:solidFill>
-              </a:rPr>
-              <a:t>1</a:t>
-            </a:r>
-            <a:endParaRPr lang="en-SG" sz="1100" dirty="0">
-              <a:solidFill>
-                <a:srgbClr val="7030A0"/>
-              </a:solidFill>
-            </a:endParaRPr>
-          </a:p>
-        </p:txBody>
-      </p:sp>
-      <p:sp>
-        <p:nvSpPr>
-          <p:cNvPr id="61" name="TextBox 60"/>
-          <p:cNvSpPr txBox="1"/>
-          <p:nvPr/>
-        </p:nvSpPr>
-        <p:spPr>
-          <a:xfrm>
-            <a:off x="5697157" y="3073563"/>
-            <a:ext cx="189257" cy="178683"/>
-          </a:xfrm>
-          <a:prstGeom prst="rect">
-            <a:avLst/>
-          </a:prstGeom>
-          <a:noFill/>
-        </p:spPr>
-        <p:txBody>
-          <a:bodyPr wrap="square" lIns="0" tIns="0" rIns="0" bIns="0" rtlCol="0">
-            <a:noAutofit/>
-          </a:bodyPr>
-          <a:lstStyle/>
-          <a:p>
-            <a:pPr algn="ctr"/>
-            <a:r>
-              <a:rPr lang="en-US" sz="1100" dirty="0">
-                <a:solidFill>
-                  <a:srgbClr val="7030A0"/>
-                </a:solidFill>
-              </a:rPr>
-              <a:t>*</a:t>
-            </a:r>
-            <a:endParaRPr lang="en-SG" sz="1100" dirty="0">
-              <a:solidFill>
-                <a:srgbClr val="7030A0"/>
-              </a:solidFill>
-            </a:endParaRPr>
-          </a:p>
-        </p:txBody>
-      </p:sp>
-      <p:sp>
-        <p:nvSpPr>
-          <p:cNvPr id="65" name="TextBox 64"/>
-          <p:cNvSpPr txBox="1"/>
-          <p:nvPr/>
-        </p:nvSpPr>
-        <p:spPr>
-          <a:xfrm>
-            <a:off x="2135295" y="2732361"/>
-            <a:ext cx="170110" cy="137542"/>
-          </a:xfrm>
-          <a:prstGeom prst="rect">
-            <a:avLst/>
-          </a:prstGeom>
-          <a:noFill/>
-        </p:spPr>
-        <p:txBody>
-          <a:bodyPr wrap="square" lIns="0" tIns="0" rIns="0" bIns="0" rtlCol="0">
-            <a:noAutofit/>
-          </a:bodyPr>
-          <a:lstStyle/>
-          <a:p>
-            <a:pPr algn="ctr"/>
-            <a:r>
-              <a:rPr lang="en-US" sz="1100" dirty="0">
-                <a:solidFill>
-                  <a:srgbClr val="7030A0"/>
-                </a:solidFill>
-              </a:rPr>
-              <a:t>1</a:t>
-            </a:r>
-            <a:endParaRPr lang="en-SG" sz="1100" dirty="0">
-              <a:solidFill>
-                <a:srgbClr val="7030A0"/>
-              </a:solidFill>
-            </a:endParaRPr>
-          </a:p>
-        </p:txBody>
-      </p:sp>
-      <p:sp>
-        <p:nvSpPr>
-          <p:cNvPr id="66" name="TextBox 65"/>
-          <p:cNvSpPr txBox="1"/>
-          <p:nvPr/>
-        </p:nvSpPr>
-        <p:spPr>
-          <a:xfrm>
-            <a:off x="2268971" y="3643383"/>
-            <a:ext cx="189257" cy="178683"/>
-          </a:xfrm>
-          <a:prstGeom prst="rect">
-            <a:avLst/>
-          </a:prstGeom>
-          <a:noFill/>
-        </p:spPr>
-        <p:txBody>
-          <a:bodyPr wrap="square" lIns="0" tIns="0" rIns="0" bIns="0" rtlCol="0">
-            <a:noAutofit/>
-          </a:bodyPr>
-          <a:lstStyle/>
-          <a:p>
-            <a:pPr algn="ctr"/>
-            <a:r>
-              <a:rPr lang="en-US" sz="1100" dirty="0">
-                <a:solidFill>
-                  <a:srgbClr val="7030A0"/>
-                </a:solidFill>
-              </a:rPr>
-              <a:t>1</a:t>
-            </a:r>
-            <a:endParaRPr lang="en-SG" sz="1100" dirty="0">
-              <a:solidFill>
-                <a:srgbClr val="7030A0"/>
-              </a:solidFill>
-            </a:endParaRPr>
-          </a:p>
-        </p:txBody>
-      </p:sp>
-      <p:sp>
-        <p:nvSpPr>
-          <p:cNvPr id="70" name="TextBox 69"/>
-          <p:cNvSpPr txBox="1"/>
-          <p:nvPr/>
-        </p:nvSpPr>
-        <p:spPr>
-          <a:xfrm>
-            <a:off x="6011797" y="3180472"/>
-            <a:ext cx="189257" cy="178683"/>
-          </a:xfrm>
-          <a:prstGeom prst="rect">
-            <a:avLst/>
-          </a:prstGeom>
-          <a:noFill/>
-        </p:spPr>
-        <p:txBody>
-          <a:bodyPr wrap="square" lIns="0" tIns="0" rIns="0" bIns="0" rtlCol="0">
-            <a:noAutofit/>
-          </a:bodyPr>
-          <a:lstStyle/>
-          <a:p>
-            <a:pPr algn="ctr"/>
-            <a:r>
-              <a:rPr lang="en-US" sz="1100" dirty="0">
-                <a:solidFill>
-                  <a:srgbClr val="7030A0"/>
-                </a:solidFill>
-              </a:rPr>
-              <a:t>1</a:t>
-            </a:r>
-            <a:endParaRPr lang="en-SG" sz="1100" dirty="0">
-              <a:solidFill>
-                <a:srgbClr val="7030A0"/>
-              </a:solidFill>
-            </a:endParaRPr>
-          </a:p>
-        </p:txBody>
-      </p:sp>
-      <p:sp>
-        <p:nvSpPr>
-          <p:cNvPr id="52" name="Rectangle 8">
-            <a:extLst>
-              <a:ext uri="{FF2B5EF4-FFF2-40B4-BE49-F238E27FC236}">
-                <a16:creationId xmlns:a16="http://schemas.microsoft.com/office/drawing/2014/main" id="{ABDCDBD2-131A-4B66-A2F2-43BBEE82C773}"/>
-              </a:ext>
-            </a:extLst>
-          </p:cNvPr>
-          <p:cNvSpPr/>
-          <p:nvPr/>
-        </p:nvSpPr>
-        <p:spPr>
-          <a:xfrm>
-            <a:off x="7274298" y="2204463"/>
-            <a:ext cx="708186" cy="285783"/>
-          </a:xfrm>
-          <a:prstGeom prst="rect">
-            <a:avLst/>
-          </a:prstGeom>
-          <a:ln w="19050">
-            <a:solidFill>
-              <a:srgbClr val="7030A0"/>
-            </a:solidFill>
-          </a:ln>
-          <a:effectLst/>
-        </p:spPr>
-        <p:style>
-          <a:lnRef idx="1">
-            <a:schemeClr val="accent4"/>
-          </a:lnRef>
-          <a:fillRef idx="2">
-            <a:schemeClr val="accent4"/>
-          </a:fillRef>
-          <a:effectRef idx="1">
-            <a:schemeClr val="accent4"/>
-          </a:effectRef>
-          <a:fontRef idx="minor">
-            <a:schemeClr val="dk1"/>
-          </a:fontRef>
-        </p:style>
-        <p:txBody>
-          <a:bodyPr rtlCol="0" anchor="ctr"/>
-          <a:lstStyle/>
-          <a:p>
-            <a:pPr algn="ctr"/>
-            <a:r>
-              <a:rPr lang="en-US" sz="1050" dirty="0">
-                <a:solidFill>
-                  <a:srgbClr val="7030A0"/>
-                </a:solidFill>
-              </a:rPr>
-              <a:t>Tag</a:t>
-            </a:r>
-            <a:endParaRPr lang="en-SG" sz="1050" dirty="0">
-              <a:solidFill>
-                <a:srgbClr val="7030A0"/>
-              </a:solidFill>
-            </a:endParaRPr>
-          </a:p>
-        </p:txBody>
-      </p:sp>
-      <p:cxnSp>
-        <p:nvCxnSpPr>
-          <p:cNvPr id="53" name="Elbow Connector 78">
-            <a:extLst>
-              <a:ext uri="{FF2B5EF4-FFF2-40B4-BE49-F238E27FC236}">
-                <a16:creationId xmlns:a16="http://schemas.microsoft.com/office/drawing/2014/main" id="{B97967F8-618A-448B-81FD-CDFD4AF0EC64}"/>
-              </a:ext>
-            </a:extLst>
-          </p:cNvPr>
-          <p:cNvCxnSpPr>
-            <a:cxnSpLocks/>
-            <a:stCxn id="78" idx="3"/>
-            <a:endCxn id="52" idx="1"/>
-          </p:cNvCxnSpPr>
-          <p:nvPr/>
-        </p:nvCxnSpPr>
-        <p:spPr>
-          <a:xfrm flipV="1">
-            <a:off x="6839896" y="2347355"/>
-            <a:ext cx="434402" cy="663182"/>
-          </a:xfrm>
-          <a:prstGeom prst="bentConnector3">
-            <a:avLst>
-              <a:gd name="adj1" fmla="val 50000"/>
-            </a:avLst>
-          </a:prstGeom>
-          <a:ln w="19050">
-            <a:solidFill>
-              <a:srgbClr val="7030A0"/>
-            </a:solidFill>
-            <a:headEnd type="none" w="med" len="med"/>
-            <a:tailEnd type="arrow" w="med" len="med"/>
-          </a:ln>
-          <a:effectLst/>
-        </p:spPr>
-        <p:style>
-          <a:lnRef idx="1">
-            <a:schemeClr val="accent2"/>
-          </a:lnRef>
-          <a:fillRef idx="2">
-            <a:schemeClr val="accent2"/>
-          </a:fillRef>
-          <a:effectRef idx="1">
-            <a:schemeClr val="accent2"/>
-          </a:effectRef>
-          <a:fontRef idx="minor">
-            <a:schemeClr val="dk1"/>
-          </a:fontRef>
-        </p:style>
-      </p:cxnSp>
-      <p:sp>
-        <p:nvSpPr>
-          <p:cNvPr id="50" name="TextBox 49">
-            <a:extLst>
-              <a:ext uri="{FF2B5EF4-FFF2-40B4-BE49-F238E27FC236}">
-                <a16:creationId xmlns:a16="http://schemas.microsoft.com/office/drawing/2014/main" id="{B3FA9D57-880F-49C4-AD0B-A64E30D6F403}"/>
-              </a:ext>
-            </a:extLst>
-          </p:cNvPr>
-          <p:cNvSpPr txBox="1"/>
-          <p:nvPr/>
-        </p:nvSpPr>
-        <p:spPr>
-          <a:xfrm>
-            <a:off x="7028144" y="2231357"/>
-            <a:ext cx="189257" cy="178683"/>
-          </a:xfrm>
-          <a:prstGeom prst="rect">
-            <a:avLst/>
-          </a:prstGeom>
-          <a:noFill/>
-        </p:spPr>
-        <p:txBody>
-          <a:bodyPr wrap="square" lIns="0" tIns="0" rIns="0" bIns="0" rtlCol="0">
-            <a:noAutofit/>
-          </a:bodyPr>
-          <a:lstStyle/>
-          <a:p>
-            <a:pPr algn="ctr"/>
-            <a:r>
-              <a:rPr lang="en-US" sz="1100" dirty="0">
-                <a:solidFill>
-                  <a:srgbClr val="7030A0"/>
-                </a:solidFill>
-              </a:rPr>
-              <a:t>*</a:t>
-            </a:r>
-            <a:endParaRPr lang="en-SG" sz="1100" dirty="0">
-              <a:solidFill>
-                <a:srgbClr val="7030A0"/>
-              </a:solidFill>
-            </a:endParaRPr>
-          </a:p>
-        </p:txBody>
-      </p:sp>
-      <p:sp>
-        <p:nvSpPr>
-          <p:cNvPr id="55" name="Rectangle 8"/>
-          <p:cNvSpPr/>
-          <p:nvPr/>
-        </p:nvSpPr>
-        <p:spPr>
-          <a:xfrm>
-            <a:off x="2732082" y="1973996"/>
-            <a:ext cx="1060683" cy="364396"/>
-          </a:xfrm>
-          <a:prstGeom prst="rect">
-            <a:avLst/>
-          </a:prstGeom>
-          <a:ln w="19050">
-            <a:solidFill>
-              <a:srgbClr val="7030A0"/>
-            </a:solidFill>
-          </a:ln>
-          <a:effectLst/>
-        </p:spPr>
-        <p:style>
-          <a:lnRef idx="1">
-            <a:schemeClr val="accent4"/>
-          </a:lnRef>
-          <a:fillRef idx="2">
-            <a:schemeClr val="accent4"/>
-          </a:fillRef>
-          <a:effectRef idx="1">
-            <a:schemeClr val="accent4"/>
-          </a:effectRef>
-          <a:fontRef idx="minor">
-            <a:schemeClr val="dk1"/>
-          </a:fontRef>
-        </p:style>
-        <p:txBody>
-          <a:bodyPr rtlCol="0" anchor="ctr"/>
-          <a:lstStyle/>
-          <a:p>
-            <a:pPr algn="ctr"/>
-            <a:r>
-              <a:rPr lang="en-US" sz="1050" dirty="0" err="1">
-                <a:solidFill>
-                  <a:srgbClr val="7030A0"/>
-                </a:solidFill>
-              </a:rPr>
-              <a:t>AddressBook</a:t>
-            </a:r>
-            <a:endParaRPr lang="en-SG" sz="1050" dirty="0">
-              <a:solidFill>
-                <a:srgbClr val="7030A0"/>
-              </a:solidFill>
-            </a:endParaRPr>
-          </a:p>
-        </p:txBody>
-      </p:sp>
-      <p:cxnSp>
-        <p:nvCxnSpPr>
-          <p:cNvPr id="60" name="Straight Arrow Connector 59"/>
-          <p:cNvCxnSpPr>
-            <a:stCxn id="51" idx="1"/>
-            <a:endCxn id="49" idx="1"/>
-          </p:cNvCxnSpPr>
-          <p:nvPr/>
-        </p:nvCxnSpPr>
-        <p:spPr>
-          <a:xfrm>
-            <a:off x="3886873" y="2982868"/>
-            <a:ext cx="367678" cy="12320"/>
-          </a:xfrm>
-          <a:prstGeom prst="straightConnector1">
-            <a:avLst/>
-          </a:prstGeom>
-          <a:ln w="19050">
-            <a:solidFill>
-              <a:srgbClr val="7030A0"/>
-            </a:solidFill>
-            <a:headEnd type="none" w="med" len="med"/>
-            <a:tailEnd type="arrow" w="med" len="med"/>
-          </a:ln>
-          <a:effectLst/>
-        </p:spPr>
-        <p:style>
-          <a:lnRef idx="1">
-            <a:schemeClr val="accent2"/>
-          </a:lnRef>
-          <a:fillRef idx="2">
-            <a:schemeClr val="accent2"/>
-          </a:fillRef>
-          <a:effectRef idx="1">
-            <a:schemeClr val="accent2"/>
-          </a:effectRef>
-          <a:fontRef idx="minor">
-            <a:schemeClr val="dk1"/>
-          </a:fontRef>
-        </p:style>
-      </p:cxnSp>
-      <p:sp>
-        <p:nvSpPr>
-          <p:cNvPr id="68" name="Isosceles Triangle 102"/>
-          <p:cNvSpPr/>
-          <p:nvPr/>
-        </p:nvSpPr>
-        <p:spPr>
-          <a:xfrm rot="16200000">
-            <a:off x="2230974" y="2044804"/>
-            <a:ext cx="271014" cy="187417"/>
-          </a:xfrm>
-          <a:prstGeom prst="triangle">
-            <a:avLst>
-              <a:gd name="adj" fmla="val 44517"/>
-            </a:avLst>
-          </a:prstGeom>
-          <a:solidFill>
-            <a:schemeClr val="accent4">
-              <a:lumMod val="20000"/>
-              <a:lumOff val="80000"/>
-            </a:schemeClr>
-          </a:solidFill>
-          <a:ln w="19050">
-            <a:solidFill>
-              <a:srgbClr val="7030A0"/>
-            </a:solidFill>
-          </a:ln>
-          <a:effectLst/>
-        </p:spPr>
-        <p:style>
-          <a:lnRef idx="1">
-            <a:schemeClr val="accent6"/>
-          </a:lnRef>
-          <a:fillRef idx="2">
-            <a:schemeClr val="accent6"/>
-          </a:fillRef>
-          <a:effectRef idx="1">
-            <a:schemeClr val="accent6"/>
-          </a:effectRef>
-          <a:fontRef idx="minor">
-            <a:schemeClr val="dk1"/>
-          </a:fontRef>
-        </p:style>
-        <p:txBody>
-          <a:bodyPr rtlCol="0" anchor="ctr"/>
-          <a:lstStyle/>
-          <a:p>
-            <a:pPr algn="ctr"/>
-            <a:endParaRPr lang="en-SG" sz="1050"/>
-          </a:p>
-        </p:txBody>
-      </p:sp>
-      <p:cxnSp>
-        <p:nvCxnSpPr>
-          <p:cNvPr id="69" name="Elbow Connector 63"/>
-          <p:cNvCxnSpPr>
-            <a:stCxn id="68" idx="3"/>
-            <a:endCxn id="55" idx="1"/>
-          </p:cNvCxnSpPr>
-          <p:nvPr/>
-        </p:nvCxnSpPr>
-        <p:spPr>
-          <a:xfrm>
-            <a:off x="2460190" y="2153373"/>
-            <a:ext cx="271892" cy="2821"/>
-          </a:xfrm>
-          <a:prstGeom prst="bentConnector3">
-            <a:avLst>
-              <a:gd name="adj1" fmla="val 50000"/>
-            </a:avLst>
-          </a:prstGeom>
-          <a:ln w="19050">
-            <a:solidFill>
-              <a:srgbClr val="7030A0"/>
-            </a:solidFill>
-            <a:prstDash val="sysDot"/>
-            <a:headEnd type="none" w="med" len="med"/>
-            <a:tailEnd type="none" w="med" len="med"/>
-          </a:ln>
-          <a:effectLst/>
-        </p:spPr>
-        <p:style>
-          <a:lnRef idx="1">
-            <a:schemeClr val="accent2"/>
-          </a:lnRef>
-          <a:fillRef idx="2">
-            <a:schemeClr val="accent2"/>
-          </a:fillRef>
-          <a:effectRef idx="1">
-            <a:schemeClr val="accent2"/>
-          </a:effectRef>
-          <a:fontRef idx="minor">
-            <a:schemeClr val="dk1"/>
-          </a:fontRef>
-        </p:style>
-      </p:cxnSp>
-      <p:sp>
-        <p:nvSpPr>
-          <p:cNvPr id="56" name="Flowchart: Decision 96">
-            <a:extLst>
-              <a:ext uri="{FF2B5EF4-FFF2-40B4-BE49-F238E27FC236}">
-                <a16:creationId xmlns:a16="http://schemas.microsoft.com/office/drawing/2014/main" id="{F6FEDA25-F713-4DEF-8E6E-3832BD230724}"/>
-              </a:ext>
-            </a:extLst>
-          </p:cNvPr>
-          <p:cNvSpPr/>
-          <p:nvPr/>
-        </p:nvSpPr>
-        <p:spPr>
-          <a:xfrm rot="5400000">
-            <a:off x="3112660" y="3490434"/>
-            <a:ext cx="236048" cy="173380"/>
-          </a:xfrm>
-          <a:prstGeom prst="flowChartDecision">
-            <a:avLst/>
-          </a:prstGeom>
-          <a:solidFill>
-            <a:srgbClr val="7030A0"/>
-          </a:solidFill>
-          <a:ln w="19050">
-            <a:solidFill>
-              <a:srgbClr val="7030A0"/>
-            </a:solidFill>
-          </a:ln>
-          <a:effectLst/>
-        </p:spPr>
-        <p:style>
-          <a:lnRef idx="1">
-            <a:schemeClr val="accent6"/>
-          </a:lnRef>
-          <a:fillRef idx="2">
-            <a:schemeClr val="accent6"/>
-          </a:fillRef>
-          <a:effectRef idx="1">
-            <a:schemeClr val="accent6"/>
-          </a:effectRef>
-          <a:fontRef idx="minor">
-            <a:schemeClr val="dk1"/>
-          </a:fontRef>
-        </p:style>
-        <p:txBody>
-          <a:bodyPr rtlCol="0" anchor="ctr"/>
-          <a:lstStyle/>
-          <a:p>
-            <a:pPr algn="ctr"/>
-            <a:endParaRPr lang="en-US" sz="1050"/>
-          </a:p>
-        </p:txBody>
-      </p:sp>
-      <p:cxnSp>
-        <p:nvCxnSpPr>
-          <p:cNvPr id="57" name="Connector: Elbow 56">
-            <a:extLst>
-              <a:ext uri="{FF2B5EF4-FFF2-40B4-BE49-F238E27FC236}">
-                <a16:creationId xmlns:a16="http://schemas.microsoft.com/office/drawing/2014/main" id="{7802B7BF-424D-41F1-B34D-C73184E365DE}"/>
-              </a:ext>
-            </a:extLst>
-          </p:cNvPr>
-          <p:cNvCxnSpPr>
-            <a:cxnSpLocks/>
-            <a:stCxn id="82" idx="1"/>
-            <a:endCxn id="59" idx="2"/>
-          </p:cNvCxnSpPr>
-          <p:nvPr/>
-        </p:nvCxnSpPr>
-        <p:spPr>
-          <a:xfrm rot="5400000" flipH="1" flipV="1">
-            <a:off x="4574568" y="1515814"/>
-            <a:ext cx="276147" cy="1821113"/>
-          </a:xfrm>
-          <a:prstGeom prst="bentConnector3">
-            <a:avLst>
-              <a:gd name="adj1" fmla="val 50000"/>
-            </a:avLst>
-          </a:prstGeom>
-          <a:ln w="19050" cap="flat" cmpd="sng" algn="ctr">
-            <a:solidFill>
-              <a:srgbClr val="7030A0"/>
-            </a:solidFill>
-            <a:prstDash val="solid"/>
-            <a:round/>
-            <a:headEnd type="none" w="med" len="med"/>
-            <a:tailEnd type="arrow" w="med" len="med"/>
-          </a:ln>
-        </p:spPr>
-        <p:style>
-          <a:lnRef idx="0">
-            <a:scrgbClr r="0" g="0" b="0"/>
-          </a:lnRef>
-          <a:fillRef idx="0">
-            <a:scrgbClr r="0" g="0" b="0"/>
-          </a:fillRef>
-          <a:effectRef idx="0">
-            <a:scrgbClr r="0" g="0" b="0"/>
-          </a:effectRef>
-          <a:fontRef idx="minor">
-            <a:schemeClr val="tx1"/>
-          </a:fontRef>
-        </p:style>
-      </p:cxnSp>
-      <p:sp>
-        <p:nvSpPr>
-          <p:cNvPr id="59" name="Rectangle 8">
-            <a:extLst>
-              <a:ext uri="{FF2B5EF4-FFF2-40B4-BE49-F238E27FC236}">
-                <a16:creationId xmlns:a16="http://schemas.microsoft.com/office/drawing/2014/main" id="{D197349A-4A2A-4198-A539-588890CAAC6E}"/>
-              </a:ext>
-            </a:extLst>
-          </p:cNvPr>
-          <p:cNvSpPr/>
-          <p:nvPr/>
-        </p:nvSpPr>
-        <p:spPr>
-          <a:xfrm>
-            <a:off x="5044713" y="1941536"/>
-            <a:ext cx="1156969" cy="346760"/>
-          </a:xfrm>
-          <a:prstGeom prst="rect">
-            <a:avLst/>
-          </a:prstGeom>
-          <a:ln w="19050">
-            <a:solidFill>
-              <a:srgbClr val="7030A0"/>
-            </a:solidFill>
-          </a:ln>
-          <a:effectLst/>
-        </p:spPr>
-        <p:style>
-          <a:lnRef idx="1">
-            <a:schemeClr val="accent4"/>
-          </a:lnRef>
-          <a:fillRef idx="2">
-            <a:schemeClr val="accent4"/>
-          </a:fillRef>
-          <a:effectRef idx="1">
-            <a:schemeClr val="accent4"/>
-          </a:effectRef>
-          <a:fontRef idx="minor">
-            <a:schemeClr val="dk1"/>
-          </a:fontRef>
-        </p:style>
-        <p:txBody>
-          <a:bodyPr rtlCol="0" anchor="ctr"/>
-          <a:lstStyle/>
-          <a:p>
-            <a:pPr algn="ctr"/>
-            <a:r>
-              <a:rPr lang="en-US" sz="1050" dirty="0">
-                <a:solidFill>
-                  <a:srgbClr val="7030A0"/>
-                </a:solidFill>
-              </a:rPr>
-              <a:t>Event</a:t>
-            </a:r>
-            <a:endParaRPr lang="en-SG" sz="1050" dirty="0">
-              <a:solidFill>
-                <a:srgbClr val="7030A0"/>
-              </a:solidFill>
-            </a:endParaRPr>
-          </a:p>
-        </p:txBody>
-      </p:sp>
-      <p:sp>
-        <p:nvSpPr>
-          <p:cNvPr id="72" name="Rectangle 8">
-            <a:extLst>
-              <a:ext uri="{FF2B5EF4-FFF2-40B4-BE49-F238E27FC236}">
-                <a16:creationId xmlns:a16="http://schemas.microsoft.com/office/drawing/2014/main" id="{2F08CCA6-535D-4C90-8772-E7717348E67F}"/>
-              </a:ext>
-            </a:extLst>
-          </p:cNvPr>
-          <p:cNvSpPr/>
-          <p:nvPr/>
-        </p:nvSpPr>
-        <p:spPr>
-          <a:xfrm>
-            <a:off x="3441319" y="758106"/>
-            <a:ext cx="863386" cy="251279"/>
-          </a:xfrm>
-          <a:prstGeom prst="rect">
-            <a:avLst/>
-          </a:prstGeom>
-          <a:ln w="19050">
-            <a:solidFill>
-              <a:srgbClr val="7030A0"/>
-            </a:solidFill>
-          </a:ln>
-          <a:effectLst/>
-        </p:spPr>
-        <p:style>
-          <a:lnRef idx="1">
-            <a:schemeClr val="accent4"/>
-          </a:lnRef>
-          <a:fillRef idx="2">
-            <a:schemeClr val="accent4"/>
-          </a:fillRef>
-          <a:effectRef idx="1">
-            <a:schemeClr val="accent4"/>
-          </a:effectRef>
-          <a:fontRef idx="minor">
-            <a:schemeClr val="dk1"/>
-          </a:fontRef>
-        </p:style>
-        <p:txBody>
-          <a:bodyPr rtlCol="0" anchor="ctr"/>
-          <a:lstStyle/>
-          <a:p>
-            <a:pPr algn="ctr"/>
-            <a:r>
-              <a:rPr lang="en-US" sz="1050" dirty="0" err="1">
-                <a:solidFill>
-                  <a:srgbClr val="7030A0"/>
-                </a:solidFill>
-              </a:rPr>
-              <a:t>EventName</a:t>
-            </a:r>
-            <a:endParaRPr lang="en-SG" sz="1050" dirty="0">
-              <a:solidFill>
-                <a:srgbClr val="7030A0"/>
-              </a:solidFill>
-            </a:endParaRPr>
-          </a:p>
-        </p:txBody>
-      </p:sp>
-      <p:cxnSp>
-        <p:nvCxnSpPr>
-          <p:cNvPr id="74" name="Elbow Connector 78">
-            <a:extLst>
-              <a:ext uri="{FF2B5EF4-FFF2-40B4-BE49-F238E27FC236}">
-                <a16:creationId xmlns:a16="http://schemas.microsoft.com/office/drawing/2014/main" id="{3F85CCB0-2D9B-4AA5-AE9A-8C62E0DBC7A5}"/>
-              </a:ext>
-            </a:extLst>
-          </p:cNvPr>
-          <p:cNvCxnSpPr>
-            <a:cxnSpLocks/>
-            <a:stCxn id="92" idx="3"/>
-            <a:endCxn id="52" idx="0"/>
-          </p:cNvCxnSpPr>
-          <p:nvPr/>
-        </p:nvCxnSpPr>
-        <p:spPr>
-          <a:xfrm rot="16200000" flipH="1">
-            <a:off x="6374683" y="950755"/>
-            <a:ext cx="502221" cy="2005194"/>
-          </a:xfrm>
-          <a:prstGeom prst="bentConnector3">
-            <a:avLst>
-              <a:gd name="adj1" fmla="val -39279"/>
-            </a:avLst>
-          </a:prstGeom>
-          <a:ln w="19050">
-            <a:solidFill>
-              <a:srgbClr val="7030A0"/>
-            </a:solidFill>
-            <a:headEnd type="none" w="med" len="med"/>
-            <a:tailEnd type="arrow" w="med" len="med"/>
-          </a:ln>
-          <a:effectLst/>
-        </p:spPr>
-        <p:style>
-          <a:lnRef idx="1">
-            <a:schemeClr val="accent2"/>
-          </a:lnRef>
-          <a:fillRef idx="2">
-            <a:schemeClr val="accent2"/>
-          </a:fillRef>
-          <a:effectRef idx="1">
-            <a:schemeClr val="accent2"/>
-          </a:effectRef>
-          <a:fontRef idx="minor">
-            <a:schemeClr val="dk1"/>
-          </a:fontRef>
-        </p:style>
-      </p:cxnSp>
-      <p:sp>
-        <p:nvSpPr>
-          <p:cNvPr id="77" name="TextBox 76">
-            <a:extLst>
-              <a:ext uri="{FF2B5EF4-FFF2-40B4-BE49-F238E27FC236}">
-                <a16:creationId xmlns:a16="http://schemas.microsoft.com/office/drawing/2014/main" id="{CAA98FCC-4F43-4FEF-A5E4-3C04A00627FE}"/>
-              </a:ext>
-            </a:extLst>
-          </p:cNvPr>
-          <p:cNvSpPr txBox="1"/>
-          <p:nvPr/>
-        </p:nvSpPr>
-        <p:spPr>
-          <a:xfrm>
-            <a:off x="3641216" y="2421482"/>
-            <a:ext cx="189257" cy="178683"/>
-          </a:xfrm>
-          <a:prstGeom prst="rect">
-            <a:avLst/>
-          </a:prstGeom>
-          <a:noFill/>
-        </p:spPr>
-        <p:txBody>
-          <a:bodyPr wrap="square" lIns="0" tIns="0" rIns="0" bIns="0" rtlCol="0">
-            <a:noAutofit/>
-          </a:bodyPr>
-          <a:lstStyle/>
-          <a:p>
-            <a:pPr algn="ctr"/>
-            <a:r>
-              <a:rPr lang="en-US" sz="1100" dirty="0">
-                <a:solidFill>
-                  <a:srgbClr val="7030A0"/>
-                </a:solidFill>
-              </a:rPr>
-              <a:t>1</a:t>
-            </a:r>
-            <a:endParaRPr lang="en-SG" sz="1100" dirty="0">
-              <a:solidFill>
-                <a:srgbClr val="7030A0"/>
-              </a:solidFill>
-            </a:endParaRPr>
-          </a:p>
-        </p:txBody>
-      </p:sp>
-      <p:sp>
-        <p:nvSpPr>
-          <p:cNvPr id="82" name="Flowchart: Decision 96">
-            <a:extLst>
-              <a:ext uri="{FF2B5EF4-FFF2-40B4-BE49-F238E27FC236}">
-                <a16:creationId xmlns:a16="http://schemas.microsoft.com/office/drawing/2014/main" id="{C24C5CF6-769A-47AE-AF21-7AF9DE04C8B2}"/>
-              </a:ext>
-            </a:extLst>
-          </p:cNvPr>
-          <p:cNvSpPr/>
-          <p:nvPr/>
-        </p:nvSpPr>
-        <p:spPr>
-          <a:xfrm rot="5400000">
-            <a:off x="3684061" y="2595777"/>
-            <a:ext cx="236048" cy="173380"/>
-          </a:xfrm>
-          <a:prstGeom prst="flowChartDecision">
-            <a:avLst/>
-          </a:prstGeom>
-          <a:solidFill>
-            <a:srgbClr val="7030A0"/>
-          </a:solidFill>
-          <a:ln w="19050">
-            <a:solidFill>
-              <a:srgbClr val="7030A0"/>
-            </a:solidFill>
-          </a:ln>
-          <a:effectLst/>
-        </p:spPr>
-        <p:style>
-          <a:lnRef idx="1">
-            <a:schemeClr val="accent6"/>
-          </a:lnRef>
-          <a:fillRef idx="2">
-            <a:schemeClr val="accent6"/>
-          </a:fillRef>
-          <a:effectRef idx="1">
-            <a:schemeClr val="accent6"/>
-          </a:effectRef>
-          <a:fontRef idx="minor">
-            <a:schemeClr val="dk1"/>
-          </a:fontRef>
-        </p:style>
-        <p:txBody>
-          <a:bodyPr rtlCol="0" anchor="ctr"/>
-          <a:lstStyle/>
-          <a:p>
-            <a:pPr algn="ctr"/>
-            <a:endParaRPr lang="en-US" sz="1050"/>
-          </a:p>
-        </p:txBody>
-      </p:sp>
-      <p:sp>
-        <p:nvSpPr>
-          <p:cNvPr id="87" name="TextBox 86">
-            <a:extLst>
-              <a:ext uri="{FF2B5EF4-FFF2-40B4-BE49-F238E27FC236}">
-                <a16:creationId xmlns:a16="http://schemas.microsoft.com/office/drawing/2014/main" id="{D249F513-D882-41C2-9FE8-609F20A24AD5}"/>
-              </a:ext>
-            </a:extLst>
-          </p:cNvPr>
-          <p:cNvSpPr txBox="1"/>
-          <p:nvPr/>
-        </p:nvSpPr>
-        <p:spPr>
-          <a:xfrm>
-            <a:off x="7610715" y="1966031"/>
-            <a:ext cx="189257" cy="178683"/>
-          </a:xfrm>
-          <a:prstGeom prst="rect">
-            <a:avLst/>
-          </a:prstGeom>
-          <a:noFill/>
-        </p:spPr>
-        <p:txBody>
-          <a:bodyPr wrap="square" lIns="0" tIns="0" rIns="0" bIns="0" rtlCol="0">
-            <a:noAutofit/>
-          </a:bodyPr>
-          <a:lstStyle/>
-          <a:p>
-            <a:pPr algn="ctr"/>
-            <a:r>
-              <a:rPr lang="en-US" sz="1100" dirty="0">
-                <a:solidFill>
-                  <a:srgbClr val="7030A0"/>
-                </a:solidFill>
-              </a:rPr>
-              <a:t>*</a:t>
-            </a:r>
-            <a:endParaRPr lang="en-SG" sz="1100" dirty="0">
-              <a:solidFill>
-                <a:srgbClr val="7030A0"/>
-              </a:solidFill>
-            </a:endParaRPr>
-          </a:p>
-        </p:txBody>
-      </p:sp>
-      <p:sp>
-        <p:nvSpPr>
-          <p:cNvPr id="92" name="Flowchart: Decision 96">
-            <a:extLst>
-              <a:ext uri="{FF2B5EF4-FFF2-40B4-BE49-F238E27FC236}">
-                <a16:creationId xmlns:a16="http://schemas.microsoft.com/office/drawing/2014/main" id="{B39620A1-8FB7-4C7D-BC01-E62CF5F9D81C}"/>
-              </a:ext>
-            </a:extLst>
-          </p:cNvPr>
-          <p:cNvSpPr/>
-          <p:nvPr/>
-        </p:nvSpPr>
-        <p:spPr>
-          <a:xfrm rot="16200000">
-            <a:off x="5505173" y="1733576"/>
-            <a:ext cx="236048" cy="173380"/>
-          </a:xfrm>
-          <a:prstGeom prst="flowChartDecision">
-            <a:avLst/>
-          </a:prstGeom>
-          <a:solidFill>
-            <a:srgbClr val="7030A0"/>
-          </a:solidFill>
-          <a:ln w="19050">
-            <a:solidFill>
-              <a:srgbClr val="7030A0"/>
-            </a:solidFill>
-          </a:ln>
-          <a:effectLst/>
-        </p:spPr>
-        <p:style>
-          <a:lnRef idx="1">
-            <a:schemeClr val="accent6"/>
-          </a:lnRef>
-          <a:fillRef idx="2">
-            <a:schemeClr val="accent6"/>
-          </a:fillRef>
-          <a:effectRef idx="1">
-            <a:schemeClr val="accent6"/>
-          </a:effectRef>
-          <a:fontRef idx="minor">
-            <a:schemeClr val="dk1"/>
-          </a:fontRef>
-        </p:style>
-        <p:txBody>
-          <a:bodyPr rtlCol="0" anchor="ctr"/>
-          <a:lstStyle/>
-          <a:p>
-            <a:pPr algn="ctr"/>
-            <a:endParaRPr lang="en-US" sz="1050"/>
-          </a:p>
-        </p:txBody>
-      </p:sp>
-      <p:cxnSp>
-        <p:nvCxnSpPr>
-          <p:cNvPr id="93" name="Elbow Connector 78">
-            <a:extLst>
-              <a:ext uri="{FF2B5EF4-FFF2-40B4-BE49-F238E27FC236}">
-                <a16:creationId xmlns:a16="http://schemas.microsoft.com/office/drawing/2014/main" id="{98E6AB2E-D180-40E4-A2AA-135774F4853E}"/>
-              </a:ext>
-            </a:extLst>
-          </p:cNvPr>
-          <p:cNvCxnSpPr>
-            <a:cxnSpLocks/>
-            <a:stCxn id="92" idx="3"/>
-            <a:endCxn id="110" idx="2"/>
-          </p:cNvCxnSpPr>
-          <p:nvPr/>
-        </p:nvCxnSpPr>
-        <p:spPr>
-          <a:xfrm rot="5400000" flipH="1" flipV="1">
-            <a:off x="6178049" y="454534"/>
-            <a:ext cx="692857" cy="1802561"/>
-          </a:xfrm>
-          <a:prstGeom prst="bentConnector3">
-            <a:avLst>
-              <a:gd name="adj1" fmla="val 50000"/>
-            </a:avLst>
-          </a:prstGeom>
-          <a:ln w="19050">
-            <a:solidFill>
-              <a:srgbClr val="7030A0"/>
-            </a:solidFill>
-            <a:headEnd type="none" w="med" len="med"/>
-            <a:tailEnd type="arrow" w="med" len="med"/>
-          </a:ln>
-          <a:effectLst/>
-        </p:spPr>
-        <p:style>
-          <a:lnRef idx="1">
-            <a:schemeClr val="accent2"/>
-          </a:lnRef>
-          <a:fillRef idx="2">
-            <a:schemeClr val="accent2"/>
-          </a:fillRef>
-          <a:effectRef idx="1">
-            <a:schemeClr val="accent2"/>
-          </a:effectRef>
-          <a:fontRef idx="minor">
-            <a:schemeClr val="dk1"/>
-          </a:fontRef>
-        </p:style>
-      </p:cxnSp>
-      <p:sp>
-        <p:nvSpPr>
-          <p:cNvPr id="94" name="Rectangle 8">
-            <a:extLst>
-              <a:ext uri="{FF2B5EF4-FFF2-40B4-BE49-F238E27FC236}">
-                <a16:creationId xmlns:a16="http://schemas.microsoft.com/office/drawing/2014/main" id="{D451DDF1-D532-4A3D-8E30-21C532C1C4CC}"/>
-              </a:ext>
-            </a:extLst>
-          </p:cNvPr>
-          <p:cNvSpPr/>
-          <p:nvPr/>
-        </p:nvSpPr>
-        <p:spPr>
-          <a:xfrm>
-            <a:off x="4572339" y="770892"/>
-            <a:ext cx="863386" cy="251279"/>
-          </a:xfrm>
-          <a:prstGeom prst="rect">
-            <a:avLst/>
-          </a:prstGeom>
-          <a:ln w="19050">
-            <a:solidFill>
-              <a:srgbClr val="7030A0"/>
-            </a:solidFill>
-          </a:ln>
-          <a:effectLst/>
-        </p:spPr>
-        <p:style>
-          <a:lnRef idx="1">
-            <a:schemeClr val="accent4"/>
-          </a:lnRef>
-          <a:fillRef idx="2">
-            <a:schemeClr val="accent4"/>
-          </a:fillRef>
-          <a:effectRef idx="1">
-            <a:schemeClr val="accent4"/>
-          </a:effectRef>
-          <a:fontRef idx="minor">
-            <a:schemeClr val="dk1"/>
-          </a:fontRef>
-        </p:style>
-        <p:txBody>
-          <a:bodyPr rtlCol="0" anchor="ctr"/>
-          <a:lstStyle/>
-          <a:p>
-            <a:pPr algn="ctr"/>
-            <a:r>
-              <a:rPr lang="en-US" sz="1050" dirty="0" err="1">
-                <a:solidFill>
-                  <a:srgbClr val="7030A0"/>
-                </a:solidFill>
-              </a:rPr>
-              <a:t>EventDate</a:t>
-            </a:r>
-            <a:endParaRPr lang="en-SG" sz="1050" dirty="0">
-              <a:solidFill>
-                <a:srgbClr val="7030A0"/>
-              </a:solidFill>
-            </a:endParaRPr>
-          </a:p>
-        </p:txBody>
-      </p:sp>
-      <p:cxnSp>
-        <p:nvCxnSpPr>
-          <p:cNvPr id="105" name="Elbow Connector 78">
-            <a:extLst>
-              <a:ext uri="{FF2B5EF4-FFF2-40B4-BE49-F238E27FC236}">
-                <a16:creationId xmlns:a16="http://schemas.microsoft.com/office/drawing/2014/main" id="{8884F796-DC76-4885-B57E-B6A797E9C5D8}"/>
-              </a:ext>
-            </a:extLst>
-          </p:cNvPr>
-          <p:cNvCxnSpPr>
-            <a:cxnSpLocks/>
-            <a:stCxn id="92" idx="3"/>
-            <a:endCxn id="106" idx="2"/>
-          </p:cNvCxnSpPr>
-          <p:nvPr/>
-        </p:nvCxnSpPr>
-        <p:spPr>
-          <a:xfrm rot="5400000" flipH="1" flipV="1">
-            <a:off x="5551248" y="1081335"/>
-            <a:ext cx="692857" cy="548958"/>
-          </a:xfrm>
-          <a:prstGeom prst="bentConnector3">
-            <a:avLst>
-              <a:gd name="adj1" fmla="val 50000"/>
-            </a:avLst>
-          </a:prstGeom>
-          <a:ln w="19050">
-            <a:solidFill>
-              <a:srgbClr val="7030A0"/>
-            </a:solidFill>
-            <a:headEnd type="none" w="med" len="med"/>
-            <a:tailEnd type="arrow" w="med" len="med"/>
-          </a:ln>
-          <a:effectLst/>
-        </p:spPr>
-        <p:style>
-          <a:lnRef idx="1">
-            <a:schemeClr val="accent2"/>
-          </a:lnRef>
-          <a:fillRef idx="2">
-            <a:schemeClr val="accent2"/>
-          </a:fillRef>
-          <a:effectRef idx="1">
-            <a:schemeClr val="accent2"/>
-          </a:effectRef>
-          <a:fontRef idx="minor">
-            <a:schemeClr val="dk1"/>
-          </a:fontRef>
-        </p:style>
-      </p:cxnSp>
-      <p:sp>
-        <p:nvSpPr>
-          <p:cNvPr id="106" name="Rectangle 8">
-            <a:extLst>
-              <a:ext uri="{FF2B5EF4-FFF2-40B4-BE49-F238E27FC236}">
-                <a16:creationId xmlns:a16="http://schemas.microsoft.com/office/drawing/2014/main" id="{71E27C50-38BC-458C-826E-0083DC999D71}"/>
-              </a:ext>
-            </a:extLst>
-          </p:cNvPr>
-          <p:cNvSpPr/>
-          <p:nvPr/>
-        </p:nvSpPr>
-        <p:spPr>
-          <a:xfrm>
-            <a:off x="5740462" y="758106"/>
-            <a:ext cx="863386" cy="251279"/>
-          </a:xfrm>
-          <a:prstGeom prst="rect">
-            <a:avLst/>
-          </a:prstGeom>
-          <a:ln w="19050">
-            <a:solidFill>
-              <a:srgbClr val="7030A0"/>
-            </a:solidFill>
-          </a:ln>
-          <a:effectLst/>
-        </p:spPr>
-        <p:style>
-          <a:lnRef idx="1">
-            <a:schemeClr val="accent4"/>
-          </a:lnRef>
-          <a:fillRef idx="2">
-            <a:schemeClr val="accent4"/>
-          </a:fillRef>
-          <a:effectRef idx="1">
-            <a:schemeClr val="accent4"/>
-          </a:effectRef>
-          <a:fontRef idx="minor">
-            <a:schemeClr val="dk1"/>
-          </a:fontRef>
-        </p:style>
-        <p:txBody>
-          <a:bodyPr rtlCol="0" anchor="ctr"/>
-          <a:lstStyle/>
-          <a:p>
-            <a:pPr algn="ctr"/>
-            <a:r>
-              <a:rPr lang="en-US" sz="1050" dirty="0" err="1">
-                <a:solidFill>
-                  <a:srgbClr val="7030A0"/>
-                </a:solidFill>
-              </a:rPr>
-              <a:t>EventVenue</a:t>
-            </a:r>
-            <a:endParaRPr lang="en-SG" sz="1050" dirty="0">
-              <a:solidFill>
-                <a:srgbClr val="7030A0"/>
-              </a:solidFill>
-            </a:endParaRPr>
-          </a:p>
-        </p:txBody>
-      </p:sp>
-      <p:cxnSp>
-        <p:nvCxnSpPr>
-          <p:cNvPr id="109" name="Elbow Connector 78">
-            <a:extLst>
-              <a:ext uri="{FF2B5EF4-FFF2-40B4-BE49-F238E27FC236}">
-                <a16:creationId xmlns:a16="http://schemas.microsoft.com/office/drawing/2014/main" id="{47D48B73-D963-4D0F-A750-FB875F5D98ED}"/>
-              </a:ext>
-            </a:extLst>
-          </p:cNvPr>
-          <p:cNvCxnSpPr>
-            <a:cxnSpLocks/>
-            <a:stCxn id="92" idx="3"/>
-            <a:endCxn id="72" idx="2"/>
-          </p:cNvCxnSpPr>
-          <p:nvPr/>
-        </p:nvCxnSpPr>
-        <p:spPr>
-          <a:xfrm rot="16200000" flipV="1">
-            <a:off x="4401677" y="480721"/>
-            <a:ext cx="692857" cy="1750185"/>
-          </a:xfrm>
-          <a:prstGeom prst="bentConnector3">
-            <a:avLst>
-              <a:gd name="adj1" fmla="val 50000"/>
-            </a:avLst>
-          </a:prstGeom>
-          <a:ln w="19050">
-            <a:solidFill>
-              <a:srgbClr val="7030A0"/>
-            </a:solidFill>
-            <a:headEnd type="none" w="med" len="med"/>
-            <a:tailEnd type="arrow" w="med" len="med"/>
-          </a:ln>
-          <a:effectLst/>
-        </p:spPr>
-        <p:style>
-          <a:lnRef idx="1">
-            <a:schemeClr val="accent2"/>
-          </a:lnRef>
-          <a:fillRef idx="2">
-            <a:schemeClr val="accent2"/>
-          </a:fillRef>
-          <a:effectRef idx="1">
-            <a:schemeClr val="accent2"/>
-          </a:effectRef>
-          <a:fontRef idx="minor">
-            <a:schemeClr val="dk1"/>
-          </a:fontRef>
-        </p:style>
-      </p:cxnSp>
-      <p:sp>
-        <p:nvSpPr>
-          <p:cNvPr id="110" name="Rectangle 8">
-            <a:extLst>
-              <a:ext uri="{FF2B5EF4-FFF2-40B4-BE49-F238E27FC236}">
-                <a16:creationId xmlns:a16="http://schemas.microsoft.com/office/drawing/2014/main" id="{C95B48A1-8A5B-469C-AFA7-B11F77DAB484}"/>
-              </a:ext>
-            </a:extLst>
-          </p:cNvPr>
-          <p:cNvSpPr/>
-          <p:nvPr/>
-        </p:nvSpPr>
-        <p:spPr>
-          <a:xfrm>
-            <a:off x="6869032" y="758107"/>
-            <a:ext cx="1113452" cy="251278"/>
-          </a:xfrm>
-          <a:prstGeom prst="rect">
-            <a:avLst/>
-          </a:prstGeom>
-          <a:ln w="19050">
-            <a:solidFill>
-              <a:srgbClr val="7030A0"/>
-            </a:solidFill>
-          </a:ln>
-          <a:effectLst/>
-        </p:spPr>
-        <p:style>
-          <a:lnRef idx="1">
-            <a:schemeClr val="accent4"/>
-          </a:lnRef>
-          <a:fillRef idx="2">
-            <a:schemeClr val="accent4"/>
-          </a:fillRef>
-          <a:effectRef idx="1">
-            <a:schemeClr val="accent4"/>
-          </a:effectRef>
-          <a:fontRef idx="minor">
-            <a:schemeClr val="dk1"/>
-          </a:fontRef>
-        </p:style>
-        <p:txBody>
-          <a:bodyPr rtlCol="0" anchor="ctr"/>
-          <a:lstStyle/>
-          <a:p>
-            <a:pPr algn="ctr"/>
-            <a:r>
-              <a:rPr lang="en-US" sz="1050" dirty="0" err="1">
-                <a:solidFill>
-                  <a:srgbClr val="7030A0"/>
-                </a:solidFill>
-              </a:rPr>
-              <a:t>EventStartTime</a:t>
-            </a:r>
-            <a:endParaRPr lang="en-SG" sz="1050" dirty="0">
-              <a:solidFill>
-                <a:srgbClr val="7030A0"/>
-              </a:solidFill>
-            </a:endParaRPr>
-          </a:p>
-        </p:txBody>
-      </p:sp>
-      <p:cxnSp>
-        <p:nvCxnSpPr>
-          <p:cNvPr id="121" name="Elbow Connector 78">
-            <a:extLst>
-              <a:ext uri="{FF2B5EF4-FFF2-40B4-BE49-F238E27FC236}">
-                <a16:creationId xmlns:a16="http://schemas.microsoft.com/office/drawing/2014/main" id="{E68A79CC-F66C-45A6-8338-FC7708525D4F}"/>
-              </a:ext>
-            </a:extLst>
-          </p:cNvPr>
-          <p:cNvCxnSpPr>
-            <a:cxnSpLocks/>
-            <a:stCxn id="92" idx="3"/>
-            <a:endCxn id="94" idx="2"/>
-          </p:cNvCxnSpPr>
-          <p:nvPr/>
-        </p:nvCxnSpPr>
-        <p:spPr>
-          <a:xfrm rot="16200000" flipV="1">
-            <a:off x="4973580" y="1052624"/>
-            <a:ext cx="680071" cy="619165"/>
-          </a:xfrm>
-          <a:prstGeom prst="bentConnector3">
-            <a:avLst>
-              <a:gd name="adj1" fmla="val 50000"/>
-            </a:avLst>
-          </a:prstGeom>
-          <a:ln w="19050">
-            <a:solidFill>
-              <a:srgbClr val="7030A0"/>
-            </a:solidFill>
-            <a:headEnd type="none" w="med" len="med"/>
-            <a:tailEnd type="arrow" w="med" len="med"/>
-          </a:ln>
-          <a:effectLst/>
-        </p:spPr>
-        <p:style>
-          <a:lnRef idx="1">
-            <a:schemeClr val="accent2"/>
-          </a:lnRef>
-          <a:fillRef idx="2">
-            <a:schemeClr val="accent2"/>
-          </a:fillRef>
-          <a:effectRef idx="1">
-            <a:schemeClr val="accent2"/>
-          </a:effectRef>
-          <a:fontRef idx="minor">
-            <a:schemeClr val="dk1"/>
-          </a:fontRef>
-        </p:style>
-      </p:cxnSp>
+              <a:headEnd type="none" w="med" len="med"/>
+              <a:tailEnd type="arrow" w="med" len="med"/>
+            </a:ln>
+            <a:effectLst/>
+          </p:spPr>
+          <p:style>
+            <a:lnRef idx="1">
+              <a:schemeClr val="accent2"/>
+            </a:lnRef>
+            <a:fillRef idx="2">
+              <a:schemeClr val="accent2"/>
+            </a:fillRef>
+            <a:effectRef idx="1">
+              <a:schemeClr val="accent2"/>
+            </a:effectRef>
+            <a:fontRef idx="minor">
+              <a:schemeClr val="dk1"/>
+            </a:fontRef>
+          </p:style>
+        </p:cxnSp>
+      </p:grpSp>
     </p:spTree>
     <p:extLst>
       <p:ext uri="{BB962C8B-B14F-4D97-AF65-F5344CB8AC3E}">

--- a/docs/diagrams/ModelComponentClassDiagram.pptx
+++ b/docs/diagrams/ModelComponentClassDiagram.pptx
@@ -4707,8 +4707,8 @@
           </p:nvSpPr>
           <p:spPr>
             <a:xfrm>
-              <a:off x="7274298" y="3508817"/>
-              <a:ext cx="708186" cy="285783"/>
+              <a:off x="7274297" y="3557045"/>
+              <a:ext cx="978163" cy="237555"/>
             </a:xfrm>
             <a:prstGeom prst="rect">
               <a:avLst/>
@@ -4745,7 +4745,7 @@
                     <a:srgbClr val="7030A0"/>
                   </a:solidFill>
                 </a:rPr>
-                <a:t>Address</a:t>
+                <a:t>Attendance</a:t>
               </a:r>
               <a:endParaRPr lang="en-SG" sz="1050" dirty="0">
                 <a:solidFill>
@@ -4759,6 +4759,7 @@
           <p:nvCxnSpPr>
             <p:cNvPr id="86" name="Elbow Connector 85"/>
             <p:cNvCxnSpPr>
+              <a:cxnSpLocks/>
               <a:stCxn id="78" idx="3"/>
               <a:endCxn id="85" idx="1"/>
             </p:cNvCxnSpPr>
@@ -4767,7 +4768,7 @@
           <p:spPr>
             <a:xfrm>
               <a:off x="6839896" y="3010537"/>
-              <a:ext cx="434402" cy="641172"/>
+              <a:ext cx="434401" cy="665286"/>
             </a:xfrm>
             <a:prstGeom prst="bentConnector3">
               <a:avLst/>
@@ -6520,6 +6521,217 @@
           </p:style>
         </p:cxnSp>
       </p:grpSp>
+      <p:sp>
+        <p:nvSpPr>
+          <p:cNvPr id="67" name="Rectangle 8">
+            <a:extLst>
+              <a:ext uri="{FF2B5EF4-FFF2-40B4-BE49-F238E27FC236}">
+                <a16:creationId xmlns:a16="http://schemas.microsoft.com/office/drawing/2014/main" id="{080A4195-3E10-4932-9236-9E40A91B5166}"/>
+              </a:ext>
+            </a:extLst>
+          </p:cNvPr>
+          <p:cNvSpPr/>
+          <p:nvPr/>
+        </p:nvSpPr>
+        <p:spPr>
+          <a:xfrm>
+            <a:off x="7274296" y="3882666"/>
+            <a:ext cx="978163" cy="237555"/>
+          </a:xfrm>
+          <a:prstGeom prst="rect">
+            <a:avLst/>
+          </a:prstGeom>
+          <a:ln w="19050">
+            <a:solidFill>
+              <a:srgbClr val="7030A0"/>
+            </a:solidFill>
+          </a:ln>
+          <a:effectLst/>
+        </p:spPr>
+        <p:style>
+          <a:lnRef idx="1">
+            <a:schemeClr val="accent4"/>
+          </a:lnRef>
+          <a:fillRef idx="2">
+            <a:schemeClr val="accent4"/>
+          </a:fillRef>
+          <a:effectRef idx="1">
+            <a:schemeClr val="accent4"/>
+          </a:effectRef>
+          <a:fontRef idx="minor">
+            <a:schemeClr val="dk1"/>
+          </a:fontRef>
+        </p:style>
+        <p:txBody>
+          <a:bodyPr rtlCol="0" anchor="ctr"/>
+          <a:lstStyle/>
+          <a:p>
+            <a:pPr algn="ctr"/>
+            <a:r>
+              <a:rPr lang="en-US" sz="1050" dirty="0">
+                <a:solidFill>
+                  <a:srgbClr val="7030A0"/>
+                </a:solidFill>
+              </a:rPr>
+              <a:t>Payment</a:t>
+            </a:r>
+            <a:endParaRPr lang="en-SG" sz="1050" dirty="0">
+              <a:solidFill>
+                <a:srgbClr val="7030A0"/>
+              </a:solidFill>
+            </a:endParaRPr>
+          </a:p>
+        </p:txBody>
+      </p:sp>
+      <p:sp>
+        <p:nvSpPr>
+          <p:cNvPr id="71" name="Rectangle 8">
+            <a:extLst>
+              <a:ext uri="{FF2B5EF4-FFF2-40B4-BE49-F238E27FC236}">
+                <a16:creationId xmlns:a16="http://schemas.microsoft.com/office/drawing/2014/main" id="{69A5AADD-653F-41C2-BFEE-E3F60462A04C}"/>
+              </a:ext>
+            </a:extLst>
+          </p:cNvPr>
+          <p:cNvSpPr/>
+          <p:nvPr/>
+        </p:nvSpPr>
+        <p:spPr>
+          <a:xfrm>
+            <a:off x="7274295" y="4236845"/>
+            <a:ext cx="1066800" cy="237555"/>
+          </a:xfrm>
+          <a:prstGeom prst="rect">
+            <a:avLst/>
+          </a:prstGeom>
+          <a:ln w="19050">
+            <a:solidFill>
+              <a:srgbClr val="7030A0"/>
+            </a:solidFill>
+          </a:ln>
+          <a:effectLst/>
+        </p:spPr>
+        <p:style>
+          <a:lnRef idx="1">
+            <a:schemeClr val="accent4"/>
+          </a:lnRef>
+          <a:fillRef idx="2">
+            <a:schemeClr val="accent4"/>
+          </a:fillRef>
+          <a:effectRef idx="1">
+            <a:schemeClr val="accent4"/>
+          </a:effectRef>
+          <a:fontRef idx="minor">
+            <a:schemeClr val="dk1"/>
+          </a:fontRef>
+        </p:style>
+        <p:txBody>
+          <a:bodyPr rtlCol="0" anchor="ctr"/>
+          <a:lstStyle/>
+          <a:p>
+            <a:pPr algn="ctr"/>
+            <a:r>
+              <a:rPr lang="en-SG" sz="1050" dirty="0">
+                <a:solidFill>
+                  <a:srgbClr val="7030A0"/>
+                </a:solidFill>
+              </a:rPr>
+              <a:t>Unique ID (UID)</a:t>
+            </a:r>
+          </a:p>
+        </p:txBody>
+      </p:sp>
+      <p:cxnSp>
+        <p:nvCxnSpPr>
+          <p:cNvPr id="73" name="Elbow Connector 85">
+            <a:extLst>
+              <a:ext uri="{FF2B5EF4-FFF2-40B4-BE49-F238E27FC236}">
+                <a16:creationId xmlns:a16="http://schemas.microsoft.com/office/drawing/2014/main" id="{2ED1E52D-633E-4EDF-AFA6-60F6CA1BE015}"/>
+              </a:ext>
+            </a:extLst>
+          </p:cNvPr>
+          <p:cNvCxnSpPr>
+            <a:cxnSpLocks/>
+          </p:cNvCxnSpPr>
+          <p:nvPr/>
+        </p:nvCxnSpPr>
+        <p:spPr>
+          <a:xfrm rot="16200000" flipH="1">
+            <a:off x="6666980" y="3394128"/>
+            <a:ext cx="997432" cy="217201"/>
+          </a:xfrm>
+          <a:prstGeom prst="bentConnector2">
+            <a:avLst/>
+          </a:prstGeom>
+          <a:ln w="19050">
+            <a:solidFill>
+              <a:srgbClr val="7030A0"/>
+            </a:solidFill>
+            <a:headEnd type="none" w="med" len="med"/>
+            <a:tailEnd type="arrow" w="med" len="med"/>
+          </a:ln>
+          <a:effectLst/>
+        </p:spPr>
+        <p:style>
+          <a:lnRef idx="1">
+            <a:schemeClr val="accent2"/>
+          </a:lnRef>
+          <a:fillRef idx="2">
+            <a:schemeClr val="accent2"/>
+          </a:fillRef>
+          <a:effectRef idx="1">
+            <a:schemeClr val="accent2"/>
+          </a:effectRef>
+          <a:fontRef idx="minor">
+            <a:schemeClr val="dk1"/>
+          </a:fontRef>
+        </p:style>
+      </p:cxnSp>
+      <p:cxnSp>
+        <p:nvCxnSpPr>
+          <p:cNvPr id="88" name="Elbow Connector 85">
+            <a:extLst>
+              <a:ext uri="{FF2B5EF4-FFF2-40B4-BE49-F238E27FC236}">
+                <a16:creationId xmlns:a16="http://schemas.microsoft.com/office/drawing/2014/main" id="{9D79DA94-D9B6-4DB1-9617-25AB6AFE7B1D}"/>
+              </a:ext>
+            </a:extLst>
+          </p:cNvPr>
+          <p:cNvCxnSpPr>
+            <a:cxnSpLocks/>
+          </p:cNvCxnSpPr>
+          <p:nvPr/>
+        </p:nvCxnSpPr>
+        <p:spPr>
+          <a:xfrm rot="16200000" flipH="1">
+            <a:off x="6668955" y="3755322"/>
+            <a:ext cx="997432" cy="217201"/>
+          </a:xfrm>
+          <a:prstGeom prst="bentConnector2">
+            <a:avLst/>
+          </a:prstGeom>
+          <a:ln w="19050">
+            <a:solidFill>
+              <a:srgbClr val="7030A0"/>
+            </a:solidFill>
+            <a:headEnd type="none" w="med" len="med"/>
+            <a:tailEnd type="arrow" w="med" len="med"/>
+          </a:ln>
+          <a:effectLst/>
+        </p:spPr>
+        <p:style>
+          <a:lnRef idx="1">
+            <a:schemeClr val="accent2"/>
+          </a:lnRef>
+          <a:fillRef idx="2">
+            <a:schemeClr val="accent2"/>
+          </a:fillRef>
+          <a:effectRef idx="1">
+            <a:schemeClr val="accent2"/>
+          </a:effectRef>
+          <a:fontRef idx="minor">
+            <a:schemeClr val="dk1"/>
+          </a:fontRef>
+        </p:style>
+      </p:cxnSp>
     </p:spTree>
     <p:extLst>
       <p:ext uri="{BB962C8B-B14F-4D97-AF65-F5344CB8AC3E}">
